--- a/CIS 454 Project 2.pptx
+++ b/CIS 454 Project 2.pptx
@@ -1,44 +1,48 @@
 
 <file path=ppt/presentation.xml><?xml version="1.0" encoding="utf-8"?>
-<p:presentation xmlns:a="http://schemas.openxmlformats.org/drawingml/2006/main" xmlns:r="http://schemas.openxmlformats.org/officeDocument/2006/relationships" xmlns:mc="http://schemas.openxmlformats.org/markup-compatibility/2006" xmlns:mv="urn:schemas-microsoft-com:mac:vml" xmlns:p="http://schemas.openxmlformats.org/presentationml/2006/main" xmlns:c="http://schemas.openxmlformats.org/drawingml/2006/chart" xmlns:dgm="http://schemas.openxmlformats.org/drawingml/2006/diagram" xmlns:o="urn:schemas-microsoft-com:office:office" xmlns:v="urn:schemas-microsoft-com:vml" xmlns:pvml="urn:schemas-microsoft-com:office:powerpoint" xmlns:com="http://schemas.openxmlformats.org/drawingml/2006/compatibility" xmlns:p14="http://schemas.microsoft.com/office/powerpoint/2010/main" xmlns:p15="http://schemas.microsoft.com/office/powerpoint/2012/main" autoCompressPictures="0" embedTrueTypeFonts="1" strictFirstAndLastChars="0" saveSubsetFonts="1">
+<p:presentation xmlns:a="http://schemas.openxmlformats.org/drawingml/2006/main" xmlns:r="http://schemas.openxmlformats.org/officeDocument/2006/relationships" xmlns:p="http://schemas.openxmlformats.org/presentationml/2006/main" strictFirstAndLastChars="0" embedTrueTypeFonts="1" saveSubsetFonts="1" autoCompressPictures="0">
   <p:sldMasterIdLst>
-    <p:sldMasterId id="2147483659" r:id="rId4"/>
+    <p:sldMasterId id="2147483659" r:id="rId1"/>
   </p:sldMasterIdLst>
   <p:notesMasterIdLst>
-    <p:notesMasterId r:id="rId5"/>
+    <p:notesMasterId r:id="rId12"/>
   </p:notesMasterIdLst>
   <p:sldIdLst>
-    <p:sldId id="256" r:id="rId6"/>
-    <p:sldId id="257" r:id="rId7"/>
-    <p:sldId id="258" r:id="rId8"/>
-    <p:sldId id="259" r:id="rId9"/>
-    <p:sldId id="260" r:id="rId10"/>
-    <p:sldId id="261" r:id="rId11"/>
-    <p:sldId id="262" r:id="rId12"/>
-    <p:sldId id="263" r:id="rId13"/>
-    <p:sldId id="264" r:id="rId14"/>
-    <p:sldId id="265" r:id="rId15"/>
+    <p:sldId id="256" r:id="rId2"/>
+    <p:sldId id="257" r:id="rId3"/>
+    <p:sldId id="258" r:id="rId4"/>
+    <p:sldId id="259" r:id="rId5"/>
+    <p:sldId id="260" r:id="rId6"/>
+    <p:sldId id="261" r:id="rId7"/>
+    <p:sldId id="262" r:id="rId8"/>
+    <p:sldId id="263" r:id="rId9"/>
+    <p:sldId id="264" r:id="rId10"/>
+    <p:sldId id="265" r:id="rId11"/>
   </p:sldIdLst>
-  <p:sldSz cy="5143500" cx="9144000"/>
+  <p:sldSz cx="9144000" cy="5143500" type="screen16x9"/>
   <p:notesSz cx="6858000" cy="9144000"/>
   <p:embeddedFontLst>
     <p:embeddedFont>
-      <p:font typeface="Montserrat"/>
-      <p:regular r:id="rId16"/>
-      <p:bold r:id="rId17"/>
-      <p:italic r:id="rId18"/>
-      <p:boldItalic r:id="rId19"/>
+      <p:font typeface="Impact" panose="020B0806030902050204" pitchFamily="34" charset="0"/>
+      <p:regular r:id="rId13"/>
     </p:embeddedFont>
     <p:embeddedFont>
-      <p:font typeface="Lato"/>
-      <p:regular r:id="rId20"/>
-      <p:bold r:id="rId21"/>
-      <p:italic r:id="rId22"/>
-      <p:boldItalic r:id="rId23"/>
+      <p:font typeface="Lato" panose="020B0604020202020204" charset="0"/>
+      <p:regular r:id="rId14"/>
+      <p:bold r:id="rId15"/>
+      <p:italic r:id="rId16"/>
+      <p:boldItalic r:id="rId17"/>
+    </p:embeddedFont>
+    <p:embeddedFont>
+      <p:font typeface="Montserrat" panose="020B0604020202020204" charset="0"/>
+      <p:regular r:id="rId18"/>
+      <p:bold r:id="rId19"/>
+      <p:italic r:id="rId20"/>
+      <p:boldItalic r:id="rId21"/>
     </p:embeddedFont>
   </p:embeddedFontLst>
   <p:defaultTextStyle>
-    <a:defPPr lvl="0" marR="0" rtl="0" algn="l">
+    <a:defPPr marR="0" lvl="0" algn="l" rtl="0">
       <a:lnSpc>
         <a:spcPct val="100000"/>
       </a:lnSpc>
@@ -49,7 +53,7 @@
         <a:spcPts val="0"/>
       </a:spcAft>
     </a:defPPr>
-    <a:lvl1pPr lvl="0" marR="0" rtl="0" algn="l">
+    <a:lvl1pPr marR="0" lvl="0" algn="l" rtl="0">
       <a:lnSpc>
         <a:spcPct val="100000"/>
       </a:lnSpc>
@@ -63,7 +67,7 @@
         <a:srgbClr val="000000"/>
       </a:buClr>
       <a:buFont typeface="Arial"/>
-      <a:defRPr b="0" i="0" sz="1400" u="none" cap="none" strike="noStrike">
+      <a:defRPr sz="1400" b="0" i="0" u="none" strike="noStrike" cap="none">
         <a:solidFill>
           <a:srgbClr val="000000"/>
         </a:solidFill>
@@ -73,7 +77,7 @@
         <a:sym typeface="Arial"/>
       </a:defRPr>
     </a:lvl1pPr>
-    <a:lvl2pPr lvl="1" marR="0" rtl="0" algn="l">
+    <a:lvl2pPr marR="0" lvl="1" algn="l" rtl="0">
       <a:lnSpc>
         <a:spcPct val="100000"/>
       </a:lnSpc>
@@ -87,7 +91,7 @@
         <a:srgbClr val="000000"/>
       </a:buClr>
       <a:buFont typeface="Arial"/>
-      <a:defRPr b="0" i="0" sz="1400" u="none" cap="none" strike="noStrike">
+      <a:defRPr sz="1400" b="0" i="0" u="none" strike="noStrike" cap="none">
         <a:solidFill>
           <a:srgbClr val="000000"/>
         </a:solidFill>
@@ -97,7 +101,7 @@
         <a:sym typeface="Arial"/>
       </a:defRPr>
     </a:lvl2pPr>
-    <a:lvl3pPr lvl="2" marR="0" rtl="0" algn="l">
+    <a:lvl3pPr marR="0" lvl="2" algn="l" rtl="0">
       <a:lnSpc>
         <a:spcPct val="100000"/>
       </a:lnSpc>
@@ -111,7 +115,7 @@
         <a:srgbClr val="000000"/>
       </a:buClr>
       <a:buFont typeface="Arial"/>
-      <a:defRPr b="0" i="0" sz="1400" u="none" cap="none" strike="noStrike">
+      <a:defRPr sz="1400" b="0" i="0" u="none" strike="noStrike" cap="none">
         <a:solidFill>
           <a:srgbClr val="000000"/>
         </a:solidFill>
@@ -121,7 +125,7 @@
         <a:sym typeface="Arial"/>
       </a:defRPr>
     </a:lvl3pPr>
-    <a:lvl4pPr lvl="3" marR="0" rtl="0" algn="l">
+    <a:lvl4pPr marR="0" lvl="3" algn="l" rtl="0">
       <a:lnSpc>
         <a:spcPct val="100000"/>
       </a:lnSpc>
@@ -135,7 +139,7 @@
         <a:srgbClr val="000000"/>
       </a:buClr>
       <a:buFont typeface="Arial"/>
-      <a:defRPr b="0" i="0" sz="1400" u="none" cap="none" strike="noStrike">
+      <a:defRPr sz="1400" b="0" i="0" u="none" strike="noStrike" cap="none">
         <a:solidFill>
           <a:srgbClr val="000000"/>
         </a:solidFill>
@@ -145,7 +149,7 @@
         <a:sym typeface="Arial"/>
       </a:defRPr>
     </a:lvl4pPr>
-    <a:lvl5pPr lvl="4" marR="0" rtl="0" algn="l">
+    <a:lvl5pPr marR="0" lvl="4" algn="l" rtl="0">
       <a:lnSpc>
         <a:spcPct val="100000"/>
       </a:lnSpc>
@@ -159,7 +163,7 @@
         <a:srgbClr val="000000"/>
       </a:buClr>
       <a:buFont typeface="Arial"/>
-      <a:defRPr b="0" i="0" sz="1400" u="none" cap="none" strike="noStrike">
+      <a:defRPr sz="1400" b="0" i="0" u="none" strike="noStrike" cap="none">
         <a:solidFill>
           <a:srgbClr val="000000"/>
         </a:solidFill>
@@ -169,7 +173,7 @@
         <a:sym typeface="Arial"/>
       </a:defRPr>
     </a:lvl5pPr>
-    <a:lvl6pPr lvl="5" marR="0" rtl="0" algn="l">
+    <a:lvl6pPr marR="0" lvl="5" algn="l" rtl="0">
       <a:lnSpc>
         <a:spcPct val="100000"/>
       </a:lnSpc>
@@ -183,7 +187,7 @@
         <a:srgbClr val="000000"/>
       </a:buClr>
       <a:buFont typeface="Arial"/>
-      <a:defRPr b="0" i="0" sz="1400" u="none" cap="none" strike="noStrike">
+      <a:defRPr sz="1400" b="0" i="0" u="none" strike="noStrike" cap="none">
         <a:solidFill>
           <a:srgbClr val="000000"/>
         </a:solidFill>
@@ -193,7 +197,7 @@
         <a:sym typeface="Arial"/>
       </a:defRPr>
     </a:lvl6pPr>
-    <a:lvl7pPr lvl="6" marR="0" rtl="0" algn="l">
+    <a:lvl7pPr marR="0" lvl="6" algn="l" rtl="0">
       <a:lnSpc>
         <a:spcPct val="100000"/>
       </a:lnSpc>
@@ -207,7 +211,7 @@
         <a:srgbClr val="000000"/>
       </a:buClr>
       <a:buFont typeface="Arial"/>
-      <a:defRPr b="0" i="0" sz="1400" u="none" cap="none" strike="noStrike">
+      <a:defRPr sz="1400" b="0" i="0" u="none" strike="noStrike" cap="none">
         <a:solidFill>
           <a:srgbClr val="000000"/>
         </a:solidFill>
@@ -217,7 +221,7 @@
         <a:sym typeface="Arial"/>
       </a:defRPr>
     </a:lvl7pPr>
-    <a:lvl8pPr lvl="7" marR="0" rtl="0" algn="l">
+    <a:lvl8pPr marR="0" lvl="7" algn="l" rtl="0">
       <a:lnSpc>
         <a:spcPct val="100000"/>
       </a:lnSpc>
@@ -231,7 +235,7 @@
         <a:srgbClr val="000000"/>
       </a:buClr>
       <a:buFont typeface="Arial"/>
-      <a:defRPr b="0" i="0" sz="1400" u="none" cap="none" strike="noStrike">
+      <a:defRPr sz="1400" b="0" i="0" u="none" strike="noStrike" cap="none">
         <a:solidFill>
           <a:srgbClr val="000000"/>
         </a:solidFill>
@@ -241,7 +245,7 @@
         <a:sym typeface="Arial"/>
       </a:defRPr>
     </a:lvl8pPr>
-    <a:lvl9pPr lvl="8" marR="0" rtl="0" algn="l">
+    <a:lvl9pPr marR="0" lvl="8" algn="l" rtl="0">
       <a:lnSpc>
         <a:spcPct val="100000"/>
       </a:lnSpc>
@@ -255,7 +259,7 @@
         <a:srgbClr val="000000"/>
       </a:buClr>
       <a:buFont typeface="Arial"/>
-      <a:defRPr b="0" i="0" sz="1400" u="none" cap="none" strike="noStrike">
+      <a:defRPr sz="1400" b="0" i="0" u="none" strike="noStrike" cap="none">
         <a:solidFill>
           <a:srgbClr val="000000"/>
         </a:solidFill>
@@ -268,7 +272,7 @@
   </p:defaultTextStyle>
   <p:extLst>
     <p:ext uri="{EFAFB233-063F-42B5-8137-9DF3F51BA10A}">
-      <p15:sldGuideLst>
+      <p15:sldGuideLst xmlns:p15="http://schemas.microsoft.com/office/powerpoint/2012/main">
         <p15:guide id="1" orient="horz" pos="1620">
           <p15:clr>
             <a:srgbClr val="A4A3A4"/>
@@ -286,11 +290,16 @@
 </file>
 
 <file path=ppt/notesMasters/notesMaster1.xml><?xml version="1.0" encoding="utf-8"?>
-<p:notesMaster xmlns:a="http://schemas.openxmlformats.org/drawingml/2006/main" xmlns:r="http://schemas.openxmlformats.org/officeDocument/2006/relationships" xmlns:mc="http://schemas.openxmlformats.org/markup-compatibility/2006" xmlns:mv="urn:schemas-microsoft-com:mac:vml" xmlns:p="http://schemas.openxmlformats.org/presentationml/2006/main" xmlns:c="http://schemas.openxmlformats.org/drawingml/2006/chart" xmlns:dgm="http://schemas.openxmlformats.org/drawingml/2006/diagram" xmlns:o="urn:schemas-microsoft-com:office:office" xmlns:v="urn:schemas-microsoft-com:vml" xmlns:pvml="urn:schemas-microsoft-com:office:powerpoint" xmlns:com="http://schemas.openxmlformats.org/drawingml/2006/compatibility" xmlns:p14="http://schemas.microsoft.com/office/powerpoint/2010/main" xmlns:p15="http://schemas.microsoft.com/office/powerpoint/2012/main">
+<p:notesMaster xmlns:a="http://schemas.openxmlformats.org/drawingml/2006/main" xmlns:r="http://schemas.openxmlformats.org/officeDocument/2006/relationships" xmlns:p="http://schemas.openxmlformats.org/presentationml/2006/main">
   <p:cSld>
+    <p:bg>
+      <p:bgRef idx="1001">
+        <a:schemeClr val="bg1"/>
+      </p:bgRef>
+    </p:bg>
     <p:spTree>
       <p:nvGrpSpPr>
-        <p:cNvPr id="2" name="Shape 2"/>
+        <p:cNvPr id="1" name="Shape 2"/>
         <p:cNvGrpSpPr/>
         <p:nvPr/>
       </p:nvGrpSpPr>
@@ -305,9 +314,11 @@
       <p:sp>
         <p:nvSpPr>
           <p:cNvPr id="3" name="Google Shape;3;n"/>
-          <p:cNvSpPr/>
+          <p:cNvSpPr>
+            <a:spLocks noGrp="1" noRot="1" noChangeAspect="1"/>
+          </p:cNvSpPr>
           <p:nvPr>
-            <p:ph idx="2" type="sldImg"/>
+            <p:ph type="sldImg" idx="2"/>
           </p:nvPr>
         </p:nvSpPr>
         <p:spPr>
@@ -316,9 +327,13 @@
             <a:ext cx="6096075" cy="3429000"/>
           </a:xfrm>
           <a:custGeom>
-            <a:rect b="b" l="l" r="r" t="t"/>
+            <a:avLst/>
+            <a:gdLst/>
+            <a:ahLst/>
+            <a:cxnLst/>
+            <a:rect l="l" t="t" r="r" b="b"/>
             <a:pathLst>
-              <a:path extrusionOk="0" h="120000" w="120000">
+              <a:path w="120000" h="120000" extrusionOk="0">
                 <a:moveTo>
                   <a:pt x="0" y="0"/>
                 </a:moveTo>
@@ -336,23 +351,25 @@
             </a:pathLst>
           </a:custGeom>
           <a:noFill/>
-          <a:ln cap="flat" cmpd="sng" w="9525">
+          <a:ln w="9525" cap="flat" cmpd="sng">
             <a:solidFill>
               <a:srgbClr val="000000"/>
             </a:solidFill>
             <a:prstDash val="solid"/>
             <a:round/>
-            <a:headEnd len="sm" w="sm" type="none"/>
-            <a:tailEnd len="sm" w="sm" type="none"/>
+            <a:headEnd type="none" w="sm" len="sm"/>
+            <a:tailEnd type="none" w="sm" len="sm"/>
           </a:ln>
         </p:spPr>
       </p:sp>
       <p:sp>
         <p:nvSpPr>
           <p:cNvPr id="4" name="Google Shape;4;n"/>
-          <p:cNvSpPr txBox="1"/>
+          <p:cNvSpPr txBox="1">
+            <a:spLocks noGrp="1"/>
+          </p:cNvSpPr>
           <p:nvPr>
-            <p:ph idx="1" type="body"/>
+            <p:ph type="body" idx="1"/>
           </p:nvPr>
         </p:nvSpPr>
         <p:spPr>
@@ -369,9 +386,9 @@
           </a:ln>
         </p:spPr>
         <p:txBody>
-          <a:bodyPr anchorCtr="0" anchor="t" bIns="91425" lIns="91425" spcFirstLastPara="1" rIns="91425" wrap="square" tIns="91425"/>
+          <a:bodyPr spcFirstLastPara="1" wrap="square" lIns="91425" tIns="91425" rIns="91425" bIns="91425" anchor="t" anchorCtr="0"/>
           <a:lstStyle>
-            <a:lvl1pPr indent="-298450" lvl="0" marL="457200">
+            <a:lvl1pPr marL="457200" lvl="0" indent="-298450">
               <a:spcBef>
                 <a:spcPts val="0"/>
               </a:spcBef>
@@ -382,7 +399,7 @@
               <a:buChar char="●"/>
               <a:defRPr sz="1100"/>
             </a:lvl1pPr>
-            <a:lvl2pPr indent="-298450" lvl="1" marL="914400">
+            <a:lvl2pPr marL="914400" lvl="1" indent="-298450">
               <a:spcBef>
                 <a:spcPts val="0"/>
               </a:spcBef>
@@ -393,7 +410,7 @@
               <a:buChar char="○"/>
               <a:defRPr sz="1100"/>
             </a:lvl2pPr>
-            <a:lvl3pPr indent="-298450" lvl="2" marL="1371600">
+            <a:lvl3pPr marL="1371600" lvl="2" indent="-298450">
               <a:spcBef>
                 <a:spcPts val="0"/>
               </a:spcBef>
@@ -404,7 +421,7 @@
               <a:buChar char="■"/>
               <a:defRPr sz="1100"/>
             </a:lvl3pPr>
-            <a:lvl4pPr indent="-298450" lvl="3" marL="1828800">
+            <a:lvl4pPr marL="1828800" lvl="3" indent="-298450">
               <a:spcBef>
                 <a:spcPts val="0"/>
               </a:spcBef>
@@ -415,7 +432,7 @@
               <a:buChar char="●"/>
               <a:defRPr sz="1100"/>
             </a:lvl4pPr>
-            <a:lvl5pPr indent="-298450" lvl="4" marL="2286000">
+            <a:lvl5pPr marL="2286000" lvl="4" indent="-298450">
               <a:spcBef>
                 <a:spcPts val="0"/>
               </a:spcBef>
@@ -426,7 +443,7 @@
               <a:buChar char="○"/>
               <a:defRPr sz="1100"/>
             </a:lvl5pPr>
-            <a:lvl6pPr indent="-298450" lvl="5" marL="2743200">
+            <a:lvl6pPr marL="2743200" lvl="5" indent="-298450">
               <a:spcBef>
                 <a:spcPts val="0"/>
               </a:spcBef>
@@ -437,7 +454,7 @@
               <a:buChar char="■"/>
               <a:defRPr sz="1100"/>
             </a:lvl6pPr>
-            <a:lvl7pPr indent="-298450" lvl="6" marL="3200400">
+            <a:lvl7pPr marL="3200400" lvl="6" indent="-298450">
               <a:spcBef>
                 <a:spcPts val="0"/>
               </a:spcBef>
@@ -448,7 +465,7 @@
               <a:buChar char="●"/>
               <a:defRPr sz="1100"/>
             </a:lvl7pPr>
-            <a:lvl8pPr indent="-298450" lvl="7" marL="3657600">
+            <a:lvl8pPr marL="3657600" lvl="7" indent="-298450">
               <a:spcBef>
                 <a:spcPts val="0"/>
               </a:spcBef>
@@ -459,7 +476,7 @@
               <a:buChar char="○"/>
               <a:defRPr sz="1100"/>
             </a:lvl8pPr>
-            <a:lvl9pPr indent="-298450" lvl="8" marL="4114800">
+            <a:lvl9pPr marL="4114800" lvl="8" indent="-298450">
               <a:spcBef>
                 <a:spcPts val="0"/>
               </a:spcBef>
@@ -471,14 +488,16 @@
               <a:defRPr sz="1100"/>
             </a:lvl9pPr>
           </a:lstStyle>
-          <a:p/>
+          <a:p>
+            <a:endParaRPr/>
+          </a:p>
         </p:txBody>
       </p:sp>
     </p:spTree>
   </p:cSld>
-  <p:clrMap accent1="accent1" accent2="accent2" accent3="accent3" accent4="accent4" accent5="accent5" accent6="accent6" bg1="lt1" bg2="dk2" tx1="dk1" tx2="lt2" folHlink="folHlink" hlink="hlink"/>
+  <p:clrMap bg1="lt1" tx1="dk1" bg2="dk2" tx2="lt2" accent1="accent1" accent2="accent2" accent3="accent3" accent4="accent4" accent5="accent5" accent6="accent6" hlink="hlink" folHlink="folHlink"/>
   <p:notesStyle>
-    <a:defPPr lvl="0" marR="0" rtl="0" algn="l">
+    <a:defPPr marR="0" lvl="0" algn="l" rtl="0">
       <a:lnSpc>
         <a:spcPct val="100000"/>
       </a:lnSpc>
@@ -489,7 +508,7 @@
         <a:spcPts val="0"/>
       </a:spcAft>
     </a:defPPr>
-    <a:lvl1pPr lvl="0" marR="0" rtl="0" algn="l">
+    <a:lvl1pPr marR="0" lvl="0" algn="l" rtl="0">
       <a:lnSpc>
         <a:spcPct val="100000"/>
       </a:lnSpc>
@@ -503,7 +522,7 @@
         <a:srgbClr val="000000"/>
       </a:buClr>
       <a:buFont typeface="Arial"/>
-      <a:defRPr b="0" i="0" sz="1400" u="none" cap="none" strike="noStrike">
+      <a:defRPr sz="1400" b="0" i="0" u="none" strike="noStrike" cap="none">
         <a:solidFill>
           <a:srgbClr val="000000"/>
         </a:solidFill>
@@ -513,7 +532,7 @@
         <a:sym typeface="Arial"/>
       </a:defRPr>
     </a:lvl1pPr>
-    <a:lvl2pPr lvl="1" marR="0" rtl="0" algn="l">
+    <a:lvl2pPr marR="0" lvl="1" algn="l" rtl="0">
       <a:lnSpc>
         <a:spcPct val="100000"/>
       </a:lnSpc>
@@ -527,7 +546,7 @@
         <a:srgbClr val="000000"/>
       </a:buClr>
       <a:buFont typeface="Arial"/>
-      <a:defRPr b="0" i="0" sz="1400" u="none" cap="none" strike="noStrike">
+      <a:defRPr sz="1400" b="0" i="0" u="none" strike="noStrike" cap="none">
         <a:solidFill>
           <a:srgbClr val="000000"/>
         </a:solidFill>
@@ -537,7 +556,7 @@
         <a:sym typeface="Arial"/>
       </a:defRPr>
     </a:lvl2pPr>
-    <a:lvl3pPr lvl="2" marR="0" rtl="0" algn="l">
+    <a:lvl3pPr marR="0" lvl="2" algn="l" rtl="0">
       <a:lnSpc>
         <a:spcPct val="100000"/>
       </a:lnSpc>
@@ -551,7 +570,7 @@
         <a:srgbClr val="000000"/>
       </a:buClr>
       <a:buFont typeface="Arial"/>
-      <a:defRPr b="0" i="0" sz="1400" u="none" cap="none" strike="noStrike">
+      <a:defRPr sz="1400" b="0" i="0" u="none" strike="noStrike" cap="none">
         <a:solidFill>
           <a:srgbClr val="000000"/>
         </a:solidFill>
@@ -561,7 +580,7 @@
         <a:sym typeface="Arial"/>
       </a:defRPr>
     </a:lvl3pPr>
-    <a:lvl4pPr lvl="3" marR="0" rtl="0" algn="l">
+    <a:lvl4pPr marR="0" lvl="3" algn="l" rtl="0">
       <a:lnSpc>
         <a:spcPct val="100000"/>
       </a:lnSpc>
@@ -575,7 +594,7 @@
         <a:srgbClr val="000000"/>
       </a:buClr>
       <a:buFont typeface="Arial"/>
-      <a:defRPr b="0" i="0" sz="1400" u="none" cap="none" strike="noStrike">
+      <a:defRPr sz="1400" b="0" i="0" u="none" strike="noStrike" cap="none">
         <a:solidFill>
           <a:srgbClr val="000000"/>
         </a:solidFill>
@@ -585,7 +604,7 @@
         <a:sym typeface="Arial"/>
       </a:defRPr>
     </a:lvl4pPr>
-    <a:lvl5pPr lvl="4" marR="0" rtl="0" algn="l">
+    <a:lvl5pPr marR="0" lvl="4" algn="l" rtl="0">
       <a:lnSpc>
         <a:spcPct val="100000"/>
       </a:lnSpc>
@@ -599,7 +618,7 @@
         <a:srgbClr val="000000"/>
       </a:buClr>
       <a:buFont typeface="Arial"/>
-      <a:defRPr b="0" i="0" sz="1400" u="none" cap="none" strike="noStrike">
+      <a:defRPr sz="1400" b="0" i="0" u="none" strike="noStrike" cap="none">
         <a:solidFill>
           <a:srgbClr val="000000"/>
         </a:solidFill>
@@ -609,7 +628,7 @@
         <a:sym typeface="Arial"/>
       </a:defRPr>
     </a:lvl5pPr>
-    <a:lvl6pPr lvl="5" marR="0" rtl="0" algn="l">
+    <a:lvl6pPr marR="0" lvl="5" algn="l" rtl="0">
       <a:lnSpc>
         <a:spcPct val="100000"/>
       </a:lnSpc>
@@ -623,7 +642,7 @@
         <a:srgbClr val="000000"/>
       </a:buClr>
       <a:buFont typeface="Arial"/>
-      <a:defRPr b="0" i="0" sz="1400" u="none" cap="none" strike="noStrike">
+      <a:defRPr sz="1400" b="0" i="0" u="none" strike="noStrike" cap="none">
         <a:solidFill>
           <a:srgbClr val="000000"/>
         </a:solidFill>
@@ -633,7 +652,7 @@
         <a:sym typeface="Arial"/>
       </a:defRPr>
     </a:lvl6pPr>
-    <a:lvl7pPr lvl="6" marR="0" rtl="0" algn="l">
+    <a:lvl7pPr marR="0" lvl="6" algn="l" rtl="0">
       <a:lnSpc>
         <a:spcPct val="100000"/>
       </a:lnSpc>
@@ -647,7 +666,7 @@
         <a:srgbClr val="000000"/>
       </a:buClr>
       <a:buFont typeface="Arial"/>
-      <a:defRPr b="0" i="0" sz="1400" u="none" cap="none" strike="noStrike">
+      <a:defRPr sz="1400" b="0" i="0" u="none" strike="noStrike" cap="none">
         <a:solidFill>
           <a:srgbClr val="000000"/>
         </a:solidFill>
@@ -657,7 +676,7 @@
         <a:sym typeface="Arial"/>
       </a:defRPr>
     </a:lvl7pPr>
-    <a:lvl8pPr lvl="7" marR="0" rtl="0" algn="l">
+    <a:lvl8pPr marR="0" lvl="7" algn="l" rtl="0">
       <a:lnSpc>
         <a:spcPct val="100000"/>
       </a:lnSpc>
@@ -671,7 +690,7 @@
         <a:srgbClr val="000000"/>
       </a:buClr>
       <a:buFont typeface="Arial"/>
-      <a:defRPr b="0" i="0" sz="1400" u="none" cap="none" strike="noStrike">
+      <a:defRPr sz="1400" b="0" i="0" u="none" strike="noStrike" cap="none">
         <a:solidFill>
           <a:srgbClr val="000000"/>
         </a:solidFill>
@@ -681,7 +700,7 @@
         <a:sym typeface="Arial"/>
       </a:defRPr>
     </a:lvl8pPr>
-    <a:lvl9pPr lvl="8" marR="0" rtl="0" algn="l">
+    <a:lvl9pPr marR="0" lvl="8" algn="l" rtl="0">
       <a:lnSpc>
         <a:spcPct val="100000"/>
       </a:lnSpc>
@@ -695,7 +714,7 @@
         <a:srgbClr val="000000"/>
       </a:buClr>
       <a:buFont typeface="Arial"/>
-      <a:defRPr b="0" i="0" sz="1400" u="none" cap="none" strike="noStrike">
+      <a:defRPr sz="1400" b="0" i="0" u="none" strike="noStrike" cap="none">
         <a:solidFill>
           <a:srgbClr val="000000"/>
         </a:solidFill>
@@ -710,11 +729,11 @@
 </file>
 
 <file path=ppt/notesSlides/notesSlide1.xml><?xml version="1.0" encoding="utf-8"?>
-<p:notes xmlns:a="http://schemas.openxmlformats.org/drawingml/2006/main" xmlns:r="http://schemas.openxmlformats.org/officeDocument/2006/relationships" xmlns:mc="http://schemas.openxmlformats.org/markup-compatibility/2006" xmlns:mv="urn:schemas-microsoft-com:mac:vml" xmlns:p="http://schemas.openxmlformats.org/presentationml/2006/main" xmlns:c="http://schemas.openxmlformats.org/drawingml/2006/chart" xmlns:dgm="http://schemas.openxmlformats.org/drawingml/2006/diagram" xmlns:o="urn:schemas-microsoft-com:office:office" xmlns:v="urn:schemas-microsoft-com:vml" xmlns:pvml="urn:schemas-microsoft-com:office:powerpoint" xmlns:com="http://schemas.openxmlformats.org/drawingml/2006/compatibility" xmlns:p14="http://schemas.microsoft.com/office/powerpoint/2010/main" xmlns:p15="http://schemas.microsoft.com/office/powerpoint/2012/main" showMasterPhAnim="0" showMasterSp="0">
+<p:notes xmlns:a="http://schemas.openxmlformats.org/drawingml/2006/main" xmlns:r="http://schemas.openxmlformats.org/officeDocument/2006/relationships" xmlns:p="http://schemas.openxmlformats.org/presentationml/2006/main" showMasterSp="0" showMasterPhAnim="0">
   <p:cSld>
     <p:spTree>
       <p:nvGrpSpPr>
-        <p:cNvPr id="130" name="Shape 130"/>
+        <p:cNvPr id="1" name="Shape 130"/>
         <p:cNvGrpSpPr/>
         <p:nvPr/>
       </p:nvGrpSpPr>
@@ -729,20 +748,26 @@
       <p:sp>
         <p:nvSpPr>
           <p:cNvPr id="131" name="Google Shape;131;p:notes"/>
-          <p:cNvSpPr/>
+          <p:cNvSpPr>
+            <a:spLocks noGrp="1" noRot="1" noChangeAspect="1"/>
+          </p:cNvSpPr>
           <p:nvPr>
-            <p:ph idx="2" type="sldImg"/>
+            <p:ph type="sldImg" idx="2"/>
           </p:nvPr>
         </p:nvSpPr>
         <p:spPr>
           <a:xfrm>
-            <a:off x="381300" y="685800"/>
-            <a:ext cx="6096075" cy="3429000"/>
+            <a:off x="381000" y="685800"/>
+            <a:ext cx="6096000" cy="3429000"/>
           </a:xfrm>
           <a:custGeom>
-            <a:rect b="b" l="l" r="r" t="t"/>
+            <a:avLst/>
+            <a:gdLst/>
+            <a:ahLst/>
+            <a:cxnLst/>
+            <a:rect l="l" t="t" r="r" b="b"/>
             <a:pathLst>
-              <a:path extrusionOk="0" h="120000" w="120000">
+              <a:path w="120000" h="120000" extrusionOk="0">
                 <a:moveTo>
                   <a:pt x="0" y="0"/>
                 </a:moveTo>
@@ -764,9 +789,11 @@
       <p:sp>
         <p:nvSpPr>
           <p:cNvPr id="132" name="Google Shape;132;p:notes"/>
-          <p:cNvSpPr txBox="1"/>
+          <p:cNvSpPr txBox="1">
+            <a:spLocks noGrp="1"/>
+          </p:cNvSpPr>
           <p:nvPr>
-            <p:ph idx="1" type="body"/>
+            <p:ph type="body" idx="1"/>
           </p:nvPr>
         </p:nvSpPr>
         <p:spPr>
@@ -779,12 +806,12 @@
           </a:prstGeom>
         </p:spPr>
         <p:txBody>
-          <a:bodyPr anchorCtr="0" anchor="t" bIns="91425" lIns="91425" spcFirstLastPara="1" rIns="91425" wrap="square" tIns="91425">
+          <a:bodyPr spcFirstLastPara="1" wrap="square" lIns="91425" tIns="91425" rIns="91425" bIns="91425" anchor="t" anchorCtr="0">
             <a:noAutofit/>
           </a:bodyPr>
           <a:lstStyle/>
           <a:p>
-            <a:pPr indent="0" lvl="0" marL="0" rtl="0" algn="l">
+            <a:pPr marL="0" lvl="0" indent="0" algn="l" rtl="0">
               <a:spcBef>
                 <a:spcPts val="0"/>
               </a:spcBef>
@@ -793,9 +820,6 @@
               </a:spcAft>
               <a:buNone/>
             </a:pPr>
-            <a:r>
-              <a:t/>
-            </a:r>
             <a:endParaRPr/>
           </a:p>
         </p:txBody>
@@ -809,11 +833,11 @@
 </file>
 
 <file path=ppt/notesSlides/notesSlide10.xml><?xml version="1.0" encoding="utf-8"?>
-<p:notes xmlns:a="http://schemas.openxmlformats.org/drawingml/2006/main" xmlns:r="http://schemas.openxmlformats.org/officeDocument/2006/relationships" xmlns:mc="http://schemas.openxmlformats.org/markup-compatibility/2006" xmlns:mv="urn:schemas-microsoft-com:mac:vml" xmlns:p="http://schemas.openxmlformats.org/presentationml/2006/main" xmlns:c="http://schemas.openxmlformats.org/drawingml/2006/chart" xmlns:dgm="http://schemas.openxmlformats.org/drawingml/2006/diagram" xmlns:o="urn:schemas-microsoft-com:office:office" xmlns:v="urn:schemas-microsoft-com:vml" xmlns:pvml="urn:schemas-microsoft-com:office:powerpoint" xmlns:com="http://schemas.openxmlformats.org/drawingml/2006/compatibility" xmlns:p14="http://schemas.microsoft.com/office/powerpoint/2010/main" xmlns:p15="http://schemas.microsoft.com/office/powerpoint/2012/main" showMasterPhAnim="0" showMasterSp="0">
+<p:notes xmlns:a="http://schemas.openxmlformats.org/drawingml/2006/main" xmlns:r="http://schemas.openxmlformats.org/officeDocument/2006/relationships" xmlns:p="http://schemas.openxmlformats.org/presentationml/2006/main" showMasterSp="0" showMasterPhAnim="0">
   <p:cSld>
     <p:spTree>
       <p:nvGrpSpPr>
-        <p:cNvPr id="187" name="Shape 187"/>
+        <p:cNvPr id="1" name="Shape 187"/>
         <p:cNvGrpSpPr/>
         <p:nvPr/>
       </p:nvGrpSpPr>
@@ -828,9 +852,11 @@
       <p:sp>
         <p:nvSpPr>
           <p:cNvPr id="188" name="Google Shape;188;g437f90c70a_0_44:notes"/>
-          <p:cNvSpPr/>
+          <p:cNvSpPr>
+            <a:spLocks noGrp="1" noRot="1" noChangeAspect="1"/>
+          </p:cNvSpPr>
           <p:nvPr>
-            <p:ph idx="2" type="sldImg"/>
+            <p:ph type="sldImg" idx="2"/>
           </p:nvPr>
         </p:nvSpPr>
         <p:spPr>
@@ -839,9 +865,13 @@
             <a:ext cx="6096000" cy="3429000"/>
           </a:xfrm>
           <a:custGeom>
-            <a:rect b="b" l="l" r="r" t="t"/>
+            <a:avLst/>
+            <a:gdLst/>
+            <a:ahLst/>
+            <a:cxnLst/>
+            <a:rect l="l" t="t" r="r" b="b"/>
             <a:pathLst>
-              <a:path extrusionOk="0" h="120000" w="120000">
+              <a:path w="120000" h="120000" extrusionOk="0">
                 <a:moveTo>
                   <a:pt x="0" y="0"/>
                 </a:moveTo>
@@ -863,9 +893,11 @@
       <p:sp>
         <p:nvSpPr>
           <p:cNvPr id="189" name="Google Shape;189;g437f90c70a_0_44:notes"/>
-          <p:cNvSpPr txBox="1"/>
+          <p:cNvSpPr txBox="1">
+            <a:spLocks noGrp="1"/>
+          </p:cNvSpPr>
           <p:nvPr>
-            <p:ph idx="1" type="body"/>
+            <p:ph type="body" idx="1"/>
           </p:nvPr>
         </p:nvSpPr>
         <p:spPr>
@@ -878,12 +910,12 @@
           </a:prstGeom>
         </p:spPr>
         <p:txBody>
-          <a:bodyPr anchorCtr="0" anchor="t" bIns="91425" lIns="91425" spcFirstLastPara="1" rIns="91425" wrap="square" tIns="91425">
+          <a:bodyPr spcFirstLastPara="1" wrap="square" lIns="91425" tIns="91425" rIns="91425" bIns="91425" anchor="t" anchorCtr="0">
             <a:noAutofit/>
           </a:bodyPr>
           <a:lstStyle/>
           <a:p>
-            <a:pPr indent="0" lvl="0" marL="0" rtl="0" algn="l">
+            <a:pPr marL="0" lvl="0" indent="0" algn="l" rtl="0">
               <a:spcBef>
                 <a:spcPts val="0"/>
               </a:spcBef>
@@ -892,9 +924,6 @@
               </a:spcAft>
               <a:buNone/>
             </a:pPr>
-            <a:r>
-              <a:t/>
-            </a:r>
             <a:endParaRPr/>
           </a:p>
         </p:txBody>
@@ -908,11 +937,11 @@
 </file>
 
 <file path=ppt/notesSlides/notesSlide2.xml><?xml version="1.0" encoding="utf-8"?>
-<p:notes xmlns:a="http://schemas.openxmlformats.org/drawingml/2006/main" xmlns:r="http://schemas.openxmlformats.org/officeDocument/2006/relationships" xmlns:mc="http://schemas.openxmlformats.org/markup-compatibility/2006" xmlns:mv="urn:schemas-microsoft-com:mac:vml" xmlns:p="http://schemas.openxmlformats.org/presentationml/2006/main" xmlns:c="http://schemas.openxmlformats.org/drawingml/2006/chart" xmlns:dgm="http://schemas.openxmlformats.org/drawingml/2006/diagram" xmlns:o="urn:schemas-microsoft-com:office:office" xmlns:v="urn:schemas-microsoft-com:vml" xmlns:pvml="urn:schemas-microsoft-com:office:powerpoint" xmlns:com="http://schemas.openxmlformats.org/drawingml/2006/compatibility" xmlns:p14="http://schemas.microsoft.com/office/powerpoint/2010/main" xmlns:p15="http://schemas.microsoft.com/office/powerpoint/2012/main" showMasterPhAnim="0" showMasterSp="0">
+<p:notes xmlns:a="http://schemas.openxmlformats.org/drawingml/2006/main" xmlns:r="http://schemas.openxmlformats.org/officeDocument/2006/relationships" xmlns:p="http://schemas.openxmlformats.org/presentationml/2006/main" showMasterSp="0" showMasterPhAnim="0">
   <p:cSld>
     <p:spTree>
       <p:nvGrpSpPr>
-        <p:cNvPr id="136" name="Shape 136"/>
+        <p:cNvPr id="1" name="Shape 136"/>
         <p:cNvGrpSpPr/>
         <p:nvPr/>
       </p:nvGrpSpPr>
@@ -927,9 +956,11 @@
       <p:sp>
         <p:nvSpPr>
           <p:cNvPr id="137" name="Google Shape;137;g437f3debc3_0_76:notes"/>
-          <p:cNvSpPr/>
+          <p:cNvSpPr>
+            <a:spLocks noGrp="1" noRot="1" noChangeAspect="1"/>
+          </p:cNvSpPr>
           <p:nvPr>
-            <p:ph idx="2" type="sldImg"/>
+            <p:ph type="sldImg" idx="2"/>
           </p:nvPr>
         </p:nvSpPr>
         <p:spPr>
@@ -938,9 +969,13 @@
             <a:ext cx="6096000" cy="3429000"/>
           </a:xfrm>
           <a:custGeom>
-            <a:rect b="b" l="l" r="r" t="t"/>
+            <a:avLst/>
+            <a:gdLst/>
+            <a:ahLst/>
+            <a:cxnLst/>
+            <a:rect l="l" t="t" r="r" b="b"/>
             <a:pathLst>
-              <a:path extrusionOk="0" h="120000" w="120000">
+              <a:path w="120000" h="120000" extrusionOk="0">
                 <a:moveTo>
                   <a:pt x="0" y="0"/>
                 </a:moveTo>
@@ -962,9 +997,11 @@
       <p:sp>
         <p:nvSpPr>
           <p:cNvPr id="138" name="Google Shape;138;g437f3debc3_0_76:notes"/>
-          <p:cNvSpPr txBox="1"/>
+          <p:cNvSpPr txBox="1">
+            <a:spLocks noGrp="1"/>
+          </p:cNvSpPr>
           <p:nvPr>
-            <p:ph idx="1" type="body"/>
+            <p:ph type="body" idx="1"/>
           </p:nvPr>
         </p:nvSpPr>
         <p:spPr>
@@ -977,12 +1014,12 @@
           </a:prstGeom>
         </p:spPr>
         <p:txBody>
-          <a:bodyPr anchorCtr="0" anchor="t" bIns="91425" lIns="91425" spcFirstLastPara="1" rIns="91425" wrap="square" tIns="91425">
+          <a:bodyPr spcFirstLastPara="1" wrap="square" lIns="91425" tIns="91425" rIns="91425" bIns="91425" anchor="t" anchorCtr="0">
             <a:noAutofit/>
           </a:bodyPr>
           <a:lstStyle/>
           <a:p>
-            <a:pPr indent="0" lvl="0" marL="0" rtl="0" algn="l">
+            <a:pPr marL="0" lvl="0" indent="0" algn="l" rtl="0">
               <a:spcBef>
                 <a:spcPts val="0"/>
               </a:spcBef>
@@ -991,9 +1028,6 @@
               </a:spcAft>
               <a:buNone/>
             </a:pPr>
-            <a:r>
-              <a:t/>
-            </a:r>
             <a:endParaRPr/>
           </a:p>
         </p:txBody>
@@ -1007,11 +1041,11 @@
 </file>
 
 <file path=ppt/notesSlides/notesSlide3.xml><?xml version="1.0" encoding="utf-8"?>
-<p:notes xmlns:a="http://schemas.openxmlformats.org/drawingml/2006/main" xmlns:r="http://schemas.openxmlformats.org/officeDocument/2006/relationships" xmlns:mc="http://schemas.openxmlformats.org/markup-compatibility/2006" xmlns:mv="urn:schemas-microsoft-com:mac:vml" xmlns:p="http://schemas.openxmlformats.org/presentationml/2006/main" xmlns:c="http://schemas.openxmlformats.org/drawingml/2006/chart" xmlns:dgm="http://schemas.openxmlformats.org/drawingml/2006/diagram" xmlns:o="urn:schemas-microsoft-com:office:office" xmlns:v="urn:schemas-microsoft-com:vml" xmlns:pvml="urn:schemas-microsoft-com:office:powerpoint" xmlns:com="http://schemas.openxmlformats.org/drawingml/2006/compatibility" xmlns:p14="http://schemas.microsoft.com/office/powerpoint/2010/main" xmlns:p15="http://schemas.microsoft.com/office/powerpoint/2012/main" showMasterPhAnim="0" showMasterSp="0">
+<p:notes xmlns:a="http://schemas.openxmlformats.org/drawingml/2006/main" xmlns:r="http://schemas.openxmlformats.org/officeDocument/2006/relationships" xmlns:p="http://schemas.openxmlformats.org/presentationml/2006/main" showMasterSp="0" showMasterPhAnim="0">
   <p:cSld>
     <p:spTree>
       <p:nvGrpSpPr>
-        <p:cNvPr id="142" name="Shape 142"/>
+        <p:cNvPr id="1" name="Shape 142"/>
         <p:cNvGrpSpPr/>
         <p:nvPr/>
       </p:nvGrpSpPr>
@@ -1026,9 +1060,11 @@
       <p:sp>
         <p:nvSpPr>
           <p:cNvPr id="143" name="Google Shape;143;g437f90c70a_0_0:notes"/>
-          <p:cNvSpPr/>
+          <p:cNvSpPr>
+            <a:spLocks noGrp="1" noRot="1" noChangeAspect="1"/>
+          </p:cNvSpPr>
           <p:nvPr>
-            <p:ph idx="2" type="sldImg"/>
+            <p:ph type="sldImg" idx="2"/>
           </p:nvPr>
         </p:nvSpPr>
         <p:spPr>
@@ -1037,9 +1073,13 @@
             <a:ext cx="6096000" cy="3429000"/>
           </a:xfrm>
           <a:custGeom>
-            <a:rect b="b" l="l" r="r" t="t"/>
+            <a:avLst/>
+            <a:gdLst/>
+            <a:ahLst/>
+            <a:cxnLst/>
+            <a:rect l="l" t="t" r="r" b="b"/>
             <a:pathLst>
-              <a:path extrusionOk="0" h="120000" w="120000">
+              <a:path w="120000" h="120000" extrusionOk="0">
                 <a:moveTo>
                   <a:pt x="0" y="0"/>
                 </a:moveTo>
@@ -1061,9 +1101,11 @@
       <p:sp>
         <p:nvSpPr>
           <p:cNvPr id="144" name="Google Shape;144;g437f90c70a_0_0:notes"/>
-          <p:cNvSpPr txBox="1"/>
+          <p:cNvSpPr txBox="1">
+            <a:spLocks noGrp="1"/>
+          </p:cNvSpPr>
           <p:nvPr>
-            <p:ph idx="1" type="body"/>
+            <p:ph type="body" idx="1"/>
           </p:nvPr>
         </p:nvSpPr>
         <p:spPr>
@@ -1076,12 +1118,12 @@
           </a:prstGeom>
         </p:spPr>
         <p:txBody>
-          <a:bodyPr anchorCtr="0" anchor="t" bIns="91425" lIns="91425" spcFirstLastPara="1" rIns="91425" wrap="square" tIns="91425">
+          <a:bodyPr spcFirstLastPara="1" wrap="square" lIns="91425" tIns="91425" rIns="91425" bIns="91425" anchor="t" anchorCtr="0">
             <a:noAutofit/>
           </a:bodyPr>
           <a:lstStyle/>
           <a:p>
-            <a:pPr indent="0" lvl="0" marL="0" rtl="0" algn="l">
+            <a:pPr marL="0" lvl="0" indent="0" algn="l" rtl="0">
               <a:spcBef>
                 <a:spcPts val="0"/>
               </a:spcBef>
@@ -1090,9 +1132,6 @@
               </a:spcAft>
               <a:buNone/>
             </a:pPr>
-            <a:r>
-              <a:t/>
-            </a:r>
             <a:endParaRPr/>
           </a:p>
         </p:txBody>
@@ -1106,11 +1145,11 @@
 </file>
 
 <file path=ppt/notesSlides/notesSlide4.xml><?xml version="1.0" encoding="utf-8"?>
-<p:notes xmlns:a="http://schemas.openxmlformats.org/drawingml/2006/main" xmlns:r="http://schemas.openxmlformats.org/officeDocument/2006/relationships" xmlns:mc="http://schemas.openxmlformats.org/markup-compatibility/2006" xmlns:mv="urn:schemas-microsoft-com:mac:vml" xmlns:p="http://schemas.openxmlformats.org/presentationml/2006/main" xmlns:c="http://schemas.openxmlformats.org/drawingml/2006/chart" xmlns:dgm="http://schemas.openxmlformats.org/drawingml/2006/diagram" xmlns:o="urn:schemas-microsoft-com:office:office" xmlns:v="urn:schemas-microsoft-com:vml" xmlns:pvml="urn:schemas-microsoft-com:office:powerpoint" xmlns:com="http://schemas.openxmlformats.org/drawingml/2006/compatibility" xmlns:p14="http://schemas.microsoft.com/office/powerpoint/2010/main" xmlns:p15="http://schemas.microsoft.com/office/powerpoint/2012/main" showMasterPhAnim="0" showMasterSp="0">
+<p:notes xmlns:a="http://schemas.openxmlformats.org/drawingml/2006/main" xmlns:r="http://schemas.openxmlformats.org/officeDocument/2006/relationships" xmlns:p="http://schemas.openxmlformats.org/presentationml/2006/main" showMasterSp="0" showMasterPhAnim="0">
   <p:cSld>
     <p:spTree>
       <p:nvGrpSpPr>
-        <p:cNvPr id="151" name="Shape 151"/>
+        <p:cNvPr id="1" name="Shape 151"/>
         <p:cNvGrpSpPr/>
         <p:nvPr/>
       </p:nvGrpSpPr>
@@ -1125,9 +1164,11 @@
       <p:sp>
         <p:nvSpPr>
           <p:cNvPr id="152" name="Google Shape;152;g437f90c70a_0_5:notes"/>
-          <p:cNvSpPr/>
+          <p:cNvSpPr>
+            <a:spLocks noGrp="1" noRot="1" noChangeAspect="1"/>
+          </p:cNvSpPr>
           <p:nvPr>
-            <p:ph idx="2" type="sldImg"/>
+            <p:ph type="sldImg" idx="2"/>
           </p:nvPr>
         </p:nvSpPr>
         <p:spPr>
@@ -1136,9 +1177,13 @@
             <a:ext cx="6096000" cy="3429000"/>
           </a:xfrm>
           <a:custGeom>
-            <a:rect b="b" l="l" r="r" t="t"/>
+            <a:avLst/>
+            <a:gdLst/>
+            <a:ahLst/>
+            <a:cxnLst/>
+            <a:rect l="l" t="t" r="r" b="b"/>
             <a:pathLst>
-              <a:path extrusionOk="0" h="120000" w="120000">
+              <a:path w="120000" h="120000" extrusionOk="0">
                 <a:moveTo>
                   <a:pt x="0" y="0"/>
                 </a:moveTo>
@@ -1160,9 +1205,11 @@
       <p:sp>
         <p:nvSpPr>
           <p:cNvPr id="153" name="Google Shape;153;g437f90c70a_0_5:notes"/>
-          <p:cNvSpPr txBox="1"/>
+          <p:cNvSpPr txBox="1">
+            <a:spLocks noGrp="1"/>
+          </p:cNvSpPr>
           <p:nvPr>
-            <p:ph idx="1" type="body"/>
+            <p:ph type="body" idx="1"/>
           </p:nvPr>
         </p:nvSpPr>
         <p:spPr>
@@ -1175,12 +1222,12 @@
           </a:prstGeom>
         </p:spPr>
         <p:txBody>
-          <a:bodyPr anchorCtr="0" anchor="t" bIns="91425" lIns="91425" spcFirstLastPara="1" rIns="91425" wrap="square" tIns="91425">
+          <a:bodyPr spcFirstLastPara="1" wrap="square" lIns="91425" tIns="91425" rIns="91425" bIns="91425" anchor="t" anchorCtr="0">
             <a:noAutofit/>
           </a:bodyPr>
           <a:lstStyle/>
           <a:p>
-            <a:pPr indent="0" lvl="0" marL="0" rtl="0" algn="l">
+            <a:pPr marL="0" lvl="0" indent="0" algn="l" rtl="0">
               <a:spcBef>
                 <a:spcPts val="0"/>
               </a:spcBef>
@@ -1189,9 +1236,6 @@
               </a:spcAft>
               <a:buNone/>
             </a:pPr>
-            <a:r>
-              <a:t/>
-            </a:r>
             <a:endParaRPr/>
           </a:p>
         </p:txBody>
@@ -1205,11 +1249,11 @@
 </file>
 
 <file path=ppt/notesSlides/notesSlide5.xml><?xml version="1.0" encoding="utf-8"?>
-<p:notes xmlns:a="http://schemas.openxmlformats.org/drawingml/2006/main" xmlns:r="http://schemas.openxmlformats.org/officeDocument/2006/relationships" xmlns:mc="http://schemas.openxmlformats.org/markup-compatibility/2006" xmlns:mv="urn:schemas-microsoft-com:mac:vml" xmlns:p="http://schemas.openxmlformats.org/presentationml/2006/main" xmlns:c="http://schemas.openxmlformats.org/drawingml/2006/chart" xmlns:dgm="http://schemas.openxmlformats.org/drawingml/2006/diagram" xmlns:o="urn:schemas-microsoft-com:office:office" xmlns:v="urn:schemas-microsoft-com:vml" xmlns:pvml="urn:schemas-microsoft-com:office:powerpoint" xmlns:com="http://schemas.openxmlformats.org/drawingml/2006/compatibility" xmlns:p14="http://schemas.microsoft.com/office/powerpoint/2010/main" xmlns:p15="http://schemas.microsoft.com/office/powerpoint/2012/main" showMasterPhAnim="0" showMasterSp="0">
+<p:notes xmlns:a="http://schemas.openxmlformats.org/drawingml/2006/main" xmlns:r="http://schemas.openxmlformats.org/officeDocument/2006/relationships" xmlns:p="http://schemas.openxmlformats.org/presentationml/2006/main" showMasterSp="0" showMasterPhAnim="0">
   <p:cSld>
     <p:spTree>
       <p:nvGrpSpPr>
-        <p:cNvPr id="158" name="Shape 158"/>
+        <p:cNvPr id="1" name="Shape 158"/>
         <p:cNvGrpSpPr/>
         <p:nvPr/>
       </p:nvGrpSpPr>
@@ -1224,9 +1268,11 @@
       <p:sp>
         <p:nvSpPr>
           <p:cNvPr id="159" name="Google Shape;159;g44246ff0e3_0_12:notes"/>
-          <p:cNvSpPr/>
+          <p:cNvSpPr>
+            <a:spLocks noGrp="1" noRot="1" noChangeAspect="1"/>
+          </p:cNvSpPr>
           <p:nvPr>
-            <p:ph idx="2" type="sldImg"/>
+            <p:ph type="sldImg" idx="2"/>
           </p:nvPr>
         </p:nvSpPr>
         <p:spPr>
@@ -1235,9 +1281,13 @@
             <a:ext cx="6096000" cy="3429000"/>
           </a:xfrm>
           <a:custGeom>
-            <a:rect b="b" l="l" r="r" t="t"/>
+            <a:avLst/>
+            <a:gdLst/>
+            <a:ahLst/>
+            <a:cxnLst/>
+            <a:rect l="l" t="t" r="r" b="b"/>
             <a:pathLst>
-              <a:path extrusionOk="0" h="120000" w="120000">
+              <a:path w="120000" h="120000" extrusionOk="0">
                 <a:moveTo>
                   <a:pt x="0" y="0"/>
                 </a:moveTo>
@@ -1259,9 +1309,11 @@
       <p:sp>
         <p:nvSpPr>
           <p:cNvPr id="160" name="Google Shape;160;g44246ff0e3_0_12:notes"/>
-          <p:cNvSpPr txBox="1"/>
+          <p:cNvSpPr txBox="1">
+            <a:spLocks noGrp="1"/>
+          </p:cNvSpPr>
           <p:nvPr>
-            <p:ph idx="1" type="body"/>
+            <p:ph type="body" idx="1"/>
           </p:nvPr>
         </p:nvSpPr>
         <p:spPr>
@@ -1274,12 +1326,12 @@
           </a:prstGeom>
         </p:spPr>
         <p:txBody>
-          <a:bodyPr anchorCtr="0" anchor="t" bIns="91425" lIns="91425" spcFirstLastPara="1" rIns="91425" wrap="square" tIns="91425">
+          <a:bodyPr spcFirstLastPara="1" wrap="square" lIns="91425" tIns="91425" rIns="91425" bIns="91425" anchor="t" anchorCtr="0">
             <a:noAutofit/>
           </a:bodyPr>
           <a:lstStyle/>
           <a:p>
-            <a:pPr indent="0" lvl="0" marL="0" rtl="0" algn="l">
+            <a:pPr marL="0" lvl="0" indent="0" algn="l" rtl="0">
               <a:spcBef>
                 <a:spcPts val="0"/>
               </a:spcBef>
@@ -1288,9 +1340,6 @@
               </a:spcAft>
               <a:buNone/>
             </a:pPr>
-            <a:r>
-              <a:t/>
-            </a:r>
             <a:endParaRPr/>
           </a:p>
         </p:txBody>
@@ -1304,11 +1353,11 @@
 </file>
 
 <file path=ppt/notesSlides/notesSlide6.xml><?xml version="1.0" encoding="utf-8"?>
-<p:notes xmlns:a="http://schemas.openxmlformats.org/drawingml/2006/main" xmlns:r="http://schemas.openxmlformats.org/officeDocument/2006/relationships" xmlns:mc="http://schemas.openxmlformats.org/markup-compatibility/2006" xmlns:mv="urn:schemas-microsoft-com:mac:vml" xmlns:p="http://schemas.openxmlformats.org/presentationml/2006/main" xmlns:c="http://schemas.openxmlformats.org/drawingml/2006/chart" xmlns:dgm="http://schemas.openxmlformats.org/drawingml/2006/diagram" xmlns:o="urn:schemas-microsoft-com:office:office" xmlns:v="urn:schemas-microsoft-com:vml" xmlns:pvml="urn:schemas-microsoft-com:office:powerpoint" xmlns:com="http://schemas.openxmlformats.org/drawingml/2006/compatibility" xmlns:p14="http://schemas.microsoft.com/office/powerpoint/2010/main" xmlns:p15="http://schemas.microsoft.com/office/powerpoint/2012/main" showMasterPhAnim="0" showMasterSp="0">
+<p:notes xmlns:a="http://schemas.openxmlformats.org/drawingml/2006/main" xmlns:r="http://schemas.openxmlformats.org/officeDocument/2006/relationships" xmlns:p="http://schemas.openxmlformats.org/presentationml/2006/main" showMasterSp="0" showMasterPhAnim="0">
   <p:cSld>
     <p:spTree>
       <p:nvGrpSpPr>
-        <p:cNvPr id="165" name="Shape 165"/>
+        <p:cNvPr id="1" name="Shape 165"/>
         <p:cNvGrpSpPr/>
         <p:nvPr/>
       </p:nvGrpSpPr>
@@ -1323,9 +1372,11 @@
       <p:sp>
         <p:nvSpPr>
           <p:cNvPr id="166" name="Google Shape;166;g44246ff0e3_0_26:notes"/>
-          <p:cNvSpPr/>
+          <p:cNvSpPr>
+            <a:spLocks noGrp="1" noRot="1" noChangeAspect="1"/>
+          </p:cNvSpPr>
           <p:nvPr>
-            <p:ph idx="2" type="sldImg"/>
+            <p:ph type="sldImg" idx="2"/>
           </p:nvPr>
         </p:nvSpPr>
         <p:spPr>
@@ -1334,9 +1385,13 @@
             <a:ext cx="6096000" cy="3429000"/>
           </a:xfrm>
           <a:custGeom>
-            <a:rect b="b" l="l" r="r" t="t"/>
+            <a:avLst/>
+            <a:gdLst/>
+            <a:ahLst/>
+            <a:cxnLst/>
+            <a:rect l="l" t="t" r="r" b="b"/>
             <a:pathLst>
-              <a:path extrusionOk="0" h="120000" w="120000">
+              <a:path w="120000" h="120000" extrusionOk="0">
                 <a:moveTo>
                   <a:pt x="0" y="0"/>
                 </a:moveTo>
@@ -1358,9 +1413,11 @@
       <p:sp>
         <p:nvSpPr>
           <p:cNvPr id="167" name="Google Shape;167;g44246ff0e3_0_26:notes"/>
-          <p:cNvSpPr txBox="1"/>
+          <p:cNvSpPr txBox="1">
+            <a:spLocks noGrp="1"/>
+          </p:cNvSpPr>
           <p:nvPr>
-            <p:ph idx="1" type="body"/>
+            <p:ph type="body" idx="1"/>
           </p:nvPr>
         </p:nvSpPr>
         <p:spPr>
@@ -1373,12 +1430,12 @@
           </a:prstGeom>
         </p:spPr>
         <p:txBody>
-          <a:bodyPr anchorCtr="0" anchor="t" bIns="91425" lIns="91425" spcFirstLastPara="1" rIns="91425" wrap="square" tIns="91425">
+          <a:bodyPr spcFirstLastPara="1" wrap="square" lIns="91425" tIns="91425" rIns="91425" bIns="91425" anchor="t" anchorCtr="0">
             <a:noAutofit/>
           </a:bodyPr>
           <a:lstStyle/>
           <a:p>
-            <a:pPr indent="0" lvl="0" marL="0" rtl="0" algn="l">
+            <a:pPr marL="0" lvl="0" indent="0" algn="l" rtl="0">
               <a:spcBef>
                 <a:spcPts val="0"/>
               </a:spcBef>
@@ -1387,9 +1444,6 @@
               </a:spcAft>
               <a:buNone/>
             </a:pPr>
-            <a:r>
-              <a:t/>
-            </a:r>
             <a:endParaRPr/>
           </a:p>
         </p:txBody>
@@ -1403,11 +1457,11 @@
 </file>
 
 <file path=ppt/notesSlides/notesSlide7.xml><?xml version="1.0" encoding="utf-8"?>
-<p:notes xmlns:a="http://schemas.openxmlformats.org/drawingml/2006/main" xmlns:r="http://schemas.openxmlformats.org/officeDocument/2006/relationships" xmlns:mc="http://schemas.openxmlformats.org/markup-compatibility/2006" xmlns:mv="urn:schemas-microsoft-com:mac:vml" xmlns:p="http://schemas.openxmlformats.org/presentationml/2006/main" xmlns:c="http://schemas.openxmlformats.org/drawingml/2006/chart" xmlns:dgm="http://schemas.openxmlformats.org/drawingml/2006/diagram" xmlns:o="urn:schemas-microsoft-com:office:office" xmlns:v="urn:schemas-microsoft-com:vml" xmlns:pvml="urn:schemas-microsoft-com:office:powerpoint" xmlns:com="http://schemas.openxmlformats.org/drawingml/2006/compatibility" xmlns:p14="http://schemas.microsoft.com/office/powerpoint/2010/main" xmlns:p15="http://schemas.microsoft.com/office/powerpoint/2012/main" showMasterPhAnim="0" showMasterSp="0">
+<p:notes xmlns:a="http://schemas.openxmlformats.org/drawingml/2006/main" xmlns:r="http://schemas.openxmlformats.org/officeDocument/2006/relationships" xmlns:p="http://schemas.openxmlformats.org/presentationml/2006/main" showMasterSp="0" showMasterPhAnim="0">
   <p:cSld>
     <p:spTree>
       <p:nvGrpSpPr>
-        <p:cNvPr id="171" name="Shape 171"/>
+        <p:cNvPr id="1" name="Shape 171"/>
         <p:cNvGrpSpPr/>
         <p:nvPr/>
       </p:nvGrpSpPr>
@@ -1422,9 +1476,11 @@
       <p:sp>
         <p:nvSpPr>
           <p:cNvPr id="172" name="Google Shape;172;g44246ff0e3_0_21:notes"/>
-          <p:cNvSpPr/>
+          <p:cNvSpPr>
+            <a:spLocks noGrp="1" noRot="1" noChangeAspect="1"/>
+          </p:cNvSpPr>
           <p:nvPr>
-            <p:ph idx="2" type="sldImg"/>
+            <p:ph type="sldImg" idx="2"/>
           </p:nvPr>
         </p:nvSpPr>
         <p:spPr>
@@ -1433,9 +1489,13 @@
             <a:ext cx="6096000" cy="3429000"/>
           </a:xfrm>
           <a:custGeom>
-            <a:rect b="b" l="l" r="r" t="t"/>
+            <a:avLst/>
+            <a:gdLst/>
+            <a:ahLst/>
+            <a:cxnLst/>
+            <a:rect l="l" t="t" r="r" b="b"/>
             <a:pathLst>
-              <a:path extrusionOk="0" h="120000" w="120000">
+              <a:path w="120000" h="120000" extrusionOk="0">
                 <a:moveTo>
                   <a:pt x="0" y="0"/>
                 </a:moveTo>
@@ -1457,9 +1517,11 @@
       <p:sp>
         <p:nvSpPr>
           <p:cNvPr id="173" name="Google Shape;173;g44246ff0e3_0_21:notes"/>
-          <p:cNvSpPr txBox="1"/>
+          <p:cNvSpPr txBox="1">
+            <a:spLocks noGrp="1"/>
+          </p:cNvSpPr>
           <p:nvPr>
-            <p:ph idx="1" type="body"/>
+            <p:ph type="body" idx="1"/>
           </p:nvPr>
         </p:nvSpPr>
         <p:spPr>
@@ -1472,12 +1534,12 @@
           </a:prstGeom>
         </p:spPr>
         <p:txBody>
-          <a:bodyPr anchorCtr="0" anchor="t" bIns="91425" lIns="91425" spcFirstLastPara="1" rIns="91425" wrap="square" tIns="91425">
+          <a:bodyPr spcFirstLastPara="1" wrap="square" lIns="91425" tIns="91425" rIns="91425" bIns="91425" anchor="t" anchorCtr="0">
             <a:noAutofit/>
           </a:bodyPr>
           <a:lstStyle/>
           <a:p>
-            <a:pPr indent="0" lvl="0" marL="0" rtl="0" algn="l">
+            <a:pPr marL="0" lvl="0" indent="0" algn="l" rtl="0">
               <a:spcBef>
                 <a:spcPts val="0"/>
               </a:spcBef>
@@ -1486,9 +1548,6 @@
               </a:spcAft>
               <a:buNone/>
             </a:pPr>
-            <a:r>
-              <a:t/>
-            </a:r>
             <a:endParaRPr/>
           </a:p>
         </p:txBody>
@@ -1502,11 +1561,11 @@
 </file>
 
 <file path=ppt/notesSlides/notesSlide8.xml><?xml version="1.0" encoding="utf-8"?>
-<p:notes xmlns:a="http://schemas.openxmlformats.org/drawingml/2006/main" xmlns:r="http://schemas.openxmlformats.org/officeDocument/2006/relationships" xmlns:mc="http://schemas.openxmlformats.org/markup-compatibility/2006" xmlns:mv="urn:schemas-microsoft-com:mac:vml" xmlns:p="http://schemas.openxmlformats.org/presentationml/2006/main" xmlns:c="http://schemas.openxmlformats.org/drawingml/2006/chart" xmlns:dgm="http://schemas.openxmlformats.org/drawingml/2006/diagram" xmlns:o="urn:schemas-microsoft-com:office:office" xmlns:v="urn:schemas-microsoft-com:vml" xmlns:pvml="urn:schemas-microsoft-com:office:powerpoint" xmlns:com="http://schemas.openxmlformats.org/drawingml/2006/compatibility" xmlns:p14="http://schemas.microsoft.com/office/powerpoint/2010/main" xmlns:p15="http://schemas.microsoft.com/office/powerpoint/2012/main" showMasterPhAnim="0" showMasterSp="0">
+<p:notes xmlns:a="http://schemas.openxmlformats.org/drawingml/2006/main" xmlns:r="http://schemas.openxmlformats.org/officeDocument/2006/relationships" xmlns:p="http://schemas.openxmlformats.org/presentationml/2006/main" showMasterSp="0" showMasterPhAnim="0">
   <p:cSld>
     <p:spTree>
       <p:nvGrpSpPr>
-        <p:cNvPr id="177" name="Shape 177"/>
+        <p:cNvPr id="1" name="Shape 177"/>
         <p:cNvGrpSpPr/>
         <p:nvPr/>
       </p:nvGrpSpPr>
@@ -1521,9 +1580,11 @@
       <p:sp>
         <p:nvSpPr>
           <p:cNvPr id="178" name="Google Shape;178;g437f90c70a_0_39:notes"/>
-          <p:cNvSpPr/>
+          <p:cNvSpPr>
+            <a:spLocks noGrp="1" noRot="1" noChangeAspect="1"/>
+          </p:cNvSpPr>
           <p:nvPr>
-            <p:ph idx="2" type="sldImg"/>
+            <p:ph type="sldImg" idx="2"/>
           </p:nvPr>
         </p:nvSpPr>
         <p:spPr>
@@ -1532,9 +1593,13 @@
             <a:ext cx="6096000" cy="3429000"/>
           </a:xfrm>
           <a:custGeom>
-            <a:rect b="b" l="l" r="r" t="t"/>
+            <a:avLst/>
+            <a:gdLst/>
+            <a:ahLst/>
+            <a:cxnLst/>
+            <a:rect l="l" t="t" r="r" b="b"/>
             <a:pathLst>
-              <a:path extrusionOk="0" h="120000" w="120000">
+              <a:path w="120000" h="120000" extrusionOk="0">
                 <a:moveTo>
                   <a:pt x="0" y="0"/>
                 </a:moveTo>
@@ -1556,9 +1621,11 @@
       <p:sp>
         <p:nvSpPr>
           <p:cNvPr id="179" name="Google Shape;179;g437f90c70a_0_39:notes"/>
-          <p:cNvSpPr txBox="1"/>
+          <p:cNvSpPr txBox="1">
+            <a:spLocks noGrp="1"/>
+          </p:cNvSpPr>
           <p:nvPr>
-            <p:ph idx="1" type="body"/>
+            <p:ph type="body" idx="1"/>
           </p:nvPr>
         </p:nvSpPr>
         <p:spPr>
@@ -1571,12 +1638,12 @@
           </a:prstGeom>
         </p:spPr>
         <p:txBody>
-          <a:bodyPr anchorCtr="0" anchor="t" bIns="91425" lIns="91425" spcFirstLastPara="1" rIns="91425" wrap="square" tIns="91425">
+          <a:bodyPr spcFirstLastPara="1" wrap="square" lIns="91425" tIns="91425" rIns="91425" bIns="91425" anchor="t" anchorCtr="0">
             <a:noAutofit/>
           </a:bodyPr>
           <a:lstStyle/>
           <a:p>
-            <a:pPr indent="0" lvl="0" marL="0" rtl="0" algn="l">
+            <a:pPr marL="0" lvl="0" indent="0" algn="l" rtl="0">
               <a:spcBef>
                 <a:spcPts val="0"/>
               </a:spcBef>
@@ -1585,9 +1652,6 @@
               </a:spcAft>
               <a:buNone/>
             </a:pPr>
-            <a:r>
-              <a:t/>
-            </a:r>
             <a:endParaRPr/>
           </a:p>
         </p:txBody>
@@ -1601,11 +1665,11 @@
 </file>
 
 <file path=ppt/notesSlides/notesSlide9.xml><?xml version="1.0" encoding="utf-8"?>
-<p:notes xmlns:a="http://schemas.openxmlformats.org/drawingml/2006/main" xmlns:r="http://schemas.openxmlformats.org/officeDocument/2006/relationships" xmlns:mc="http://schemas.openxmlformats.org/markup-compatibility/2006" xmlns:mv="urn:schemas-microsoft-com:mac:vml" xmlns:p="http://schemas.openxmlformats.org/presentationml/2006/main" xmlns:c="http://schemas.openxmlformats.org/drawingml/2006/chart" xmlns:dgm="http://schemas.openxmlformats.org/drawingml/2006/diagram" xmlns:o="urn:schemas-microsoft-com:office:office" xmlns:v="urn:schemas-microsoft-com:vml" xmlns:pvml="urn:schemas-microsoft-com:office:powerpoint" xmlns:com="http://schemas.openxmlformats.org/drawingml/2006/compatibility" xmlns:p14="http://schemas.microsoft.com/office/powerpoint/2010/main" xmlns:p15="http://schemas.microsoft.com/office/powerpoint/2012/main" showMasterPhAnim="0" showMasterSp="0">
+<p:notes xmlns:a="http://schemas.openxmlformats.org/drawingml/2006/main" xmlns:r="http://schemas.openxmlformats.org/officeDocument/2006/relationships" xmlns:p="http://schemas.openxmlformats.org/presentationml/2006/main" showMasterSp="0" showMasterPhAnim="0">
   <p:cSld>
     <p:spTree>
       <p:nvGrpSpPr>
-        <p:cNvPr id="182" name="Shape 182"/>
+        <p:cNvPr id="1" name="Shape 182"/>
         <p:cNvGrpSpPr/>
         <p:nvPr/>
       </p:nvGrpSpPr>
@@ -1620,9 +1684,11 @@
       <p:sp>
         <p:nvSpPr>
           <p:cNvPr id="183" name="Google Shape;183;g437f90c70a_0_10:notes"/>
-          <p:cNvSpPr/>
+          <p:cNvSpPr>
+            <a:spLocks noGrp="1" noRot="1" noChangeAspect="1"/>
+          </p:cNvSpPr>
           <p:nvPr>
-            <p:ph idx="2" type="sldImg"/>
+            <p:ph type="sldImg" idx="2"/>
           </p:nvPr>
         </p:nvSpPr>
         <p:spPr>
@@ -1631,9 +1697,13 @@
             <a:ext cx="6096000" cy="3429000"/>
           </a:xfrm>
           <a:custGeom>
-            <a:rect b="b" l="l" r="r" t="t"/>
+            <a:avLst/>
+            <a:gdLst/>
+            <a:ahLst/>
+            <a:cxnLst/>
+            <a:rect l="l" t="t" r="r" b="b"/>
             <a:pathLst>
-              <a:path extrusionOk="0" h="120000" w="120000">
+              <a:path w="120000" h="120000" extrusionOk="0">
                 <a:moveTo>
                   <a:pt x="0" y="0"/>
                 </a:moveTo>
@@ -1655,9 +1725,11 @@
       <p:sp>
         <p:nvSpPr>
           <p:cNvPr id="184" name="Google Shape;184;g437f90c70a_0_10:notes"/>
-          <p:cNvSpPr txBox="1"/>
+          <p:cNvSpPr txBox="1">
+            <a:spLocks noGrp="1"/>
+          </p:cNvSpPr>
           <p:nvPr>
-            <p:ph idx="1" type="body"/>
+            <p:ph type="body" idx="1"/>
           </p:nvPr>
         </p:nvSpPr>
         <p:spPr>
@@ -1670,12 +1742,12 @@
           </a:prstGeom>
         </p:spPr>
         <p:txBody>
-          <a:bodyPr anchorCtr="0" anchor="t" bIns="91425" lIns="91425" spcFirstLastPara="1" rIns="91425" wrap="square" tIns="91425">
+          <a:bodyPr spcFirstLastPara="1" wrap="square" lIns="91425" tIns="91425" rIns="91425" bIns="91425" anchor="t" anchorCtr="0">
             <a:noAutofit/>
           </a:bodyPr>
           <a:lstStyle/>
           <a:p>
-            <a:pPr indent="0" lvl="0" marL="0" rtl="0" algn="l">
+            <a:pPr marL="0" lvl="0" indent="0" algn="l" rtl="0">
               <a:spcBef>
                 <a:spcPts val="0"/>
               </a:spcBef>
@@ -1684,9 +1756,6 @@
               </a:spcAft>
               <a:buNone/>
             </a:pPr>
-            <a:r>
-              <a:t/>
-            </a:r>
             <a:endParaRPr/>
           </a:p>
         </p:txBody>
@@ -1700,11 +1769,11 @@
 </file>
 
 <file path=ppt/slideLayouts/slideLayout1.xml><?xml version="1.0" encoding="utf-8"?>
-<p:sldLayout xmlns:a="http://schemas.openxmlformats.org/drawingml/2006/main" xmlns:r="http://schemas.openxmlformats.org/officeDocument/2006/relationships" xmlns:mc="http://schemas.openxmlformats.org/markup-compatibility/2006" xmlns:mv="urn:schemas-microsoft-com:mac:vml" xmlns:p="http://schemas.openxmlformats.org/presentationml/2006/main" xmlns:c="http://schemas.openxmlformats.org/drawingml/2006/chart" xmlns:dgm="http://schemas.openxmlformats.org/drawingml/2006/diagram" xmlns:o="urn:schemas-microsoft-com:office:office" xmlns:v="urn:schemas-microsoft-com:vml" xmlns:pvml="urn:schemas-microsoft-com:office:powerpoint" xmlns:com="http://schemas.openxmlformats.org/drawingml/2006/compatibility" xmlns:p14="http://schemas.microsoft.com/office/powerpoint/2010/main" xmlns:p15="http://schemas.microsoft.com/office/powerpoint/2012/main" matchingName="Title slide" type="title">
+<p:sldLayout xmlns:a="http://schemas.openxmlformats.org/drawingml/2006/main" xmlns:r="http://schemas.openxmlformats.org/officeDocument/2006/relationships" xmlns:p="http://schemas.openxmlformats.org/presentationml/2006/main" matchingName="Title slide" type="title">
   <p:cSld name="TITLE">
     <p:spTree>
       <p:nvGrpSpPr>
-        <p:cNvPr id="9" name="Shape 9"/>
+        <p:cNvPr id="1" name="Shape 9"/>
         <p:cNvGrpSpPr/>
         <p:nvPr/>
       </p:nvGrpSpPr>
@@ -1729,7 +1798,7 @@
           </a:xfrm>
           <a:prstGeom prst="diagStripe">
             <a:avLst>
-              <a:gd fmla="val 0" name="adj"/>
+              <a:gd name="adj" fmla="val 0"/>
             </a:avLst>
           </a:prstGeom>
           <a:solidFill>
@@ -1742,12 +1811,12 @@
           </a:ln>
         </p:spPr>
         <p:txBody>
-          <a:bodyPr anchorCtr="0" anchor="ctr" bIns="91425" lIns="91425" spcFirstLastPara="1" rIns="91425" wrap="square" tIns="91425">
+          <a:bodyPr spcFirstLastPara="1" wrap="square" lIns="91425" tIns="91425" rIns="91425" bIns="91425" anchor="ctr" anchorCtr="0">
             <a:noAutofit/>
           </a:bodyPr>
           <a:lstStyle/>
           <a:p>
-            <a:pPr indent="0" lvl="0" marL="0" rtl="0" algn="l">
+            <a:pPr marL="0" lvl="0" indent="0" algn="l" rtl="0">
               <a:spcBef>
                 <a:spcPts val="0"/>
               </a:spcBef>
@@ -1756,9 +1825,6 @@
               </a:spcAft>
               <a:buNone/>
             </a:pPr>
-            <a:r>
-              <a:t/>
-            </a:r>
             <a:endParaRPr/>
           </a:p>
         </p:txBody>
@@ -1790,7 +1856,7 @@
             </a:xfrm>
             <a:prstGeom prst="diagStripe">
               <a:avLst>
-                <a:gd fmla="val 50000" name="adj"/>
+                <a:gd name="adj" fmla="val 50000"/>
               </a:avLst>
             </a:prstGeom>
             <a:solidFill>
@@ -1803,12 +1869,12 @@
             </a:ln>
           </p:spPr>
           <p:txBody>
-            <a:bodyPr anchorCtr="0" anchor="ctr" bIns="91425" lIns="91425" spcFirstLastPara="1" rIns="91425" wrap="square" tIns="91425">
+            <a:bodyPr spcFirstLastPara="1" wrap="square" lIns="91425" tIns="91425" rIns="91425" bIns="91425" anchor="ctr" anchorCtr="0">
               <a:noAutofit/>
             </a:bodyPr>
             <a:lstStyle/>
             <a:p>
-              <a:pPr indent="0" lvl="0" marL="0" rtl="0" algn="l">
+              <a:pPr marL="0" lvl="0" indent="0" algn="l" rtl="0">
                 <a:spcBef>
                   <a:spcPts val="0"/>
                 </a:spcBef>
@@ -1817,9 +1883,6 @@
                 </a:spcAft>
                 <a:buNone/>
               </a:pPr>
-              <a:r>
-                <a:t/>
-              </a:r>
               <a:endParaRPr/>
             </a:p>
           </p:txBody>
@@ -1837,7 +1900,7 @@
             </a:xfrm>
             <a:prstGeom prst="diagStripe">
               <a:avLst>
-                <a:gd fmla="val 58774" name="adj"/>
+                <a:gd name="adj" fmla="val 58774"/>
               </a:avLst>
             </a:prstGeom>
             <a:solidFill>
@@ -1850,12 +1913,12 @@
             </a:ln>
           </p:spPr>
           <p:txBody>
-            <a:bodyPr anchorCtr="0" anchor="ctr" bIns="91425" lIns="91425" spcFirstLastPara="1" rIns="91425" wrap="square" tIns="91425">
+            <a:bodyPr spcFirstLastPara="1" wrap="square" lIns="91425" tIns="91425" rIns="91425" bIns="91425" anchor="ctr" anchorCtr="0">
               <a:noAutofit/>
             </a:bodyPr>
             <a:lstStyle/>
             <a:p>
-              <a:pPr indent="0" lvl="0" marL="0" rtl="0" algn="l">
+              <a:pPr marL="0" lvl="0" indent="0" algn="l" rtl="0">
                 <a:spcBef>
                   <a:spcPts val="0"/>
                 </a:spcBef>
@@ -1864,9 +1927,6 @@
                 </a:spcAft>
                 <a:buNone/>
               </a:pPr>
-              <a:r>
-                <a:t/>
-              </a:r>
               <a:endParaRPr/>
             </a:p>
           </p:txBody>
@@ -1884,7 +1944,7 @@
             </a:xfrm>
             <a:prstGeom prst="diagStripe">
               <a:avLst>
-                <a:gd fmla="val 50000" name="adj"/>
+                <a:gd name="adj" fmla="val 50000"/>
               </a:avLst>
             </a:prstGeom>
             <a:solidFill>
@@ -1895,12 +1955,12 @@
             </a:ln>
           </p:spPr>
           <p:txBody>
-            <a:bodyPr anchorCtr="0" anchor="ctr" bIns="91425" lIns="91425" spcFirstLastPara="1" rIns="91425" wrap="square" tIns="91425">
+            <a:bodyPr spcFirstLastPara="1" wrap="square" lIns="91425" tIns="91425" rIns="91425" bIns="91425" anchor="ctr" anchorCtr="0">
               <a:noAutofit/>
             </a:bodyPr>
             <a:lstStyle/>
             <a:p>
-              <a:pPr indent="0" lvl="0" marL="0" rtl="0" algn="l">
+              <a:pPr marL="0" lvl="0" indent="0" algn="l" rtl="0">
                 <a:spcBef>
                   <a:spcPts val="0"/>
                 </a:spcBef>
@@ -1909,9 +1969,6 @@
                 </a:spcAft>
                 <a:buNone/>
               </a:pPr>
-              <a:r>
-                <a:t/>
-              </a:r>
               <a:endParaRPr/>
             </a:p>
           </p:txBody>
@@ -1929,7 +1986,7 @@
             </a:xfrm>
             <a:prstGeom prst="diagStripe">
               <a:avLst>
-                <a:gd fmla="val 50000" name="adj"/>
+                <a:gd name="adj" fmla="val 50000"/>
               </a:avLst>
             </a:prstGeom>
             <a:solidFill>
@@ -1940,12 +1997,12 @@
             </a:ln>
           </p:spPr>
           <p:txBody>
-            <a:bodyPr anchorCtr="0" anchor="ctr" bIns="91425" lIns="91425" spcFirstLastPara="1" rIns="91425" wrap="square" tIns="91425">
+            <a:bodyPr spcFirstLastPara="1" wrap="square" lIns="91425" tIns="91425" rIns="91425" bIns="91425" anchor="ctr" anchorCtr="0">
               <a:noAutofit/>
             </a:bodyPr>
             <a:lstStyle/>
             <a:p>
-              <a:pPr indent="0" lvl="0" marL="0" rtl="0" algn="l">
+              <a:pPr marL="0" lvl="0" indent="0" algn="l" rtl="0">
                 <a:spcBef>
                   <a:spcPts val="0"/>
                 </a:spcBef>
@@ -1954,9 +2011,6 @@
                 </a:spcAft>
                 <a:buNone/>
               </a:pPr>
-              <a:r>
-                <a:t/>
-              </a:r>
               <a:endParaRPr/>
             </a:p>
           </p:txBody>
@@ -1965,7 +2019,9 @@
       <p:sp>
         <p:nvSpPr>
           <p:cNvPr id="16" name="Google Shape;16;p2"/>
-          <p:cNvSpPr txBox="1"/>
+          <p:cNvSpPr txBox="1">
+            <a:spLocks noGrp="1"/>
+          </p:cNvSpPr>
           <p:nvPr>
             <p:ph type="ctrTitle"/>
           </p:nvPr>
@@ -1980,7 +2036,7 @@
           </a:prstGeom>
         </p:spPr>
         <p:txBody>
-          <a:bodyPr anchorCtr="0" anchor="t" bIns="91425" lIns="91425" spcFirstLastPara="1" rIns="91425" wrap="square" tIns="91425"/>
+          <a:bodyPr spcFirstLastPara="1" wrap="square" lIns="91425" tIns="91425" rIns="91425" bIns="91425" anchor="t" anchorCtr="0"/>
           <a:lstStyle>
             <a:lvl1pPr lvl="0">
               <a:spcBef>
@@ -2082,15 +2138,19 @@
               <a:defRPr sz="4000"/>
             </a:lvl9pPr>
           </a:lstStyle>
-          <a:p/>
+          <a:p>
+            <a:endParaRPr/>
+          </a:p>
         </p:txBody>
       </p:sp>
       <p:sp>
         <p:nvSpPr>
           <p:cNvPr id="17" name="Google Shape;17;p2"/>
-          <p:cNvSpPr txBox="1"/>
+          <p:cNvSpPr txBox="1">
+            <a:spLocks noGrp="1"/>
+          </p:cNvSpPr>
           <p:nvPr>
-            <p:ph idx="1" type="subTitle"/>
+            <p:ph type="subTitle" idx="1"/>
           </p:nvPr>
         </p:nvSpPr>
         <p:spPr>
@@ -2103,7 +2163,7 @@
           </a:prstGeom>
         </p:spPr>
         <p:txBody>
-          <a:bodyPr anchorCtr="0" anchor="t" bIns="91425" lIns="91425" spcFirstLastPara="1" rIns="91425" wrap="square" tIns="91425"/>
+          <a:bodyPr spcFirstLastPara="1" wrap="square" lIns="91425" tIns="91425" rIns="91425" bIns="91425" anchor="t" anchorCtr="0"/>
           <a:lstStyle>
             <a:lvl1pPr lvl="0">
               <a:lnSpc>
@@ -2232,15 +2292,19 @@
               <a:defRPr sz="1300"/>
             </a:lvl9pPr>
           </a:lstStyle>
-          <a:p/>
+          <a:p>
+            <a:endParaRPr/>
+          </a:p>
         </p:txBody>
       </p:sp>
       <p:sp>
         <p:nvSpPr>
           <p:cNvPr id="18" name="Google Shape;18;p2"/>
-          <p:cNvSpPr txBox="1"/>
+          <p:cNvSpPr txBox="1">
+            <a:spLocks noGrp="1"/>
+          </p:cNvSpPr>
           <p:nvPr>
-            <p:ph idx="12" type="sldNum"/>
+            <p:ph type="sldNum" idx="12"/>
           </p:nvPr>
         </p:nvSpPr>
         <p:spPr>
@@ -2253,7 +2317,7 @@
           </a:prstGeom>
         </p:spPr>
         <p:txBody>
-          <a:bodyPr anchorCtr="0" anchor="ctr" bIns="91425" lIns="91425" spcFirstLastPara="1" rIns="91425" wrap="square" tIns="91425">
+          <a:bodyPr spcFirstLastPara="1" wrap="square" lIns="91425" tIns="91425" rIns="91425" bIns="91425" anchor="ctr" anchorCtr="0">
             <a:noAutofit/>
           </a:bodyPr>
           <a:lstStyle>
@@ -2295,7 +2359,7 @@
             </a:lvl9pPr>
           </a:lstStyle>
           <a:p>
-            <a:pPr indent="0" lvl="0" marL="0" rtl="0" algn="r">
+            <a:pPr marL="0" lvl="0" indent="0" algn="r" rtl="0">
               <a:spcBef>
                 <a:spcPts val="0"/>
               </a:spcBef>
@@ -2321,11 +2385,11 @@
 </file>
 
 <file path=ppt/slideLayouts/slideLayout10.xml><?xml version="1.0" encoding="utf-8"?>
-<p:sldLayout xmlns:a="http://schemas.openxmlformats.org/drawingml/2006/main" xmlns:r="http://schemas.openxmlformats.org/officeDocument/2006/relationships" xmlns:mc="http://schemas.openxmlformats.org/markup-compatibility/2006" xmlns:mv="urn:schemas-microsoft-com:mac:vml" xmlns:p="http://schemas.openxmlformats.org/presentationml/2006/main" xmlns:c="http://schemas.openxmlformats.org/drawingml/2006/chart" xmlns:dgm="http://schemas.openxmlformats.org/drawingml/2006/diagram" xmlns:o="urn:schemas-microsoft-com:office:office" xmlns:v="urn:schemas-microsoft-com:vml" xmlns:pvml="urn:schemas-microsoft-com:office:powerpoint" xmlns:com="http://schemas.openxmlformats.org/drawingml/2006/compatibility" xmlns:p14="http://schemas.microsoft.com/office/powerpoint/2010/main" xmlns:p15="http://schemas.microsoft.com/office/powerpoint/2012/main" matchingName="Big number">
+<p:sldLayout xmlns:a="http://schemas.openxmlformats.org/drawingml/2006/main" xmlns:r="http://schemas.openxmlformats.org/officeDocument/2006/relationships" xmlns:p="http://schemas.openxmlformats.org/presentationml/2006/main" matchingName="Big number">
   <p:cSld name="BIG_NUMBER">
     <p:spTree>
       <p:nvGrpSpPr>
-        <p:cNvPr id="105" name="Shape 105"/>
+        <p:cNvPr id="1" name="Shape 105"/>
         <p:cNvGrpSpPr/>
         <p:nvPr/>
       </p:nvGrpSpPr>
@@ -2364,7 +2428,7 @@
             </a:xfrm>
             <a:prstGeom prst="diagStripe">
               <a:avLst>
-                <a:gd fmla="val 49469" name="adj"/>
+                <a:gd name="adj" fmla="val 49469"/>
               </a:avLst>
             </a:prstGeom>
             <a:solidFill>
@@ -2377,12 +2441,12 @@
             </a:ln>
           </p:spPr>
           <p:txBody>
-            <a:bodyPr anchorCtr="0" anchor="ctr" bIns="91425" lIns="91425" spcFirstLastPara="1" rIns="91425" wrap="square" tIns="91425">
+            <a:bodyPr spcFirstLastPara="1" wrap="square" lIns="91425" tIns="91425" rIns="91425" bIns="91425" anchor="ctr" anchorCtr="0">
               <a:noAutofit/>
             </a:bodyPr>
             <a:lstStyle/>
             <a:p>
-              <a:pPr indent="0" lvl="0" marL="0" rtl="0" algn="l">
+              <a:pPr marL="0" lvl="0" indent="0" algn="l" rtl="0">
                 <a:spcBef>
                   <a:spcPts val="0"/>
                 </a:spcBef>
@@ -2391,9 +2455,6 @@
                 </a:spcAft>
                 <a:buNone/>
               </a:pPr>
-              <a:r>
-                <a:t/>
-              </a:r>
               <a:endParaRPr/>
             </a:p>
           </p:txBody>
@@ -2411,7 +2472,7 @@
             </a:xfrm>
             <a:prstGeom prst="diagStripe">
               <a:avLst>
-                <a:gd fmla="val 0" name="adj"/>
+                <a:gd name="adj" fmla="val 0"/>
               </a:avLst>
             </a:prstGeom>
             <a:solidFill>
@@ -2424,12 +2485,12 @@
             </a:ln>
           </p:spPr>
           <p:txBody>
-            <a:bodyPr anchorCtr="0" anchor="ctr" bIns="91425" lIns="91425" spcFirstLastPara="1" rIns="91425" wrap="square" tIns="91425">
+            <a:bodyPr spcFirstLastPara="1" wrap="square" lIns="91425" tIns="91425" rIns="91425" bIns="91425" anchor="ctr" anchorCtr="0">
               <a:noAutofit/>
             </a:bodyPr>
             <a:lstStyle/>
             <a:p>
-              <a:pPr indent="0" lvl="0" marL="0" rtl="0" algn="l">
+              <a:pPr marL="0" lvl="0" indent="0" algn="l" rtl="0">
                 <a:spcBef>
                   <a:spcPts val="0"/>
                 </a:spcBef>
@@ -2438,9 +2499,6 @@
                 </a:spcAft>
                 <a:buNone/>
               </a:pPr>
-              <a:r>
-                <a:t/>
-              </a:r>
               <a:endParaRPr/>
             </a:p>
           </p:txBody>
@@ -2458,7 +2516,7 @@
             </a:xfrm>
             <a:prstGeom prst="diagStripe">
               <a:avLst>
-                <a:gd fmla="val 50000" name="adj"/>
+                <a:gd name="adj" fmla="val 50000"/>
               </a:avLst>
             </a:prstGeom>
             <a:solidFill>
@@ -2471,12 +2529,12 @@
             </a:ln>
           </p:spPr>
           <p:txBody>
-            <a:bodyPr anchorCtr="0" anchor="ctr" bIns="91425" lIns="91425" spcFirstLastPara="1" rIns="91425" wrap="square" tIns="91425">
+            <a:bodyPr spcFirstLastPara="1" wrap="square" lIns="91425" tIns="91425" rIns="91425" bIns="91425" anchor="ctr" anchorCtr="0">
               <a:noAutofit/>
             </a:bodyPr>
             <a:lstStyle/>
             <a:p>
-              <a:pPr indent="0" lvl="0" marL="0" rtl="0" algn="l">
+              <a:pPr marL="0" lvl="0" indent="0" algn="l" rtl="0">
                 <a:spcBef>
                   <a:spcPts val="0"/>
                 </a:spcBef>
@@ -2485,9 +2543,6 @@
                 </a:spcAft>
                 <a:buNone/>
               </a:pPr>
-              <a:r>
-                <a:t/>
-              </a:r>
               <a:endParaRPr/>
             </a:p>
           </p:txBody>
@@ -2505,7 +2560,7 @@
             </a:xfrm>
             <a:prstGeom prst="diagStripe">
               <a:avLst>
-                <a:gd fmla="val 50000" name="adj"/>
+                <a:gd name="adj" fmla="val 50000"/>
               </a:avLst>
             </a:prstGeom>
             <a:solidFill>
@@ -2518,12 +2573,12 @@
             </a:ln>
           </p:spPr>
           <p:txBody>
-            <a:bodyPr anchorCtr="0" anchor="ctr" bIns="91425" lIns="91425" spcFirstLastPara="1" rIns="91425" wrap="square" tIns="91425">
+            <a:bodyPr spcFirstLastPara="1" wrap="square" lIns="91425" tIns="91425" rIns="91425" bIns="91425" anchor="ctr" anchorCtr="0">
               <a:noAutofit/>
             </a:bodyPr>
             <a:lstStyle/>
             <a:p>
-              <a:pPr indent="0" lvl="0" marL="0" rtl="0" algn="l">
+              <a:pPr marL="0" lvl="0" indent="0" algn="l" rtl="0">
                 <a:spcBef>
                   <a:spcPts val="0"/>
                 </a:spcBef>
@@ -2532,9 +2587,6 @@
                 </a:spcAft>
                 <a:buNone/>
               </a:pPr>
-              <a:r>
-                <a:t/>
-              </a:r>
               <a:endParaRPr/>
             </a:p>
           </p:txBody>
@@ -2552,7 +2604,7 @@
             </a:xfrm>
             <a:prstGeom prst="diagStripe">
               <a:avLst>
-                <a:gd fmla="val 50000" name="adj"/>
+                <a:gd name="adj" fmla="val 50000"/>
               </a:avLst>
             </a:prstGeom>
             <a:solidFill>
@@ -2565,12 +2617,12 @@
             </a:ln>
           </p:spPr>
           <p:txBody>
-            <a:bodyPr anchorCtr="0" anchor="ctr" bIns="91425" lIns="91425" spcFirstLastPara="1" rIns="91425" wrap="square" tIns="91425">
+            <a:bodyPr spcFirstLastPara="1" wrap="square" lIns="91425" tIns="91425" rIns="91425" bIns="91425" anchor="ctr" anchorCtr="0">
               <a:noAutofit/>
             </a:bodyPr>
             <a:lstStyle/>
             <a:p>
-              <a:pPr indent="0" lvl="0" marL="0" rtl="0" algn="l">
+              <a:pPr marL="0" lvl="0" indent="0" algn="l" rtl="0">
                 <a:spcBef>
                   <a:spcPts val="0"/>
                 </a:spcBef>
@@ -2579,9 +2631,6 @@
                 </a:spcAft>
                 <a:buNone/>
               </a:pPr>
-              <a:r>
-                <a:t/>
-              </a:r>
               <a:endParaRPr/>
             </a:p>
           </p:txBody>
@@ -2599,7 +2648,7 @@
             </a:xfrm>
             <a:prstGeom prst="diagStripe">
               <a:avLst>
-                <a:gd fmla="val 50000" name="adj"/>
+                <a:gd name="adj" fmla="val 50000"/>
               </a:avLst>
             </a:prstGeom>
             <a:solidFill>
@@ -2612,12 +2661,12 @@
             </a:ln>
           </p:spPr>
           <p:txBody>
-            <a:bodyPr anchorCtr="0" anchor="ctr" bIns="91425" lIns="91425" spcFirstLastPara="1" rIns="91425" wrap="square" tIns="91425">
+            <a:bodyPr spcFirstLastPara="1" wrap="square" lIns="91425" tIns="91425" rIns="91425" bIns="91425" anchor="ctr" anchorCtr="0">
               <a:noAutofit/>
             </a:bodyPr>
             <a:lstStyle/>
             <a:p>
-              <a:pPr indent="0" lvl="0" marL="0" rtl="0" algn="l">
+              <a:pPr marL="0" lvl="0" indent="0" algn="l" rtl="0">
                 <a:spcBef>
                   <a:spcPts val="0"/>
                 </a:spcBef>
@@ -2626,9 +2675,6 @@
                 </a:spcAft>
                 <a:buNone/>
               </a:pPr>
-              <a:r>
-                <a:t/>
-              </a:r>
               <a:endParaRPr/>
             </a:p>
           </p:txBody>
@@ -2646,7 +2692,7 @@
             </a:xfrm>
             <a:prstGeom prst="diagStripe">
               <a:avLst>
-                <a:gd fmla="val 50000" name="adj"/>
+                <a:gd name="adj" fmla="val 50000"/>
               </a:avLst>
             </a:prstGeom>
             <a:solidFill>
@@ -2659,12 +2705,12 @@
             </a:ln>
           </p:spPr>
           <p:txBody>
-            <a:bodyPr anchorCtr="0" anchor="ctr" bIns="91425" lIns="91425" spcFirstLastPara="1" rIns="91425" wrap="square" tIns="91425">
+            <a:bodyPr spcFirstLastPara="1" wrap="square" lIns="91425" tIns="91425" rIns="91425" bIns="91425" anchor="ctr" anchorCtr="0">
               <a:noAutofit/>
             </a:bodyPr>
             <a:lstStyle/>
             <a:p>
-              <a:pPr indent="0" lvl="0" marL="0" rtl="0" algn="l">
+              <a:pPr marL="0" lvl="0" indent="0" algn="l" rtl="0">
                 <a:spcBef>
                   <a:spcPts val="0"/>
                 </a:spcBef>
@@ -2673,9 +2719,6 @@
                 </a:spcAft>
                 <a:buNone/>
               </a:pPr>
-              <a:r>
-                <a:t/>
-              </a:r>
               <a:endParaRPr/>
             </a:p>
           </p:txBody>
@@ -2693,7 +2736,7 @@
             </a:xfrm>
             <a:prstGeom prst="diagStripe">
               <a:avLst>
-                <a:gd fmla="val 50000" name="adj"/>
+                <a:gd name="adj" fmla="val 50000"/>
               </a:avLst>
             </a:prstGeom>
             <a:solidFill>
@@ -2704,12 +2747,12 @@
             </a:ln>
           </p:spPr>
           <p:txBody>
-            <a:bodyPr anchorCtr="0" anchor="ctr" bIns="91425" lIns="91425" spcFirstLastPara="1" rIns="91425" wrap="square" tIns="91425">
+            <a:bodyPr spcFirstLastPara="1" wrap="square" lIns="91425" tIns="91425" rIns="91425" bIns="91425" anchor="ctr" anchorCtr="0">
               <a:noAutofit/>
             </a:bodyPr>
             <a:lstStyle/>
             <a:p>
-              <a:pPr indent="0" lvl="0" marL="0" rtl="0" algn="l">
+              <a:pPr marL="0" lvl="0" indent="0" algn="l" rtl="0">
                 <a:spcBef>
                   <a:spcPts val="0"/>
                 </a:spcBef>
@@ -2718,9 +2761,6 @@
                 </a:spcAft>
                 <a:buNone/>
               </a:pPr>
-              <a:r>
-                <a:t/>
-              </a:r>
               <a:endParaRPr/>
             </a:p>
           </p:txBody>
@@ -2738,7 +2778,7 @@
             </a:xfrm>
             <a:prstGeom prst="diagStripe">
               <a:avLst>
-                <a:gd fmla="val 50000" name="adj"/>
+                <a:gd name="adj" fmla="val 50000"/>
               </a:avLst>
             </a:prstGeom>
             <a:solidFill>
@@ -2751,12 +2791,12 @@
             </a:ln>
           </p:spPr>
           <p:txBody>
-            <a:bodyPr anchorCtr="0" anchor="ctr" bIns="91425" lIns="91425" spcFirstLastPara="1" rIns="91425" wrap="square" tIns="91425">
+            <a:bodyPr spcFirstLastPara="1" wrap="square" lIns="91425" tIns="91425" rIns="91425" bIns="91425" anchor="ctr" anchorCtr="0">
               <a:noAutofit/>
             </a:bodyPr>
             <a:lstStyle/>
             <a:p>
-              <a:pPr indent="0" lvl="0" marL="0" rtl="0" algn="l">
+              <a:pPr marL="0" lvl="0" indent="0" algn="l" rtl="0">
                 <a:spcBef>
                   <a:spcPts val="0"/>
                 </a:spcBef>
@@ -2765,9 +2805,6 @@
                 </a:spcAft>
                 <a:buNone/>
               </a:pPr>
-              <a:r>
-                <a:t/>
-              </a:r>
               <a:endParaRPr/>
             </a:p>
           </p:txBody>
@@ -2785,7 +2822,7 @@
             </a:xfrm>
             <a:prstGeom prst="diagStripe">
               <a:avLst>
-                <a:gd fmla="val 50000" name="adj"/>
+                <a:gd name="adj" fmla="val 50000"/>
               </a:avLst>
             </a:prstGeom>
             <a:solidFill>
@@ -2798,12 +2835,12 @@
             </a:ln>
           </p:spPr>
           <p:txBody>
-            <a:bodyPr anchorCtr="0" anchor="ctr" bIns="91425" lIns="91425" spcFirstLastPara="1" rIns="91425" wrap="square" tIns="91425">
+            <a:bodyPr spcFirstLastPara="1" wrap="square" lIns="91425" tIns="91425" rIns="91425" bIns="91425" anchor="ctr" anchorCtr="0">
               <a:noAutofit/>
             </a:bodyPr>
             <a:lstStyle/>
             <a:p>
-              <a:pPr indent="0" lvl="0" marL="0" rtl="0" algn="l">
+              <a:pPr marL="0" lvl="0" indent="0" algn="l" rtl="0">
                 <a:spcBef>
                   <a:spcPts val="0"/>
                 </a:spcBef>
@@ -2812,9 +2849,6 @@
                 </a:spcAft>
                 <a:buNone/>
               </a:pPr>
-              <a:r>
-                <a:t/>
-              </a:r>
               <a:endParaRPr/>
             </a:p>
           </p:txBody>
@@ -2832,7 +2866,7 @@
             </a:xfrm>
             <a:prstGeom prst="diagStripe">
               <a:avLst>
-                <a:gd fmla="val 50000" name="adj"/>
+                <a:gd name="adj" fmla="val 50000"/>
               </a:avLst>
             </a:prstGeom>
             <a:solidFill>
@@ -2845,12 +2879,12 @@
             </a:ln>
           </p:spPr>
           <p:txBody>
-            <a:bodyPr anchorCtr="0" anchor="ctr" bIns="91425" lIns="91425" spcFirstLastPara="1" rIns="91425" wrap="square" tIns="91425">
+            <a:bodyPr spcFirstLastPara="1" wrap="square" lIns="91425" tIns="91425" rIns="91425" bIns="91425" anchor="ctr" anchorCtr="0">
               <a:noAutofit/>
             </a:bodyPr>
             <a:lstStyle/>
             <a:p>
-              <a:pPr indent="0" lvl="0" marL="0" rtl="0" algn="l">
+              <a:pPr marL="0" lvl="0" indent="0" algn="l" rtl="0">
                 <a:spcBef>
                   <a:spcPts val="0"/>
                 </a:spcBef>
@@ -2859,9 +2893,6 @@
                 </a:spcAft>
                 <a:buNone/>
               </a:pPr>
-              <a:r>
-                <a:t/>
-              </a:r>
               <a:endParaRPr/>
             </a:p>
           </p:txBody>
@@ -2879,7 +2910,7 @@
             </a:xfrm>
             <a:prstGeom prst="diagStripe">
               <a:avLst>
-                <a:gd fmla="val 50000" name="adj"/>
+                <a:gd name="adj" fmla="val 50000"/>
               </a:avLst>
             </a:prstGeom>
             <a:solidFill>
@@ -2892,12 +2923,12 @@
             </a:ln>
           </p:spPr>
           <p:txBody>
-            <a:bodyPr anchorCtr="0" anchor="ctr" bIns="91425" lIns="91425" spcFirstLastPara="1" rIns="91425" wrap="square" tIns="91425">
+            <a:bodyPr spcFirstLastPara="1" wrap="square" lIns="91425" tIns="91425" rIns="91425" bIns="91425" anchor="ctr" anchorCtr="0">
               <a:noAutofit/>
             </a:bodyPr>
             <a:lstStyle/>
             <a:p>
-              <a:pPr indent="0" lvl="0" marL="0" rtl="0" algn="l">
+              <a:pPr marL="0" lvl="0" indent="0" algn="l" rtl="0">
                 <a:spcBef>
                   <a:spcPts val="0"/>
                 </a:spcBef>
@@ -2906,9 +2937,6 @@
                 </a:spcAft>
                 <a:buNone/>
               </a:pPr>
-              <a:r>
-                <a:t/>
-              </a:r>
               <a:endParaRPr/>
             </a:p>
           </p:txBody>
@@ -2926,7 +2954,7 @@
             </a:xfrm>
             <a:prstGeom prst="diagStripe">
               <a:avLst>
-                <a:gd fmla="val 50000" name="adj"/>
+                <a:gd name="adj" fmla="val 50000"/>
               </a:avLst>
             </a:prstGeom>
             <a:solidFill>
@@ -2939,12 +2967,12 @@
             </a:ln>
           </p:spPr>
           <p:txBody>
-            <a:bodyPr anchorCtr="0" anchor="ctr" bIns="91425" lIns="91425" spcFirstLastPara="1" rIns="91425" wrap="square" tIns="91425">
+            <a:bodyPr spcFirstLastPara="1" wrap="square" lIns="91425" tIns="91425" rIns="91425" bIns="91425" anchor="ctr" anchorCtr="0">
               <a:noAutofit/>
             </a:bodyPr>
             <a:lstStyle/>
             <a:p>
-              <a:pPr indent="0" lvl="0" marL="0" rtl="0" algn="l">
+              <a:pPr marL="0" lvl="0" indent="0" algn="l" rtl="0">
                 <a:spcBef>
                   <a:spcPts val="0"/>
                 </a:spcBef>
@@ -2953,9 +2981,6 @@
                 </a:spcAft>
                 <a:buNone/>
               </a:pPr>
-              <a:r>
-                <a:t/>
-              </a:r>
               <a:endParaRPr/>
             </a:p>
           </p:txBody>
@@ -2973,7 +2998,7 @@
             </a:xfrm>
             <a:prstGeom prst="diagStripe">
               <a:avLst>
-                <a:gd fmla="val 50000" name="adj"/>
+                <a:gd name="adj" fmla="val 50000"/>
               </a:avLst>
             </a:prstGeom>
             <a:solidFill>
@@ -2984,12 +3009,12 @@
             </a:ln>
           </p:spPr>
           <p:txBody>
-            <a:bodyPr anchorCtr="0" anchor="ctr" bIns="91425" lIns="91425" spcFirstLastPara="1" rIns="91425" wrap="square" tIns="91425">
+            <a:bodyPr spcFirstLastPara="1" wrap="square" lIns="91425" tIns="91425" rIns="91425" bIns="91425" anchor="ctr" anchorCtr="0">
               <a:noAutofit/>
             </a:bodyPr>
             <a:lstStyle/>
             <a:p>
-              <a:pPr indent="0" lvl="0" marL="0" rtl="0" algn="l">
+              <a:pPr marL="0" lvl="0" indent="0" algn="l" rtl="0">
                 <a:spcBef>
                   <a:spcPts val="0"/>
                 </a:spcBef>
@@ -2998,9 +3023,6 @@
                 </a:spcAft>
                 <a:buNone/>
               </a:pPr>
-              <a:r>
-                <a:t/>
-              </a:r>
               <a:endParaRPr/>
             </a:p>
           </p:txBody>
@@ -3018,7 +3040,7 @@
             </a:xfrm>
             <a:prstGeom prst="diagStripe">
               <a:avLst>
-                <a:gd fmla="val 50000" name="adj"/>
+                <a:gd name="adj" fmla="val 50000"/>
               </a:avLst>
             </a:prstGeom>
             <a:solidFill>
@@ -3031,12 +3053,12 @@
             </a:ln>
           </p:spPr>
           <p:txBody>
-            <a:bodyPr anchorCtr="0" anchor="ctr" bIns="91425" lIns="91425" spcFirstLastPara="1" rIns="91425" wrap="square" tIns="91425">
+            <a:bodyPr spcFirstLastPara="1" wrap="square" lIns="91425" tIns="91425" rIns="91425" bIns="91425" anchor="ctr" anchorCtr="0">
               <a:noAutofit/>
             </a:bodyPr>
             <a:lstStyle/>
             <a:p>
-              <a:pPr indent="0" lvl="0" marL="0" rtl="0" algn="l">
+              <a:pPr marL="0" lvl="0" indent="0" algn="l" rtl="0">
                 <a:spcBef>
                   <a:spcPts val="0"/>
                 </a:spcBef>
@@ -3045,9 +3067,6 @@
                 </a:spcAft>
                 <a:buNone/>
               </a:pPr>
-              <a:r>
-                <a:t/>
-              </a:r>
               <a:endParaRPr/>
             </a:p>
           </p:txBody>
@@ -3065,7 +3084,7 @@
             </a:xfrm>
             <a:prstGeom prst="diagStripe">
               <a:avLst>
-                <a:gd fmla="val 50000" name="adj"/>
+                <a:gd name="adj" fmla="val 50000"/>
               </a:avLst>
             </a:prstGeom>
             <a:solidFill>
@@ -3078,12 +3097,12 @@
             </a:ln>
           </p:spPr>
           <p:txBody>
-            <a:bodyPr anchorCtr="0" anchor="ctr" bIns="91425" lIns="91425" spcFirstLastPara="1" rIns="91425" wrap="square" tIns="91425">
+            <a:bodyPr spcFirstLastPara="1" wrap="square" lIns="91425" tIns="91425" rIns="91425" bIns="91425" anchor="ctr" anchorCtr="0">
               <a:noAutofit/>
             </a:bodyPr>
             <a:lstStyle/>
             <a:p>
-              <a:pPr indent="0" lvl="0" marL="0" rtl="0" algn="l">
+              <a:pPr marL="0" lvl="0" indent="0" algn="l" rtl="0">
                 <a:spcBef>
                   <a:spcPts val="0"/>
                 </a:spcBef>
@@ -3092,9 +3111,6 @@
                 </a:spcAft>
                 <a:buNone/>
               </a:pPr>
-              <a:r>
-                <a:t/>
-              </a:r>
               <a:endParaRPr/>
             </a:p>
           </p:txBody>
@@ -3112,7 +3128,7 @@
             </a:xfrm>
             <a:prstGeom prst="diagStripe">
               <a:avLst>
-                <a:gd fmla="val 50000" name="adj"/>
+                <a:gd name="adj" fmla="val 50000"/>
               </a:avLst>
             </a:prstGeom>
             <a:solidFill>
@@ -3125,12 +3141,12 @@
             </a:ln>
           </p:spPr>
           <p:txBody>
-            <a:bodyPr anchorCtr="0" anchor="ctr" bIns="91425" lIns="91425" spcFirstLastPara="1" rIns="91425" wrap="square" tIns="91425">
+            <a:bodyPr spcFirstLastPara="1" wrap="square" lIns="91425" tIns="91425" rIns="91425" bIns="91425" anchor="ctr" anchorCtr="0">
               <a:noAutofit/>
             </a:bodyPr>
             <a:lstStyle/>
             <a:p>
-              <a:pPr indent="0" lvl="0" marL="0" rtl="0" algn="l">
+              <a:pPr marL="0" lvl="0" indent="0" algn="l" rtl="0">
                 <a:spcBef>
                   <a:spcPts val="0"/>
                 </a:spcBef>
@@ -3139,9 +3155,6 @@
                 </a:spcAft>
                 <a:buNone/>
               </a:pPr>
-              <a:r>
-                <a:t/>
-              </a:r>
               <a:endParaRPr/>
             </a:p>
           </p:txBody>
@@ -3159,7 +3172,7 @@
             </a:xfrm>
             <a:prstGeom prst="diagStripe">
               <a:avLst>
-                <a:gd fmla="val 50000" name="adj"/>
+                <a:gd name="adj" fmla="val 50000"/>
               </a:avLst>
             </a:prstGeom>
             <a:solidFill>
@@ -3172,12 +3185,12 @@
             </a:ln>
           </p:spPr>
           <p:txBody>
-            <a:bodyPr anchorCtr="0" anchor="ctr" bIns="91425" lIns="91425" spcFirstLastPara="1" rIns="91425" wrap="square" tIns="91425">
+            <a:bodyPr spcFirstLastPara="1" wrap="square" lIns="91425" tIns="91425" rIns="91425" bIns="91425" anchor="ctr" anchorCtr="0">
               <a:noAutofit/>
             </a:bodyPr>
             <a:lstStyle/>
             <a:p>
-              <a:pPr indent="0" lvl="0" marL="0" rtl="0" algn="l">
+              <a:pPr marL="0" lvl="0" indent="0" algn="l" rtl="0">
                 <a:spcBef>
                   <a:spcPts val="0"/>
                 </a:spcBef>
@@ -3186,9 +3199,6 @@
                 </a:spcAft>
                 <a:buNone/>
               </a:pPr>
-              <a:r>
-                <a:t/>
-              </a:r>
               <a:endParaRPr/>
             </a:p>
           </p:txBody>
@@ -3197,9 +3207,11 @@
       <p:sp>
         <p:nvSpPr>
           <p:cNvPr id="125" name="Google Shape;125;p11"/>
-          <p:cNvSpPr txBox="1"/>
+          <p:cNvSpPr txBox="1">
+            <a:spLocks noGrp="1"/>
+          </p:cNvSpPr>
           <p:nvPr>
-            <p:ph hasCustomPrompt="1" type="title"/>
+            <p:ph type="title" hasCustomPrompt="1"/>
           </p:nvPr>
         </p:nvSpPr>
         <p:spPr>
@@ -3212,7 +3224,7 @@
           </a:prstGeom>
         </p:spPr>
         <p:txBody>
-          <a:bodyPr anchorCtr="0" anchor="t" bIns="91425" lIns="91425" spcFirstLastPara="1" rIns="91425" wrap="square" tIns="91425"/>
+          <a:bodyPr spcFirstLastPara="1" wrap="square" lIns="91425" tIns="91425" rIns="91425" bIns="91425" anchor="t" anchorCtr="0"/>
           <a:lstStyle>
             <a:lvl1pPr lvl="0">
               <a:spcBef>
@@ -3324,9 +3336,11 @@
       <p:sp>
         <p:nvSpPr>
           <p:cNvPr id="126" name="Google Shape;126;p11"/>
-          <p:cNvSpPr txBox="1"/>
+          <p:cNvSpPr txBox="1">
+            <a:spLocks noGrp="1"/>
+          </p:cNvSpPr>
           <p:nvPr>
-            <p:ph idx="1" type="body"/>
+            <p:ph type="body" idx="1"/>
           </p:nvPr>
         </p:nvSpPr>
         <p:spPr>
@@ -3339,9 +3353,9 @@
           </a:prstGeom>
         </p:spPr>
         <p:txBody>
-          <a:bodyPr anchorCtr="0" anchor="t" bIns="91425" lIns="91425" spcFirstLastPara="1" rIns="91425" wrap="square" tIns="91425"/>
+          <a:bodyPr spcFirstLastPara="1" wrap="square" lIns="91425" tIns="91425" rIns="91425" bIns="91425" anchor="t" anchorCtr="0"/>
           <a:lstStyle>
-            <a:lvl1pPr indent="-311150" lvl="0" marL="457200">
+            <a:lvl1pPr marL="457200" lvl="0" indent="-311150">
               <a:spcBef>
                 <a:spcPts val="0"/>
               </a:spcBef>
@@ -3352,7 +3366,7 @@
               <a:buChar char="●"/>
               <a:defRPr/>
             </a:lvl1pPr>
-            <a:lvl2pPr indent="-298450" lvl="1" marL="914400">
+            <a:lvl2pPr marL="914400" lvl="1" indent="-298450">
               <a:spcBef>
                 <a:spcPts val="1600"/>
               </a:spcBef>
@@ -3363,7 +3377,7 @@
               <a:buChar char="○"/>
               <a:defRPr/>
             </a:lvl2pPr>
-            <a:lvl3pPr indent="-298450" lvl="2" marL="1371600">
+            <a:lvl3pPr marL="1371600" lvl="2" indent="-298450">
               <a:spcBef>
                 <a:spcPts val="1600"/>
               </a:spcBef>
@@ -3374,7 +3388,7 @@
               <a:buChar char="■"/>
               <a:defRPr/>
             </a:lvl3pPr>
-            <a:lvl4pPr indent="-298450" lvl="3" marL="1828800">
+            <a:lvl4pPr marL="1828800" lvl="3" indent="-298450">
               <a:spcBef>
                 <a:spcPts val="1600"/>
               </a:spcBef>
@@ -3385,7 +3399,7 @@
               <a:buChar char="●"/>
               <a:defRPr/>
             </a:lvl4pPr>
-            <a:lvl5pPr indent="-298450" lvl="4" marL="2286000">
+            <a:lvl5pPr marL="2286000" lvl="4" indent="-298450">
               <a:spcBef>
                 <a:spcPts val="1600"/>
               </a:spcBef>
@@ -3396,7 +3410,7 @@
               <a:buChar char="○"/>
               <a:defRPr/>
             </a:lvl5pPr>
-            <a:lvl6pPr indent="-298450" lvl="5" marL="2743200">
+            <a:lvl6pPr marL="2743200" lvl="5" indent="-298450">
               <a:spcBef>
                 <a:spcPts val="1600"/>
               </a:spcBef>
@@ -3407,7 +3421,7 @@
               <a:buChar char="■"/>
               <a:defRPr/>
             </a:lvl6pPr>
-            <a:lvl7pPr indent="-298450" lvl="6" marL="3200400">
+            <a:lvl7pPr marL="3200400" lvl="6" indent="-298450">
               <a:spcBef>
                 <a:spcPts val="1600"/>
               </a:spcBef>
@@ -3418,7 +3432,7 @@
               <a:buChar char="●"/>
               <a:defRPr/>
             </a:lvl7pPr>
-            <a:lvl8pPr indent="-298450" lvl="7" marL="3657600">
+            <a:lvl8pPr marL="3657600" lvl="7" indent="-298450">
               <a:spcBef>
                 <a:spcPts val="1600"/>
               </a:spcBef>
@@ -3429,7 +3443,7 @@
               <a:buChar char="○"/>
               <a:defRPr/>
             </a:lvl8pPr>
-            <a:lvl9pPr indent="-298450" lvl="8" marL="4114800">
+            <a:lvl9pPr marL="4114800" lvl="8" indent="-298450">
               <a:spcBef>
                 <a:spcPts val="1600"/>
               </a:spcBef>
@@ -3441,15 +3455,19 @@
               <a:defRPr/>
             </a:lvl9pPr>
           </a:lstStyle>
-          <a:p/>
+          <a:p>
+            <a:endParaRPr/>
+          </a:p>
         </p:txBody>
       </p:sp>
       <p:sp>
         <p:nvSpPr>
           <p:cNvPr id="127" name="Google Shape;127;p11"/>
-          <p:cNvSpPr txBox="1"/>
+          <p:cNvSpPr txBox="1">
+            <a:spLocks noGrp="1"/>
+          </p:cNvSpPr>
           <p:nvPr>
-            <p:ph idx="12" type="sldNum"/>
+            <p:ph type="sldNum" idx="12"/>
           </p:nvPr>
         </p:nvSpPr>
         <p:spPr>
@@ -3462,7 +3480,7 @@
           </a:prstGeom>
         </p:spPr>
         <p:txBody>
-          <a:bodyPr anchorCtr="0" anchor="ctr" bIns="91425" lIns="91425" spcFirstLastPara="1" rIns="91425" wrap="square" tIns="91425">
+          <a:bodyPr spcFirstLastPara="1" wrap="square" lIns="91425" tIns="91425" rIns="91425" bIns="91425" anchor="ctr" anchorCtr="0">
             <a:noAutofit/>
           </a:bodyPr>
           <a:lstStyle>
@@ -3504,7 +3522,7 @@
             </a:lvl9pPr>
           </a:lstStyle>
           <a:p>
-            <a:pPr indent="0" lvl="0" marL="0" rtl="0" algn="r">
+            <a:pPr marL="0" lvl="0" indent="0" algn="r" rtl="0">
               <a:spcBef>
                 <a:spcPts val="0"/>
               </a:spcBef>
@@ -3530,11 +3548,11 @@
 </file>
 
 <file path=ppt/slideLayouts/slideLayout11.xml><?xml version="1.0" encoding="utf-8"?>
-<p:sldLayout xmlns:a="http://schemas.openxmlformats.org/drawingml/2006/main" xmlns:r="http://schemas.openxmlformats.org/officeDocument/2006/relationships" xmlns:mc="http://schemas.openxmlformats.org/markup-compatibility/2006" xmlns:mv="urn:schemas-microsoft-com:mac:vml" xmlns:p="http://schemas.openxmlformats.org/presentationml/2006/main" xmlns:c="http://schemas.openxmlformats.org/drawingml/2006/chart" xmlns:dgm="http://schemas.openxmlformats.org/drawingml/2006/diagram" xmlns:o="urn:schemas-microsoft-com:office:office" xmlns:v="urn:schemas-microsoft-com:vml" xmlns:pvml="urn:schemas-microsoft-com:office:powerpoint" xmlns:com="http://schemas.openxmlformats.org/drawingml/2006/compatibility" xmlns:p14="http://schemas.microsoft.com/office/powerpoint/2010/main" xmlns:p15="http://schemas.microsoft.com/office/powerpoint/2012/main" matchingName="Blank" type="blank">
+<p:sldLayout xmlns:a="http://schemas.openxmlformats.org/drawingml/2006/main" xmlns:r="http://schemas.openxmlformats.org/officeDocument/2006/relationships" xmlns:p="http://schemas.openxmlformats.org/presentationml/2006/main" matchingName="Blank" type="blank">
   <p:cSld name="BLANK">
     <p:spTree>
       <p:nvGrpSpPr>
-        <p:cNvPr id="128" name="Shape 128"/>
+        <p:cNvPr id="1" name="Shape 128"/>
         <p:cNvGrpSpPr/>
         <p:nvPr/>
       </p:nvGrpSpPr>
@@ -3549,9 +3567,11 @@
       <p:sp>
         <p:nvSpPr>
           <p:cNvPr id="129" name="Google Shape;129;p12"/>
-          <p:cNvSpPr txBox="1"/>
+          <p:cNvSpPr txBox="1">
+            <a:spLocks noGrp="1"/>
+          </p:cNvSpPr>
           <p:nvPr>
-            <p:ph idx="12" type="sldNum"/>
+            <p:ph type="sldNum" idx="12"/>
           </p:nvPr>
         </p:nvSpPr>
         <p:spPr>
@@ -3564,7 +3584,7 @@
           </a:prstGeom>
         </p:spPr>
         <p:txBody>
-          <a:bodyPr anchorCtr="0" anchor="ctr" bIns="91425" lIns="91425" spcFirstLastPara="1" rIns="91425" wrap="square" tIns="91425">
+          <a:bodyPr spcFirstLastPara="1" wrap="square" lIns="91425" tIns="91425" rIns="91425" bIns="91425" anchor="ctr" anchorCtr="0">
             <a:noAutofit/>
           </a:bodyPr>
           <a:lstStyle>
@@ -3606,7 +3626,7 @@
             </a:lvl9pPr>
           </a:lstStyle>
           <a:p>
-            <a:pPr indent="0" lvl="0" marL="0" rtl="0" algn="r">
+            <a:pPr marL="0" lvl="0" indent="0" algn="r" rtl="0">
               <a:spcBef>
                 <a:spcPts val="0"/>
               </a:spcBef>
@@ -3632,11 +3652,11 @@
 </file>
 
 <file path=ppt/slideLayouts/slideLayout2.xml><?xml version="1.0" encoding="utf-8"?>
-<p:sldLayout xmlns:a="http://schemas.openxmlformats.org/drawingml/2006/main" xmlns:r="http://schemas.openxmlformats.org/officeDocument/2006/relationships" xmlns:mc="http://schemas.openxmlformats.org/markup-compatibility/2006" xmlns:mv="urn:schemas-microsoft-com:mac:vml" xmlns:p="http://schemas.openxmlformats.org/presentationml/2006/main" xmlns:c="http://schemas.openxmlformats.org/drawingml/2006/chart" xmlns:dgm="http://schemas.openxmlformats.org/drawingml/2006/diagram" xmlns:o="urn:schemas-microsoft-com:office:office" xmlns:v="urn:schemas-microsoft-com:vml" xmlns:pvml="urn:schemas-microsoft-com:office:powerpoint" xmlns:com="http://schemas.openxmlformats.org/drawingml/2006/compatibility" xmlns:p14="http://schemas.microsoft.com/office/powerpoint/2010/main" xmlns:p15="http://schemas.microsoft.com/office/powerpoint/2012/main" matchingName="Section header" type="secHead">
+<p:sldLayout xmlns:a="http://schemas.openxmlformats.org/drawingml/2006/main" xmlns:r="http://schemas.openxmlformats.org/officeDocument/2006/relationships" xmlns:p="http://schemas.openxmlformats.org/presentationml/2006/main" matchingName="Section header" type="secHead">
   <p:cSld name="SECTION_HEADER">
     <p:spTree>
       <p:nvGrpSpPr>
-        <p:cNvPr id="19" name="Shape 19"/>
+        <p:cNvPr id="1" name="Shape 19"/>
         <p:cNvGrpSpPr/>
         <p:nvPr/>
       </p:nvGrpSpPr>
@@ -3675,7 +3695,7 @@
             </a:xfrm>
             <a:prstGeom prst="diagStripe">
               <a:avLst>
-                <a:gd fmla="val 49469" name="adj"/>
+                <a:gd name="adj" fmla="val 49469"/>
               </a:avLst>
             </a:prstGeom>
             <a:solidFill>
@@ -3688,12 +3708,12 @@
             </a:ln>
           </p:spPr>
           <p:txBody>
-            <a:bodyPr anchorCtr="0" anchor="ctr" bIns="91425" lIns="91425" spcFirstLastPara="1" rIns="91425" wrap="square" tIns="91425">
+            <a:bodyPr spcFirstLastPara="1" wrap="square" lIns="91425" tIns="91425" rIns="91425" bIns="91425" anchor="ctr" anchorCtr="0">
               <a:noAutofit/>
             </a:bodyPr>
             <a:lstStyle/>
             <a:p>
-              <a:pPr indent="0" lvl="0" marL="0" rtl="0" algn="l">
+              <a:pPr marL="0" lvl="0" indent="0" algn="l" rtl="0">
                 <a:spcBef>
                   <a:spcPts val="0"/>
                 </a:spcBef>
@@ -3702,9 +3722,6 @@
                 </a:spcAft>
                 <a:buNone/>
               </a:pPr>
-              <a:r>
-                <a:t/>
-              </a:r>
               <a:endParaRPr/>
             </a:p>
           </p:txBody>
@@ -3722,7 +3739,7 @@
             </a:xfrm>
             <a:prstGeom prst="diagStripe">
               <a:avLst>
-                <a:gd fmla="val 0" name="adj"/>
+                <a:gd name="adj" fmla="val 0"/>
               </a:avLst>
             </a:prstGeom>
             <a:solidFill>
@@ -3735,12 +3752,12 @@
             </a:ln>
           </p:spPr>
           <p:txBody>
-            <a:bodyPr anchorCtr="0" anchor="ctr" bIns="91425" lIns="91425" spcFirstLastPara="1" rIns="91425" wrap="square" tIns="91425">
+            <a:bodyPr spcFirstLastPara="1" wrap="square" lIns="91425" tIns="91425" rIns="91425" bIns="91425" anchor="ctr" anchorCtr="0">
               <a:noAutofit/>
             </a:bodyPr>
             <a:lstStyle/>
             <a:p>
-              <a:pPr indent="0" lvl="0" marL="0" rtl="0" algn="l">
+              <a:pPr marL="0" lvl="0" indent="0" algn="l" rtl="0">
                 <a:spcBef>
                   <a:spcPts val="0"/>
                 </a:spcBef>
@@ -3749,9 +3766,6 @@
                 </a:spcAft>
                 <a:buNone/>
               </a:pPr>
-              <a:r>
-                <a:t/>
-              </a:r>
               <a:endParaRPr/>
             </a:p>
           </p:txBody>
@@ -3769,7 +3783,7 @@
             </a:xfrm>
             <a:prstGeom prst="diagStripe">
               <a:avLst>
-                <a:gd fmla="val 50000" name="adj"/>
+                <a:gd name="adj" fmla="val 50000"/>
               </a:avLst>
             </a:prstGeom>
             <a:solidFill>
@@ -3782,12 +3796,12 @@
             </a:ln>
           </p:spPr>
           <p:txBody>
-            <a:bodyPr anchorCtr="0" anchor="ctr" bIns="91425" lIns="91425" spcFirstLastPara="1" rIns="91425" wrap="square" tIns="91425">
+            <a:bodyPr spcFirstLastPara="1" wrap="square" lIns="91425" tIns="91425" rIns="91425" bIns="91425" anchor="ctr" anchorCtr="0">
               <a:noAutofit/>
             </a:bodyPr>
             <a:lstStyle/>
             <a:p>
-              <a:pPr indent="0" lvl="0" marL="0" rtl="0" algn="l">
+              <a:pPr marL="0" lvl="0" indent="0" algn="l" rtl="0">
                 <a:spcBef>
                   <a:spcPts val="0"/>
                 </a:spcBef>
@@ -3796,9 +3810,6 @@
                 </a:spcAft>
                 <a:buNone/>
               </a:pPr>
-              <a:r>
-                <a:t/>
-              </a:r>
               <a:endParaRPr/>
             </a:p>
           </p:txBody>
@@ -3816,7 +3827,7 @@
             </a:xfrm>
             <a:prstGeom prst="diagStripe">
               <a:avLst>
-                <a:gd fmla="val 50000" name="adj"/>
+                <a:gd name="adj" fmla="val 50000"/>
               </a:avLst>
             </a:prstGeom>
             <a:solidFill>
@@ -3829,12 +3840,12 @@
             </a:ln>
           </p:spPr>
           <p:txBody>
-            <a:bodyPr anchorCtr="0" anchor="ctr" bIns="91425" lIns="91425" spcFirstLastPara="1" rIns="91425" wrap="square" tIns="91425">
+            <a:bodyPr spcFirstLastPara="1" wrap="square" lIns="91425" tIns="91425" rIns="91425" bIns="91425" anchor="ctr" anchorCtr="0">
               <a:noAutofit/>
             </a:bodyPr>
             <a:lstStyle/>
             <a:p>
-              <a:pPr indent="0" lvl="0" marL="0" rtl="0" algn="l">
+              <a:pPr marL="0" lvl="0" indent="0" algn="l" rtl="0">
                 <a:spcBef>
                   <a:spcPts val="0"/>
                 </a:spcBef>
@@ -3843,9 +3854,6 @@
                 </a:spcAft>
                 <a:buNone/>
               </a:pPr>
-              <a:r>
-                <a:t/>
-              </a:r>
               <a:endParaRPr/>
             </a:p>
           </p:txBody>
@@ -3863,7 +3871,7 @@
             </a:xfrm>
             <a:prstGeom prst="diagStripe">
               <a:avLst>
-                <a:gd fmla="val 50000" name="adj"/>
+                <a:gd name="adj" fmla="val 50000"/>
               </a:avLst>
             </a:prstGeom>
             <a:solidFill>
@@ -3876,12 +3884,12 @@
             </a:ln>
           </p:spPr>
           <p:txBody>
-            <a:bodyPr anchorCtr="0" anchor="ctr" bIns="91425" lIns="91425" spcFirstLastPara="1" rIns="91425" wrap="square" tIns="91425">
+            <a:bodyPr spcFirstLastPara="1" wrap="square" lIns="91425" tIns="91425" rIns="91425" bIns="91425" anchor="ctr" anchorCtr="0">
               <a:noAutofit/>
             </a:bodyPr>
             <a:lstStyle/>
             <a:p>
-              <a:pPr indent="0" lvl="0" marL="0" rtl="0" algn="l">
+              <a:pPr marL="0" lvl="0" indent="0" algn="l" rtl="0">
                 <a:spcBef>
                   <a:spcPts val="0"/>
                 </a:spcBef>
@@ -3890,9 +3898,6 @@
                 </a:spcAft>
                 <a:buNone/>
               </a:pPr>
-              <a:r>
-                <a:t/>
-              </a:r>
               <a:endParaRPr/>
             </a:p>
           </p:txBody>
@@ -3910,7 +3915,7 @@
             </a:xfrm>
             <a:prstGeom prst="diagStripe">
               <a:avLst>
-                <a:gd fmla="val 50000" name="adj"/>
+                <a:gd name="adj" fmla="val 50000"/>
               </a:avLst>
             </a:prstGeom>
             <a:solidFill>
@@ -3923,12 +3928,12 @@
             </a:ln>
           </p:spPr>
           <p:txBody>
-            <a:bodyPr anchorCtr="0" anchor="ctr" bIns="91425" lIns="91425" spcFirstLastPara="1" rIns="91425" wrap="square" tIns="91425">
+            <a:bodyPr spcFirstLastPara="1" wrap="square" lIns="91425" tIns="91425" rIns="91425" bIns="91425" anchor="ctr" anchorCtr="0">
               <a:noAutofit/>
             </a:bodyPr>
             <a:lstStyle/>
             <a:p>
-              <a:pPr indent="0" lvl="0" marL="0" rtl="0" algn="l">
+              <a:pPr marL="0" lvl="0" indent="0" algn="l" rtl="0">
                 <a:spcBef>
                   <a:spcPts val="0"/>
                 </a:spcBef>
@@ -3937,9 +3942,6 @@
                 </a:spcAft>
                 <a:buNone/>
               </a:pPr>
-              <a:r>
-                <a:t/>
-              </a:r>
               <a:endParaRPr/>
             </a:p>
           </p:txBody>
@@ -3957,7 +3959,7 @@
             </a:xfrm>
             <a:prstGeom prst="diagStripe">
               <a:avLst>
-                <a:gd fmla="val 50000" name="adj"/>
+                <a:gd name="adj" fmla="val 50000"/>
               </a:avLst>
             </a:prstGeom>
             <a:solidFill>
@@ -3970,12 +3972,12 @@
             </a:ln>
           </p:spPr>
           <p:txBody>
-            <a:bodyPr anchorCtr="0" anchor="ctr" bIns="91425" lIns="91425" spcFirstLastPara="1" rIns="91425" wrap="square" tIns="91425">
+            <a:bodyPr spcFirstLastPara="1" wrap="square" lIns="91425" tIns="91425" rIns="91425" bIns="91425" anchor="ctr" anchorCtr="0">
               <a:noAutofit/>
             </a:bodyPr>
             <a:lstStyle/>
             <a:p>
-              <a:pPr indent="0" lvl="0" marL="0" rtl="0" algn="l">
+              <a:pPr marL="0" lvl="0" indent="0" algn="l" rtl="0">
                 <a:spcBef>
                   <a:spcPts val="0"/>
                 </a:spcBef>
@@ -3984,9 +3986,6 @@
                 </a:spcAft>
                 <a:buNone/>
               </a:pPr>
-              <a:r>
-                <a:t/>
-              </a:r>
               <a:endParaRPr/>
             </a:p>
           </p:txBody>
@@ -4004,7 +4003,7 @@
             </a:xfrm>
             <a:prstGeom prst="diagStripe">
               <a:avLst>
-                <a:gd fmla="val 50000" name="adj"/>
+                <a:gd name="adj" fmla="val 50000"/>
               </a:avLst>
             </a:prstGeom>
             <a:solidFill>
@@ -4015,12 +4014,12 @@
             </a:ln>
           </p:spPr>
           <p:txBody>
-            <a:bodyPr anchorCtr="0" anchor="ctr" bIns="91425" lIns="91425" spcFirstLastPara="1" rIns="91425" wrap="square" tIns="91425">
+            <a:bodyPr spcFirstLastPara="1" wrap="square" lIns="91425" tIns="91425" rIns="91425" bIns="91425" anchor="ctr" anchorCtr="0">
               <a:noAutofit/>
             </a:bodyPr>
             <a:lstStyle/>
             <a:p>
-              <a:pPr indent="0" lvl="0" marL="0" rtl="0" algn="l">
+              <a:pPr marL="0" lvl="0" indent="0" algn="l" rtl="0">
                 <a:spcBef>
                   <a:spcPts val="0"/>
                 </a:spcBef>
@@ -4029,9 +4028,6 @@
                 </a:spcAft>
                 <a:buNone/>
               </a:pPr>
-              <a:r>
-                <a:t/>
-              </a:r>
               <a:endParaRPr/>
             </a:p>
           </p:txBody>
@@ -4049,7 +4045,7 @@
             </a:xfrm>
             <a:prstGeom prst="diagStripe">
               <a:avLst>
-                <a:gd fmla="val 50000" name="adj"/>
+                <a:gd name="adj" fmla="val 50000"/>
               </a:avLst>
             </a:prstGeom>
             <a:solidFill>
@@ -4062,12 +4058,12 @@
             </a:ln>
           </p:spPr>
           <p:txBody>
-            <a:bodyPr anchorCtr="0" anchor="ctr" bIns="91425" lIns="91425" spcFirstLastPara="1" rIns="91425" wrap="square" tIns="91425">
+            <a:bodyPr spcFirstLastPara="1" wrap="square" lIns="91425" tIns="91425" rIns="91425" bIns="91425" anchor="ctr" anchorCtr="0">
               <a:noAutofit/>
             </a:bodyPr>
             <a:lstStyle/>
             <a:p>
-              <a:pPr indent="0" lvl="0" marL="0" rtl="0" algn="l">
+              <a:pPr marL="0" lvl="0" indent="0" algn="l" rtl="0">
                 <a:spcBef>
                   <a:spcPts val="0"/>
                 </a:spcBef>
@@ -4076,9 +4072,6 @@
                 </a:spcAft>
                 <a:buNone/>
               </a:pPr>
-              <a:r>
-                <a:t/>
-              </a:r>
               <a:endParaRPr/>
             </a:p>
           </p:txBody>
@@ -4096,7 +4089,7 @@
             </a:xfrm>
             <a:prstGeom prst="diagStripe">
               <a:avLst>
-                <a:gd fmla="val 50000" name="adj"/>
+                <a:gd name="adj" fmla="val 50000"/>
               </a:avLst>
             </a:prstGeom>
             <a:solidFill>
@@ -4109,12 +4102,12 @@
             </a:ln>
           </p:spPr>
           <p:txBody>
-            <a:bodyPr anchorCtr="0" anchor="ctr" bIns="91425" lIns="91425" spcFirstLastPara="1" rIns="91425" wrap="square" tIns="91425">
+            <a:bodyPr spcFirstLastPara="1" wrap="square" lIns="91425" tIns="91425" rIns="91425" bIns="91425" anchor="ctr" anchorCtr="0">
               <a:noAutofit/>
             </a:bodyPr>
             <a:lstStyle/>
             <a:p>
-              <a:pPr indent="0" lvl="0" marL="0" rtl="0" algn="l">
+              <a:pPr marL="0" lvl="0" indent="0" algn="l" rtl="0">
                 <a:spcBef>
                   <a:spcPts val="0"/>
                 </a:spcBef>
@@ -4123,9 +4116,6 @@
                 </a:spcAft>
                 <a:buNone/>
               </a:pPr>
-              <a:r>
-                <a:t/>
-              </a:r>
               <a:endParaRPr/>
             </a:p>
           </p:txBody>
@@ -4143,7 +4133,7 @@
             </a:xfrm>
             <a:prstGeom prst="diagStripe">
               <a:avLst>
-                <a:gd fmla="val 50000" name="adj"/>
+                <a:gd name="adj" fmla="val 50000"/>
               </a:avLst>
             </a:prstGeom>
             <a:solidFill>
@@ -4156,12 +4146,12 @@
             </a:ln>
           </p:spPr>
           <p:txBody>
-            <a:bodyPr anchorCtr="0" anchor="ctr" bIns="91425" lIns="91425" spcFirstLastPara="1" rIns="91425" wrap="square" tIns="91425">
+            <a:bodyPr spcFirstLastPara="1" wrap="square" lIns="91425" tIns="91425" rIns="91425" bIns="91425" anchor="ctr" anchorCtr="0">
               <a:noAutofit/>
             </a:bodyPr>
             <a:lstStyle/>
             <a:p>
-              <a:pPr indent="0" lvl="0" marL="0" rtl="0" algn="l">
+              <a:pPr marL="0" lvl="0" indent="0" algn="l" rtl="0">
                 <a:spcBef>
                   <a:spcPts val="0"/>
                 </a:spcBef>
@@ -4170,9 +4160,6 @@
                 </a:spcAft>
                 <a:buNone/>
               </a:pPr>
-              <a:r>
-                <a:t/>
-              </a:r>
               <a:endParaRPr/>
             </a:p>
           </p:txBody>
@@ -4190,7 +4177,7 @@
             </a:xfrm>
             <a:prstGeom prst="diagStripe">
               <a:avLst>
-                <a:gd fmla="val 50000" name="adj"/>
+                <a:gd name="adj" fmla="val 50000"/>
               </a:avLst>
             </a:prstGeom>
             <a:solidFill>
@@ -4203,12 +4190,12 @@
             </a:ln>
           </p:spPr>
           <p:txBody>
-            <a:bodyPr anchorCtr="0" anchor="ctr" bIns="91425" lIns="91425" spcFirstLastPara="1" rIns="91425" wrap="square" tIns="91425">
+            <a:bodyPr spcFirstLastPara="1" wrap="square" lIns="91425" tIns="91425" rIns="91425" bIns="91425" anchor="ctr" anchorCtr="0">
               <a:noAutofit/>
             </a:bodyPr>
             <a:lstStyle/>
             <a:p>
-              <a:pPr indent="0" lvl="0" marL="0" rtl="0" algn="l">
+              <a:pPr marL="0" lvl="0" indent="0" algn="l" rtl="0">
                 <a:spcBef>
                   <a:spcPts val="0"/>
                 </a:spcBef>
@@ -4217,9 +4204,6 @@
                 </a:spcAft>
                 <a:buNone/>
               </a:pPr>
-              <a:r>
-                <a:t/>
-              </a:r>
               <a:endParaRPr/>
             </a:p>
           </p:txBody>
@@ -4237,7 +4221,7 @@
             </a:xfrm>
             <a:prstGeom prst="diagStripe">
               <a:avLst>
-                <a:gd fmla="val 50000" name="adj"/>
+                <a:gd name="adj" fmla="val 50000"/>
               </a:avLst>
             </a:prstGeom>
             <a:solidFill>
@@ -4250,12 +4234,12 @@
             </a:ln>
           </p:spPr>
           <p:txBody>
-            <a:bodyPr anchorCtr="0" anchor="ctr" bIns="91425" lIns="91425" spcFirstLastPara="1" rIns="91425" wrap="square" tIns="91425">
+            <a:bodyPr spcFirstLastPara="1" wrap="square" lIns="91425" tIns="91425" rIns="91425" bIns="91425" anchor="ctr" anchorCtr="0">
               <a:noAutofit/>
             </a:bodyPr>
             <a:lstStyle/>
             <a:p>
-              <a:pPr indent="0" lvl="0" marL="0" rtl="0" algn="l">
+              <a:pPr marL="0" lvl="0" indent="0" algn="l" rtl="0">
                 <a:spcBef>
                   <a:spcPts val="0"/>
                 </a:spcBef>
@@ -4264,9 +4248,6 @@
                 </a:spcAft>
                 <a:buNone/>
               </a:pPr>
-              <a:r>
-                <a:t/>
-              </a:r>
               <a:endParaRPr/>
             </a:p>
           </p:txBody>
@@ -4284,7 +4265,7 @@
             </a:xfrm>
             <a:prstGeom prst="diagStripe">
               <a:avLst>
-                <a:gd fmla="val 50000" name="adj"/>
+                <a:gd name="adj" fmla="val 50000"/>
               </a:avLst>
             </a:prstGeom>
             <a:solidFill>
@@ -4295,12 +4276,12 @@
             </a:ln>
           </p:spPr>
           <p:txBody>
-            <a:bodyPr anchorCtr="0" anchor="ctr" bIns="91425" lIns="91425" spcFirstLastPara="1" rIns="91425" wrap="square" tIns="91425">
+            <a:bodyPr spcFirstLastPara="1" wrap="square" lIns="91425" tIns="91425" rIns="91425" bIns="91425" anchor="ctr" anchorCtr="0">
               <a:noAutofit/>
             </a:bodyPr>
             <a:lstStyle/>
             <a:p>
-              <a:pPr indent="0" lvl="0" marL="0" rtl="0" algn="l">
+              <a:pPr marL="0" lvl="0" indent="0" algn="l" rtl="0">
                 <a:spcBef>
                   <a:spcPts val="0"/>
                 </a:spcBef>
@@ -4309,9 +4290,6 @@
                 </a:spcAft>
                 <a:buNone/>
               </a:pPr>
-              <a:r>
-                <a:t/>
-              </a:r>
               <a:endParaRPr/>
             </a:p>
           </p:txBody>
@@ -4329,7 +4307,7 @@
             </a:xfrm>
             <a:prstGeom prst="diagStripe">
               <a:avLst>
-                <a:gd fmla="val 50000" name="adj"/>
+                <a:gd name="adj" fmla="val 50000"/>
               </a:avLst>
             </a:prstGeom>
             <a:solidFill>
@@ -4342,12 +4320,12 @@
             </a:ln>
           </p:spPr>
           <p:txBody>
-            <a:bodyPr anchorCtr="0" anchor="ctr" bIns="91425" lIns="91425" spcFirstLastPara="1" rIns="91425" wrap="square" tIns="91425">
+            <a:bodyPr spcFirstLastPara="1" wrap="square" lIns="91425" tIns="91425" rIns="91425" bIns="91425" anchor="ctr" anchorCtr="0">
               <a:noAutofit/>
             </a:bodyPr>
             <a:lstStyle/>
             <a:p>
-              <a:pPr indent="0" lvl="0" marL="0" rtl="0" algn="l">
+              <a:pPr marL="0" lvl="0" indent="0" algn="l" rtl="0">
                 <a:spcBef>
                   <a:spcPts val="0"/>
                 </a:spcBef>
@@ -4356,9 +4334,6 @@
                 </a:spcAft>
                 <a:buNone/>
               </a:pPr>
-              <a:r>
-                <a:t/>
-              </a:r>
               <a:endParaRPr/>
             </a:p>
           </p:txBody>
@@ -4376,7 +4351,7 @@
             </a:xfrm>
             <a:prstGeom prst="diagStripe">
               <a:avLst>
-                <a:gd fmla="val 50000" name="adj"/>
+                <a:gd name="adj" fmla="val 50000"/>
               </a:avLst>
             </a:prstGeom>
             <a:solidFill>
@@ -4389,12 +4364,12 @@
             </a:ln>
           </p:spPr>
           <p:txBody>
-            <a:bodyPr anchorCtr="0" anchor="ctr" bIns="91425" lIns="91425" spcFirstLastPara="1" rIns="91425" wrap="square" tIns="91425">
+            <a:bodyPr spcFirstLastPara="1" wrap="square" lIns="91425" tIns="91425" rIns="91425" bIns="91425" anchor="ctr" anchorCtr="0">
               <a:noAutofit/>
             </a:bodyPr>
             <a:lstStyle/>
             <a:p>
-              <a:pPr indent="0" lvl="0" marL="0" rtl="0" algn="l">
+              <a:pPr marL="0" lvl="0" indent="0" algn="l" rtl="0">
                 <a:spcBef>
                   <a:spcPts val="0"/>
                 </a:spcBef>
@@ -4403,9 +4378,6 @@
                 </a:spcAft>
                 <a:buNone/>
               </a:pPr>
-              <a:r>
-                <a:t/>
-              </a:r>
               <a:endParaRPr/>
             </a:p>
           </p:txBody>
@@ -4423,7 +4395,7 @@
             </a:xfrm>
             <a:prstGeom prst="diagStripe">
               <a:avLst>
-                <a:gd fmla="val 50000" name="adj"/>
+                <a:gd name="adj" fmla="val 50000"/>
               </a:avLst>
             </a:prstGeom>
             <a:solidFill>
@@ -4436,12 +4408,12 @@
             </a:ln>
           </p:spPr>
           <p:txBody>
-            <a:bodyPr anchorCtr="0" anchor="ctr" bIns="91425" lIns="91425" spcFirstLastPara="1" rIns="91425" wrap="square" tIns="91425">
+            <a:bodyPr spcFirstLastPara="1" wrap="square" lIns="91425" tIns="91425" rIns="91425" bIns="91425" anchor="ctr" anchorCtr="0">
               <a:noAutofit/>
             </a:bodyPr>
             <a:lstStyle/>
             <a:p>
-              <a:pPr indent="0" lvl="0" marL="0" rtl="0" algn="l">
+              <a:pPr marL="0" lvl="0" indent="0" algn="l" rtl="0">
                 <a:spcBef>
                   <a:spcPts val="0"/>
                 </a:spcBef>
@@ -4450,9 +4422,6 @@
                 </a:spcAft>
                 <a:buNone/>
               </a:pPr>
-              <a:r>
-                <a:t/>
-              </a:r>
               <a:endParaRPr/>
             </a:p>
           </p:txBody>
@@ -4470,7 +4439,7 @@
             </a:xfrm>
             <a:prstGeom prst="diagStripe">
               <a:avLst>
-                <a:gd fmla="val 50000" name="adj"/>
+                <a:gd name="adj" fmla="val 50000"/>
               </a:avLst>
             </a:prstGeom>
             <a:solidFill>
@@ -4483,12 +4452,12 @@
             </a:ln>
           </p:spPr>
           <p:txBody>
-            <a:bodyPr anchorCtr="0" anchor="ctr" bIns="91425" lIns="91425" spcFirstLastPara="1" rIns="91425" wrap="square" tIns="91425">
+            <a:bodyPr spcFirstLastPara="1" wrap="square" lIns="91425" tIns="91425" rIns="91425" bIns="91425" anchor="ctr" anchorCtr="0">
               <a:noAutofit/>
             </a:bodyPr>
             <a:lstStyle/>
             <a:p>
-              <a:pPr indent="0" lvl="0" marL="0" rtl="0" algn="l">
+              <a:pPr marL="0" lvl="0" indent="0" algn="l" rtl="0">
                 <a:spcBef>
                   <a:spcPts val="0"/>
                 </a:spcBef>
@@ -4497,9 +4466,6 @@
                 </a:spcAft>
                 <a:buNone/>
               </a:pPr>
-              <a:r>
-                <a:t/>
-              </a:r>
               <a:endParaRPr/>
             </a:p>
           </p:txBody>
@@ -4508,7 +4474,9 @@
       <p:sp>
         <p:nvSpPr>
           <p:cNvPr id="39" name="Google Shape;39;p3"/>
-          <p:cNvSpPr txBox="1"/>
+          <p:cNvSpPr txBox="1">
+            <a:spLocks noGrp="1"/>
+          </p:cNvSpPr>
           <p:nvPr>
             <p:ph type="title"/>
           </p:nvPr>
@@ -4523,7 +4491,7 @@
           </a:prstGeom>
         </p:spPr>
         <p:txBody>
-          <a:bodyPr anchorCtr="0" anchor="ctr" bIns="91425" lIns="91425" spcFirstLastPara="1" rIns="91425" wrap="square" tIns="91425"/>
+          <a:bodyPr spcFirstLastPara="1" wrap="square" lIns="91425" tIns="91425" rIns="91425" bIns="91425" anchor="ctr" anchorCtr="0"/>
           <a:lstStyle>
             <a:lvl1pPr lvl="0">
               <a:spcBef>
@@ -4625,15 +4593,19 @@
               <a:defRPr/>
             </a:lvl9pPr>
           </a:lstStyle>
-          <a:p/>
+          <a:p>
+            <a:endParaRPr/>
+          </a:p>
         </p:txBody>
       </p:sp>
       <p:sp>
         <p:nvSpPr>
           <p:cNvPr id="40" name="Google Shape;40;p3"/>
-          <p:cNvSpPr txBox="1"/>
+          <p:cNvSpPr txBox="1">
+            <a:spLocks noGrp="1"/>
+          </p:cNvSpPr>
           <p:nvPr>
-            <p:ph idx="12" type="sldNum"/>
+            <p:ph type="sldNum" idx="12"/>
           </p:nvPr>
         </p:nvSpPr>
         <p:spPr>
@@ -4646,7 +4618,7 @@
           </a:prstGeom>
         </p:spPr>
         <p:txBody>
-          <a:bodyPr anchorCtr="0" anchor="ctr" bIns="91425" lIns="91425" spcFirstLastPara="1" rIns="91425" wrap="square" tIns="91425">
+          <a:bodyPr spcFirstLastPara="1" wrap="square" lIns="91425" tIns="91425" rIns="91425" bIns="91425" anchor="ctr" anchorCtr="0">
             <a:noAutofit/>
           </a:bodyPr>
           <a:lstStyle>
@@ -4688,7 +4660,7 @@
             </a:lvl9pPr>
           </a:lstStyle>
           <a:p>
-            <a:pPr indent="0" lvl="0" marL="0" rtl="0" algn="r">
+            <a:pPr marL="0" lvl="0" indent="0" algn="r" rtl="0">
               <a:spcBef>
                 <a:spcPts val="0"/>
               </a:spcBef>
@@ -4714,11 +4686,11 @@
 </file>
 
 <file path=ppt/slideLayouts/slideLayout3.xml><?xml version="1.0" encoding="utf-8"?>
-<p:sldLayout xmlns:a="http://schemas.openxmlformats.org/drawingml/2006/main" xmlns:r="http://schemas.openxmlformats.org/officeDocument/2006/relationships" xmlns:mc="http://schemas.openxmlformats.org/markup-compatibility/2006" xmlns:mv="urn:schemas-microsoft-com:mac:vml" xmlns:p="http://schemas.openxmlformats.org/presentationml/2006/main" xmlns:c="http://schemas.openxmlformats.org/drawingml/2006/chart" xmlns:dgm="http://schemas.openxmlformats.org/drawingml/2006/diagram" xmlns:o="urn:schemas-microsoft-com:office:office" xmlns:v="urn:schemas-microsoft-com:vml" xmlns:pvml="urn:schemas-microsoft-com:office:powerpoint" xmlns:com="http://schemas.openxmlformats.org/drawingml/2006/compatibility" xmlns:p14="http://schemas.microsoft.com/office/powerpoint/2010/main" xmlns:p15="http://schemas.microsoft.com/office/powerpoint/2012/main" matchingName="Title and body" type="tx">
+<p:sldLayout xmlns:a="http://schemas.openxmlformats.org/drawingml/2006/main" xmlns:r="http://schemas.openxmlformats.org/officeDocument/2006/relationships" xmlns:p="http://schemas.openxmlformats.org/presentationml/2006/main" matchingName="Title and body" type="tx">
   <p:cSld name="TITLE_AND_BODY">
     <p:spTree>
       <p:nvGrpSpPr>
-        <p:cNvPr id="41" name="Shape 41"/>
+        <p:cNvPr id="1" name="Shape 41"/>
         <p:cNvGrpSpPr/>
         <p:nvPr/>
       </p:nvGrpSpPr>
@@ -4757,7 +4729,7 @@
             </a:xfrm>
             <a:prstGeom prst="diagStripe">
               <a:avLst>
-                <a:gd fmla="val 50000" name="adj"/>
+                <a:gd name="adj" fmla="val 50000"/>
               </a:avLst>
             </a:prstGeom>
             <a:solidFill>
@@ -4768,12 +4740,12 @@
             </a:ln>
           </p:spPr>
           <p:txBody>
-            <a:bodyPr anchorCtr="0" anchor="ctr" bIns="91425" lIns="91425" spcFirstLastPara="1" rIns="91425" wrap="square" tIns="91425">
+            <a:bodyPr spcFirstLastPara="1" wrap="square" lIns="91425" tIns="91425" rIns="91425" bIns="91425" anchor="ctr" anchorCtr="0">
               <a:noAutofit/>
             </a:bodyPr>
             <a:lstStyle/>
             <a:p>
-              <a:pPr indent="0" lvl="0" marL="0" rtl="0" algn="l">
+              <a:pPr marL="0" lvl="0" indent="0" algn="l" rtl="0">
                 <a:spcBef>
                   <a:spcPts val="0"/>
                 </a:spcBef>
@@ -4782,9 +4754,6 @@
                 </a:spcAft>
                 <a:buNone/>
               </a:pPr>
-              <a:r>
-                <a:t/>
-              </a:r>
               <a:endParaRPr/>
             </a:p>
           </p:txBody>
@@ -4802,7 +4771,7 @@
             </a:xfrm>
             <a:prstGeom prst="diagStripe">
               <a:avLst>
-                <a:gd fmla="val 50000" name="adj"/>
+                <a:gd name="adj" fmla="val 50000"/>
               </a:avLst>
             </a:prstGeom>
             <a:solidFill>
@@ -4813,12 +4782,12 @@
             </a:ln>
           </p:spPr>
           <p:txBody>
-            <a:bodyPr anchorCtr="0" anchor="ctr" bIns="91425" lIns="91425" spcFirstLastPara="1" rIns="91425" wrap="square" tIns="91425">
+            <a:bodyPr spcFirstLastPara="1" wrap="square" lIns="91425" tIns="91425" rIns="91425" bIns="91425" anchor="ctr" anchorCtr="0">
               <a:noAutofit/>
             </a:bodyPr>
             <a:lstStyle/>
             <a:p>
-              <a:pPr indent="0" lvl="0" marL="0" rtl="0" algn="l">
+              <a:pPr marL="0" lvl="0" indent="0" algn="l" rtl="0">
                 <a:spcBef>
                   <a:spcPts val="0"/>
                 </a:spcBef>
@@ -4827,9 +4796,6 @@
                 </a:spcAft>
                 <a:buNone/>
               </a:pPr>
-              <a:r>
-                <a:t/>
-              </a:r>
               <a:endParaRPr/>
             </a:p>
           </p:txBody>
@@ -4838,7 +4804,9 @@
       <p:sp>
         <p:nvSpPr>
           <p:cNvPr id="45" name="Google Shape;45;p4"/>
-          <p:cNvSpPr txBox="1"/>
+          <p:cNvSpPr txBox="1">
+            <a:spLocks noGrp="1"/>
+          </p:cNvSpPr>
           <p:nvPr>
             <p:ph type="title"/>
           </p:nvPr>
@@ -4853,7 +4821,7 @@
           </a:prstGeom>
         </p:spPr>
         <p:txBody>
-          <a:bodyPr anchorCtr="0" anchor="t" bIns="91425" lIns="91425" spcFirstLastPara="1" rIns="91425" wrap="square" tIns="91425"/>
+          <a:bodyPr spcFirstLastPara="1" wrap="square" lIns="91425" tIns="91425" rIns="91425" bIns="91425" anchor="t" anchorCtr="0"/>
           <a:lstStyle>
             <a:lvl1pPr lvl="0">
               <a:spcBef>
@@ -4955,15 +4923,19 @@
               <a:defRPr sz="2400"/>
             </a:lvl9pPr>
           </a:lstStyle>
-          <a:p/>
+          <a:p>
+            <a:endParaRPr/>
+          </a:p>
         </p:txBody>
       </p:sp>
       <p:sp>
         <p:nvSpPr>
           <p:cNvPr id="46" name="Google Shape;46;p4"/>
-          <p:cNvSpPr txBox="1"/>
+          <p:cNvSpPr txBox="1">
+            <a:spLocks noGrp="1"/>
+          </p:cNvSpPr>
           <p:nvPr>
-            <p:ph idx="1" type="body"/>
+            <p:ph type="body" idx="1"/>
           </p:nvPr>
         </p:nvSpPr>
         <p:spPr>
@@ -4976,9 +4948,9 @@
           </a:prstGeom>
         </p:spPr>
         <p:txBody>
-          <a:bodyPr anchorCtr="0" anchor="t" bIns="91425" lIns="91425" spcFirstLastPara="1" rIns="91425" wrap="square" tIns="91425"/>
+          <a:bodyPr spcFirstLastPara="1" wrap="square" lIns="91425" tIns="91425" rIns="91425" bIns="91425" anchor="t" anchorCtr="0"/>
           <a:lstStyle>
-            <a:lvl1pPr indent="-311150" lvl="0" marL="457200">
+            <a:lvl1pPr marL="457200" lvl="0" indent="-311150">
               <a:spcBef>
                 <a:spcPts val="0"/>
               </a:spcBef>
@@ -4989,7 +4961,7 @@
               <a:buChar char="●"/>
               <a:defRPr/>
             </a:lvl1pPr>
-            <a:lvl2pPr indent="-298450" lvl="1" marL="914400">
+            <a:lvl2pPr marL="914400" lvl="1" indent="-298450">
               <a:spcBef>
                 <a:spcPts val="1600"/>
               </a:spcBef>
@@ -5000,7 +4972,7 @@
               <a:buChar char="○"/>
               <a:defRPr/>
             </a:lvl2pPr>
-            <a:lvl3pPr indent="-298450" lvl="2" marL="1371600">
+            <a:lvl3pPr marL="1371600" lvl="2" indent="-298450">
               <a:spcBef>
                 <a:spcPts val="1600"/>
               </a:spcBef>
@@ -5011,7 +4983,7 @@
               <a:buChar char="■"/>
               <a:defRPr/>
             </a:lvl3pPr>
-            <a:lvl4pPr indent="-298450" lvl="3" marL="1828800">
+            <a:lvl4pPr marL="1828800" lvl="3" indent="-298450">
               <a:spcBef>
                 <a:spcPts val="1600"/>
               </a:spcBef>
@@ -5022,7 +4994,7 @@
               <a:buChar char="●"/>
               <a:defRPr/>
             </a:lvl4pPr>
-            <a:lvl5pPr indent="-298450" lvl="4" marL="2286000">
+            <a:lvl5pPr marL="2286000" lvl="4" indent="-298450">
               <a:spcBef>
                 <a:spcPts val="1600"/>
               </a:spcBef>
@@ -5033,7 +5005,7 @@
               <a:buChar char="○"/>
               <a:defRPr/>
             </a:lvl5pPr>
-            <a:lvl6pPr indent="-298450" lvl="5" marL="2743200">
+            <a:lvl6pPr marL="2743200" lvl="5" indent="-298450">
               <a:spcBef>
                 <a:spcPts val="1600"/>
               </a:spcBef>
@@ -5044,7 +5016,7 @@
               <a:buChar char="■"/>
               <a:defRPr/>
             </a:lvl6pPr>
-            <a:lvl7pPr indent="-298450" lvl="6" marL="3200400">
+            <a:lvl7pPr marL="3200400" lvl="6" indent="-298450">
               <a:spcBef>
                 <a:spcPts val="1600"/>
               </a:spcBef>
@@ -5055,7 +5027,7 @@
               <a:buChar char="●"/>
               <a:defRPr/>
             </a:lvl7pPr>
-            <a:lvl8pPr indent="-298450" lvl="7" marL="3657600">
+            <a:lvl8pPr marL="3657600" lvl="7" indent="-298450">
               <a:spcBef>
                 <a:spcPts val="1600"/>
               </a:spcBef>
@@ -5066,7 +5038,7 @@
               <a:buChar char="○"/>
               <a:defRPr/>
             </a:lvl8pPr>
-            <a:lvl9pPr indent="-298450" lvl="8" marL="4114800">
+            <a:lvl9pPr marL="4114800" lvl="8" indent="-298450">
               <a:spcBef>
                 <a:spcPts val="1600"/>
               </a:spcBef>
@@ -5078,15 +5050,19 @@
               <a:defRPr/>
             </a:lvl9pPr>
           </a:lstStyle>
-          <a:p/>
+          <a:p>
+            <a:endParaRPr/>
+          </a:p>
         </p:txBody>
       </p:sp>
       <p:sp>
         <p:nvSpPr>
           <p:cNvPr id="47" name="Google Shape;47;p4"/>
-          <p:cNvSpPr txBox="1"/>
+          <p:cNvSpPr txBox="1">
+            <a:spLocks noGrp="1"/>
+          </p:cNvSpPr>
           <p:nvPr>
-            <p:ph idx="12" type="sldNum"/>
+            <p:ph type="sldNum" idx="12"/>
           </p:nvPr>
         </p:nvSpPr>
         <p:spPr>
@@ -5099,7 +5075,7 @@
           </a:prstGeom>
         </p:spPr>
         <p:txBody>
-          <a:bodyPr anchorCtr="0" anchor="ctr" bIns="91425" lIns="91425" spcFirstLastPara="1" rIns="91425" wrap="square" tIns="91425">
+          <a:bodyPr spcFirstLastPara="1" wrap="square" lIns="91425" tIns="91425" rIns="91425" bIns="91425" anchor="ctr" anchorCtr="0">
             <a:noAutofit/>
           </a:bodyPr>
           <a:lstStyle>
@@ -5141,7 +5117,7 @@
             </a:lvl9pPr>
           </a:lstStyle>
           <a:p>
-            <a:pPr indent="0" lvl="0" marL="0" rtl="0" algn="r">
+            <a:pPr marL="0" lvl="0" indent="0" algn="r" rtl="0">
               <a:spcBef>
                 <a:spcPts val="0"/>
               </a:spcBef>
@@ -5167,11 +5143,11 @@
 </file>
 
 <file path=ppt/slideLayouts/slideLayout4.xml><?xml version="1.0" encoding="utf-8"?>
-<p:sldLayout xmlns:a="http://schemas.openxmlformats.org/drawingml/2006/main" xmlns:r="http://schemas.openxmlformats.org/officeDocument/2006/relationships" xmlns:mc="http://schemas.openxmlformats.org/markup-compatibility/2006" xmlns:mv="urn:schemas-microsoft-com:mac:vml" xmlns:p="http://schemas.openxmlformats.org/presentationml/2006/main" xmlns:c="http://schemas.openxmlformats.org/drawingml/2006/chart" xmlns:dgm="http://schemas.openxmlformats.org/drawingml/2006/diagram" xmlns:o="urn:schemas-microsoft-com:office:office" xmlns:v="urn:schemas-microsoft-com:vml" xmlns:pvml="urn:schemas-microsoft-com:office:powerpoint" xmlns:com="http://schemas.openxmlformats.org/drawingml/2006/compatibility" xmlns:p14="http://schemas.microsoft.com/office/powerpoint/2010/main" xmlns:p15="http://schemas.microsoft.com/office/powerpoint/2012/main" matchingName="Title and two columns" type="twoColTx">
+<p:sldLayout xmlns:a="http://schemas.openxmlformats.org/drawingml/2006/main" xmlns:r="http://schemas.openxmlformats.org/officeDocument/2006/relationships" xmlns:p="http://schemas.openxmlformats.org/presentationml/2006/main" matchingName="Title and two columns" type="twoColTx">
   <p:cSld name="TITLE_AND_TWO_COLUMNS">
     <p:spTree>
       <p:nvGrpSpPr>
-        <p:cNvPr id="48" name="Shape 48"/>
+        <p:cNvPr id="1" name="Shape 48"/>
         <p:cNvGrpSpPr/>
         <p:nvPr/>
       </p:nvGrpSpPr>
@@ -5210,7 +5186,7 @@
             </a:xfrm>
             <a:prstGeom prst="diagStripe">
               <a:avLst>
-                <a:gd fmla="val 50000" name="adj"/>
+                <a:gd name="adj" fmla="val 50000"/>
               </a:avLst>
             </a:prstGeom>
             <a:solidFill>
@@ -5221,12 +5197,12 @@
             </a:ln>
           </p:spPr>
           <p:txBody>
-            <a:bodyPr anchorCtr="0" anchor="ctr" bIns="91425" lIns="91425" spcFirstLastPara="1" rIns="91425" wrap="square" tIns="91425">
+            <a:bodyPr spcFirstLastPara="1" wrap="square" lIns="91425" tIns="91425" rIns="91425" bIns="91425" anchor="ctr" anchorCtr="0">
               <a:noAutofit/>
             </a:bodyPr>
             <a:lstStyle/>
             <a:p>
-              <a:pPr indent="0" lvl="0" marL="0" rtl="0" algn="l">
+              <a:pPr marL="0" lvl="0" indent="0" algn="l" rtl="0">
                 <a:spcBef>
                   <a:spcPts val="0"/>
                 </a:spcBef>
@@ -5235,9 +5211,6 @@
                 </a:spcAft>
                 <a:buNone/>
               </a:pPr>
-              <a:r>
-                <a:t/>
-              </a:r>
               <a:endParaRPr/>
             </a:p>
           </p:txBody>
@@ -5255,7 +5228,7 @@
             </a:xfrm>
             <a:prstGeom prst="diagStripe">
               <a:avLst>
-                <a:gd fmla="val 50000" name="adj"/>
+                <a:gd name="adj" fmla="val 50000"/>
               </a:avLst>
             </a:prstGeom>
             <a:solidFill>
@@ -5266,12 +5239,12 @@
             </a:ln>
           </p:spPr>
           <p:txBody>
-            <a:bodyPr anchorCtr="0" anchor="ctr" bIns="91425" lIns="91425" spcFirstLastPara="1" rIns="91425" wrap="square" tIns="91425">
+            <a:bodyPr spcFirstLastPara="1" wrap="square" lIns="91425" tIns="91425" rIns="91425" bIns="91425" anchor="ctr" anchorCtr="0">
               <a:noAutofit/>
             </a:bodyPr>
             <a:lstStyle/>
             <a:p>
-              <a:pPr indent="0" lvl="0" marL="0" rtl="0" algn="l">
+              <a:pPr marL="0" lvl="0" indent="0" algn="l" rtl="0">
                 <a:spcBef>
                   <a:spcPts val="0"/>
                 </a:spcBef>
@@ -5280,9 +5253,6 @@
                 </a:spcAft>
                 <a:buNone/>
               </a:pPr>
-              <a:r>
-                <a:t/>
-              </a:r>
               <a:endParaRPr/>
             </a:p>
           </p:txBody>
@@ -5291,7 +5261,9 @@
       <p:sp>
         <p:nvSpPr>
           <p:cNvPr id="52" name="Google Shape;52;p5"/>
-          <p:cNvSpPr txBox="1"/>
+          <p:cNvSpPr txBox="1">
+            <a:spLocks noGrp="1"/>
+          </p:cNvSpPr>
           <p:nvPr>
             <p:ph type="title"/>
           </p:nvPr>
@@ -5306,7 +5278,7 @@
           </a:prstGeom>
         </p:spPr>
         <p:txBody>
-          <a:bodyPr anchorCtr="0" anchor="t" bIns="91425" lIns="91425" spcFirstLastPara="1" rIns="91425" wrap="square" tIns="91425"/>
+          <a:bodyPr spcFirstLastPara="1" wrap="square" lIns="91425" tIns="91425" rIns="91425" bIns="91425" anchor="t" anchorCtr="0"/>
           <a:lstStyle>
             <a:lvl1pPr lvl="0">
               <a:spcBef>
@@ -5408,15 +5380,19 @@
               <a:defRPr sz="2400"/>
             </a:lvl9pPr>
           </a:lstStyle>
-          <a:p/>
+          <a:p>
+            <a:endParaRPr/>
+          </a:p>
         </p:txBody>
       </p:sp>
       <p:sp>
         <p:nvSpPr>
           <p:cNvPr id="53" name="Google Shape;53;p5"/>
-          <p:cNvSpPr txBox="1"/>
+          <p:cNvSpPr txBox="1">
+            <a:spLocks noGrp="1"/>
+          </p:cNvSpPr>
           <p:nvPr>
-            <p:ph idx="1" type="body"/>
+            <p:ph type="body" idx="1"/>
           </p:nvPr>
         </p:nvSpPr>
         <p:spPr>
@@ -5429,9 +5405,9 @@
           </a:prstGeom>
         </p:spPr>
         <p:txBody>
-          <a:bodyPr anchorCtr="0" anchor="t" bIns="91425" lIns="91425" spcFirstLastPara="1" rIns="91425" wrap="square" tIns="91425"/>
+          <a:bodyPr spcFirstLastPara="1" wrap="square" lIns="91425" tIns="91425" rIns="91425" bIns="91425" anchor="t" anchorCtr="0"/>
           <a:lstStyle>
-            <a:lvl1pPr indent="-311150" lvl="0" marL="457200">
+            <a:lvl1pPr marL="457200" lvl="0" indent="-311150">
               <a:spcBef>
                 <a:spcPts val="0"/>
               </a:spcBef>
@@ -5442,7 +5418,7 @@
               <a:buChar char="●"/>
               <a:defRPr/>
             </a:lvl1pPr>
-            <a:lvl2pPr indent="-298450" lvl="1" marL="914400">
+            <a:lvl2pPr marL="914400" lvl="1" indent="-298450">
               <a:spcBef>
                 <a:spcPts val="1600"/>
               </a:spcBef>
@@ -5453,7 +5429,7 @@
               <a:buChar char="○"/>
               <a:defRPr/>
             </a:lvl2pPr>
-            <a:lvl3pPr indent="-298450" lvl="2" marL="1371600">
+            <a:lvl3pPr marL="1371600" lvl="2" indent="-298450">
               <a:spcBef>
                 <a:spcPts val="1600"/>
               </a:spcBef>
@@ -5464,7 +5440,7 @@
               <a:buChar char="■"/>
               <a:defRPr/>
             </a:lvl3pPr>
-            <a:lvl4pPr indent="-298450" lvl="3" marL="1828800">
+            <a:lvl4pPr marL="1828800" lvl="3" indent="-298450">
               <a:spcBef>
                 <a:spcPts val="1600"/>
               </a:spcBef>
@@ -5475,7 +5451,7 @@
               <a:buChar char="●"/>
               <a:defRPr/>
             </a:lvl4pPr>
-            <a:lvl5pPr indent="-298450" lvl="4" marL="2286000">
+            <a:lvl5pPr marL="2286000" lvl="4" indent="-298450">
               <a:spcBef>
                 <a:spcPts val="1600"/>
               </a:spcBef>
@@ -5486,7 +5462,7 @@
               <a:buChar char="○"/>
               <a:defRPr/>
             </a:lvl5pPr>
-            <a:lvl6pPr indent="-298450" lvl="5" marL="2743200">
+            <a:lvl6pPr marL="2743200" lvl="5" indent="-298450">
               <a:spcBef>
                 <a:spcPts val="1600"/>
               </a:spcBef>
@@ -5497,7 +5473,7 @@
               <a:buChar char="■"/>
               <a:defRPr/>
             </a:lvl6pPr>
-            <a:lvl7pPr indent="-298450" lvl="6" marL="3200400">
+            <a:lvl7pPr marL="3200400" lvl="6" indent="-298450">
               <a:spcBef>
                 <a:spcPts val="1600"/>
               </a:spcBef>
@@ -5508,7 +5484,7 @@
               <a:buChar char="●"/>
               <a:defRPr/>
             </a:lvl7pPr>
-            <a:lvl8pPr indent="-298450" lvl="7" marL="3657600">
+            <a:lvl8pPr marL="3657600" lvl="7" indent="-298450">
               <a:spcBef>
                 <a:spcPts val="1600"/>
               </a:spcBef>
@@ -5519,7 +5495,7 @@
               <a:buChar char="○"/>
               <a:defRPr/>
             </a:lvl8pPr>
-            <a:lvl9pPr indent="-298450" lvl="8" marL="4114800">
+            <a:lvl9pPr marL="4114800" lvl="8" indent="-298450">
               <a:spcBef>
                 <a:spcPts val="1600"/>
               </a:spcBef>
@@ -5531,15 +5507,19 @@
               <a:defRPr/>
             </a:lvl9pPr>
           </a:lstStyle>
-          <a:p/>
+          <a:p>
+            <a:endParaRPr/>
+          </a:p>
         </p:txBody>
       </p:sp>
       <p:sp>
         <p:nvSpPr>
           <p:cNvPr id="54" name="Google Shape;54;p5"/>
-          <p:cNvSpPr txBox="1"/>
+          <p:cNvSpPr txBox="1">
+            <a:spLocks noGrp="1"/>
+          </p:cNvSpPr>
           <p:nvPr>
-            <p:ph idx="2" type="body"/>
+            <p:ph type="body" idx="2"/>
           </p:nvPr>
         </p:nvSpPr>
         <p:spPr>
@@ -5552,9 +5532,9 @@
           </a:prstGeom>
         </p:spPr>
         <p:txBody>
-          <a:bodyPr anchorCtr="0" anchor="t" bIns="91425" lIns="91425" spcFirstLastPara="1" rIns="91425" wrap="square" tIns="91425"/>
+          <a:bodyPr spcFirstLastPara="1" wrap="square" lIns="91425" tIns="91425" rIns="91425" bIns="91425" anchor="t" anchorCtr="0"/>
           <a:lstStyle>
-            <a:lvl1pPr indent="-311150" lvl="0" marL="457200">
+            <a:lvl1pPr marL="457200" lvl="0" indent="-311150">
               <a:spcBef>
                 <a:spcPts val="0"/>
               </a:spcBef>
@@ -5565,7 +5545,7 @@
               <a:buChar char="●"/>
               <a:defRPr/>
             </a:lvl1pPr>
-            <a:lvl2pPr indent="-298450" lvl="1" marL="914400">
+            <a:lvl2pPr marL="914400" lvl="1" indent="-298450">
               <a:spcBef>
                 <a:spcPts val="1600"/>
               </a:spcBef>
@@ -5576,7 +5556,7 @@
               <a:buChar char="○"/>
               <a:defRPr/>
             </a:lvl2pPr>
-            <a:lvl3pPr indent="-298450" lvl="2" marL="1371600">
+            <a:lvl3pPr marL="1371600" lvl="2" indent="-298450">
               <a:spcBef>
                 <a:spcPts val="1600"/>
               </a:spcBef>
@@ -5587,7 +5567,7 @@
               <a:buChar char="■"/>
               <a:defRPr/>
             </a:lvl3pPr>
-            <a:lvl4pPr indent="-298450" lvl="3" marL="1828800">
+            <a:lvl4pPr marL="1828800" lvl="3" indent="-298450">
               <a:spcBef>
                 <a:spcPts val="1600"/>
               </a:spcBef>
@@ -5598,7 +5578,7 @@
               <a:buChar char="●"/>
               <a:defRPr/>
             </a:lvl4pPr>
-            <a:lvl5pPr indent="-298450" lvl="4" marL="2286000">
+            <a:lvl5pPr marL="2286000" lvl="4" indent="-298450">
               <a:spcBef>
                 <a:spcPts val="1600"/>
               </a:spcBef>
@@ -5609,7 +5589,7 @@
               <a:buChar char="○"/>
               <a:defRPr/>
             </a:lvl5pPr>
-            <a:lvl6pPr indent="-298450" lvl="5" marL="2743200">
+            <a:lvl6pPr marL="2743200" lvl="5" indent="-298450">
               <a:spcBef>
                 <a:spcPts val="1600"/>
               </a:spcBef>
@@ -5620,7 +5600,7 @@
               <a:buChar char="■"/>
               <a:defRPr/>
             </a:lvl6pPr>
-            <a:lvl7pPr indent="-298450" lvl="6" marL="3200400">
+            <a:lvl7pPr marL="3200400" lvl="6" indent="-298450">
               <a:spcBef>
                 <a:spcPts val="1600"/>
               </a:spcBef>
@@ -5631,7 +5611,7 @@
               <a:buChar char="●"/>
               <a:defRPr/>
             </a:lvl7pPr>
-            <a:lvl8pPr indent="-298450" lvl="7" marL="3657600">
+            <a:lvl8pPr marL="3657600" lvl="7" indent="-298450">
               <a:spcBef>
                 <a:spcPts val="1600"/>
               </a:spcBef>
@@ -5642,7 +5622,7 @@
               <a:buChar char="○"/>
               <a:defRPr/>
             </a:lvl8pPr>
-            <a:lvl9pPr indent="-298450" lvl="8" marL="4114800">
+            <a:lvl9pPr marL="4114800" lvl="8" indent="-298450">
               <a:spcBef>
                 <a:spcPts val="1600"/>
               </a:spcBef>
@@ -5654,15 +5634,19 @@
               <a:defRPr/>
             </a:lvl9pPr>
           </a:lstStyle>
-          <a:p/>
+          <a:p>
+            <a:endParaRPr/>
+          </a:p>
         </p:txBody>
       </p:sp>
       <p:sp>
         <p:nvSpPr>
           <p:cNvPr id="55" name="Google Shape;55;p5"/>
-          <p:cNvSpPr txBox="1"/>
+          <p:cNvSpPr txBox="1">
+            <a:spLocks noGrp="1"/>
+          </p:cNvSpPr>
           <p:nvPr>
-            <p:ph idx="12" type="sldNum"/>
+            <p:ph type="sldNum" idx="12"/>
           </p:nvPr>
         </p:nvSpPr>
         <p:spPr>
@@ -5675,7 +5659,7 @@
           </a:prstGeom>
         </p:spPr>
         <p:txBody>
-          <a:bodyPr anchorCtr="0" anchor="ctr" bIns="91425" lIns="91425" spcFirstLastPara="1" rIns="91425" wrap="square" tIns="91425">
+          <a:bodyPr spcFirstLastPara="1" wrap="square" lIns="91425" tIns="91425" rIns="91425" bIns="91425" anchor="ctr" anchorCtr="0">
             <a:noAutofit/>
           </a:bodyPr>
           <a:lstStyle>
@@ -5717,7 +5701,7 @@
             </a:lvl9pPr>
           </a:lstStyle>
           <a:p>
-            <a:pPr indent="0" lvl="0" marL="0" rtl="0" algn="r">
+            <a:pPr marL="0" lvl="0" indent="0" algn="r" rtl="0">
               <a:spcBef>
                 <a:spcPts val="0"/>
               </a:spcBef>
@@ -5743,11 +5727,11 @@
 </file>
 
 <file path=ppt/slideLayouts/slideLayout5.xml><?xml version="1.0" encoding="utf-8"?>
-<p:sldLayout xmlns:a="http://schemas.openxmlformats.org/drawingml/2006/main" xmlns:r="http://schemas.openxmlformats.org/officeDocument/2006/relationships" xmlns:mc="http://schemas.openxmlformats.org/markup-compatibility/2006" xmlns:mv="urn:schemas-microsoft-com:mac:vml" xmlns:p="http://schemas.openxmlformats.org/presentationml/2006/main" xmlns:c="http://schemas.openxmlformats.org/drawingml/2006/chart" xmlns:dgm="http://schemas.openxmlformats.org/drawingml/2006/diagram" xmlns:o="urn:schemas-microsoft-com:office:office" xmlns:v="urn:schemas-microsoft-com:vml" xmlns:pvml="urn:schemas-microsoft-com:office:powerpoint" xmlns:com="http://schemas.openxmlformats.org/drawingml/2006/compatibility" xmlns:p14="http://schemas.microsoft.com/office/powerpoint/2010/main" xmlns:p15="http://schemas.microsoft.com/office/powerpoint/2012/main" matchingName="Title only" type="titleOnly">
+<p:sldLayout xmlns:a="http://schemas.openxmlformats.org/drawingml/2006/main" xmlns:r="http://schemas.openxmlformats.org/officeDocument/2006/relationships" xmlns:p="http://schemas.openxmlformats.org/presentationml/2006/main" matchingName="Title only" type="titleOnly">
   <p:cSld name="TITLE_ONLY">
     <p:spTree>
       <p:nvGrpSpPr>
-        <p:cNvPr id="56" name="Shape 56"/>
+        <p:cNvPr id="1" name="Shape 56"/>
         <p:cNvGrpSpPr/>
         <p:nvPr/>
       </p:nvGrpSpPr>
@@ -5786,7 +5770,7 @@
             </a:xfrm>
             <a:prstGeom prst="diagStripe">
               <a:avLst>
-                <a:gd fmla="val 50000" name="adj"/>
+                <a:gd name="adj" fmla="val 50000"/>
               </a:avLst>
             </a:prstGeom>
             <a:solidFill>
@@ -5797,12 +5781,12 @@
             </a:ln>
           </p:spPr>
           <p:txBody>
-            <a:bodyPr anchorCtr="0" anchor="ctr" bIns="91425" lIns="91425" spcFirstLastPara="1" rIns="91425" wrap="square" tIns="91425">
+            <a:bodyPr spcFirstLastPara="1" wrap="square" lIns="91425" tIns="91425" rIns="91425" bIns="91425" anchor="ctr" anchorCtr="0">
               <a:noAutofit/>
             </a:bodyPr>
             <a:lstStyle/>
             <a:p>
-              <a:pPr indent="0" lvl="0" marL="0" rtl="0" algn="l">
+              <a:pPr marL="0" lvl="0" indent="0" algn="l" rtl="0">
                 <a:spcBef>
                   <a:spcPts val="0"/>
                 </a:spcBef>
@@ -5811,9 +5795,6 @@
                 </a:spcAft>
                 <a:buNone/>
               </a:pPr>
-              <a:r>
-                <a:t/>
-              </a:r>
               <a:endParaRPr/>
             </a:p>
           </p:txBody>
@@ -5831,7 +5812,7 @@
             </a:xfrm>
             <a:prstGeom prst="diagStripe">
               <a:avLst>
-                <a:gd fmla="val 50000" name="adj"/>
+                <a:gd name="adj" fmla="val 50000"/>
               </a:avLst>
             </a:prstGeom>
             <a:solidFill>
@@ -5842,12 +5823,12 @@
             </a:ln>
           </p:spPr>
           <p:txBody>
-            <a:bodyPr anchorCtr="0" anchor="ctr" bIns="91425" lIns="91425" spcFirstLastPara="1" rIns="91425" wrap="square" tIns="91425">
+            <a:bodyPr spcFirstLastPara="1" wrap="square" lIns="91425" tIns="91425" rIns="91425" bIns="91425" anchor="ctr" anchorCtr="0">
               <a:noAutofit/>
             </a:bodyPr>
             <a:lstStyle/>
             <a:p>
-              <a:pPr indent="0" lvl="0" marL="0" rtl="0" algn="l">
+              <a:pPr marL="0" lvl="0" indent="0" algn="l" rtl="0">
                 <a:spcBef>
                   <a:spcPts val="0"/>
                 </a:spcBef>
@@ -5856,9 +5837,6 @@
                 </a:spcAft>
                 <a:buNone/>
               </a:pPr>
-              <a:r>
-                <a:t/>
-              </a:r>
               <a:endParaRPr/>
             </a:p>
           </p:txBody>
@@ -5867,7 +5845,9 @@
       <p:sp>
         <p:nvSpPr>
           <p:cNvPr id="60" name="Google Shape;60;p6"/>
-          <p:cNvSpPr txBox="1"/>
+          <p:cNvSpPr txBox="1">
+            <a:spLocks noGrp="1"/>
+          </p:cNvSpPr>
           <p:nvPr>
             <p:ph type="title"/>
           </p:nvPr>
@@ -5882,7 +5862,7 @@
           </a:prstGeom>
         </p:spPr>
         <p:txBody>
-          <a:bodyPr anchorCtr="0" anchor="t" bIns="91425" lIns="91425" spcFirstLastPara="1" rIns="91425" wrap="square" tIns="91425"/>
+          <a:bodyPr spcFirstLastPara="1" wrap="square" lIns="91425" tIns="91425" rIns="91425" bIns="91425" anchor="t" anchorCtr="0"/>
           <a:lstStyle>
             <a:lvl1pPr lvl="0">
               <a:spcBef>
@@ -5984,15 +5964,19 @@
               <a:defRPr sz="2400"/>
             </a:lvl9pPr>
           </a:lstStyle>
-          <a:p/>
+          <a:p>
+            <a:endParaRPr/>
+          </a:p>
         </p:txBody>
       </p:sp>
       <p:sp>
         <p:nvSpPr>
           <p:cNvPr id="61" name="Google Shape;61;p6"/>
-          <p:cNvSpPr txBox="1"/>
+          <p:cNvSpPr txBox="1">
+            <a:spLocks noGrp="1"/>
+          </p:cNvSpPr>
           <p:nvPr>
-            <p:ph idx="12" type="sldNum"/>
+            <p:ph type="sldNum" idx="12"/>
           </p:nvPr>
         </p:nvSpPr>
         <p:spPr>
@@ -6005,7 +5989,7 @@
           </a:prstGeom>
         </p:spPr>
         <p:txBody>
-          <a:bodyPr anchorCtr="0" anchor="ctr" bIns="91425" lIns="91425" spcFirstLastPara="1" rIns="91425" wrap="square" tIns="91425">
+          <a:bodyPr spcFirstLastPara="1" wrap="square" lIns="91425" tIns="91425" rIns="91425" bIns="91425" anchor="ctr" anchorCtr="0">
             <a:noAutofit/>
           </a:bodyPr>
           <a:lstStyle>
@@ -6047,7 +6031,7 @@
             </a:lvl9pPr>
           </a:lstStyle>
           <a:p>
-            <a:pPr indent="0" lvl="0" marL="0" rtl="0" algn="r">
+            <a:pPr marL="0" lvl="0" indent="0" algn="r" rtl="0">
               <a:spcBef>
                 <a:spcPts val="0"/>
               </a:spcBef>
@@ -6073,11 +6057,11 @@
 </file>
 
 <file path=ppt/slideLayouts/slideLayout6.xml><?xml version="1.0" encoding="utf-8"?>
-<p:sldLayout xmlns:a="http://schemas.openxmlformats.org/drawingml/2006/main" xmlns:r="http://schemas.openxmlformats.org/officeDocument/2006/relationships" xmlns:mc="http://schemas.openxmlformats.org/markup-compatibility/2006" xmlns:mv="urn:schemas-microsoft-com:mac:vml" xmlns:p="http://schemas.openxmlformats.org/presentationml/2006/main" xmlns:c="http://schemas.openxmlformats.org/drawingml/2006/chart" xmlns:dgm="http://schemas.openxmlformats.org/drawingml/2006/diagram" xmlns:o="urn:schemas-microsoft-com:office:office" xmlns:v="urn:schemas-microsoft-com:vml" xmlns:pvml="urn:schemas-microsoft-com:office:powerpoint" xmlns:com="http://schemas.openxmlformats.org/drawingml/2006/compatibility" xmlns:p14="http://schemas.microsoft.com/office/powerpoint/2010/main" xmlns:p15="http://schemas.microsoft.com/office/powerpoint/2012/main" matchingName="One column text">
+<p:sldLayout xmlns:a="http://schemas.openxmlformats.org/drawingml/2006/main" xmlns:r="http://schemas.openxmlformats.org/officeDocument/2006/relationships" xmlns:p="http://schemas.openxmlformats.org/presentationml/2006/main" matchingName="One column text">
   <p:cSld name="ONE_COLUMN_TEXT">
     <p:spTree>
       <p:nvGrpSpPr>
-        <p:cNvPr id="62" name="Shape 62"/>
+        <p:cNvPr id="1" name="Shape 62"/>
         <p:cNvGrpSpPr/>
         <p:nvPr/>
       </p:nvGrpSpPr>
@@ -6116,7 +6100,7 @@
             </a:xfrm>
             <a:prstGeom prst="diagStripe">
               <a:avLst>
-                <a:gd fmla="val 50000" name="adj"/>
+                <a:gd name="adj" fmla="val 50000"/>
               </a:avLst>
             </a:prstGeom>
             <a:solidFill>
@@ -6127,12 +6111,12 @@
             </a:ln>
           </p:spPr>
           <p:txBody>
-            <a:bodyPr anchorCtr="0" anchor="ctr" bIns="91425" lIns="91425" spcFirstLastPara="1" rIns="91425" wrap="square" tIns="91425">
+            <a:bodyPr spcFirstLastPara="1" wrap="square" lIns="91425" tIns="91425" rIns="91425" bIns="91425" anchor="ctr" anchorCtr="0">
               <a:noAutofit/>
             </a:bodyPr>
             <a:lstStyle/>
             <a:p>
-              <a:pPr indent="0" lvl="0" marL="0" rtl="0" algn="l">
+              <a:pPr marL="0" lvl="0" indent="0" algn="l" rtl="0">
                 <a:spcBef>
                   <a:spcPts val="0"/>
                 </a:spcBef>
@@ -6141,9 +6125,6 @@
                 </a:spcAft>
                 <a:buNone/>
               </a:pPr>
-              <a:r>
-                <a:t/>
-              </a:r>
               <a:endParaRPr/>
             </a:p>
           </p:txBody>
@@ -6161,7 +6142,7 @@
             </a:xfrm>
             <a:prstGeom prst="diagStripe">
               <a:avLst>
-                <a:gd fmla="val 50000" name="adj"/>
+                <a:gd name="adj" fmla="val 50000"/>
               </a:avLst>
             </a:prstGeom>
             <a:solidFill>
@@ -6172,12 +6153,12 @@
             </a:ln>
           </p:spPr>
           <p:txBody>
-            <a:bodyPr anchorCtr="0" anchor="ctr" bIns="91425" lIns="91425" spcFirstLastPara="1" rIns="91425" wrap="square" tIns="91425">
+            <a:bodyPr spcFirstLastPara="1" wrap="square" lIns="91425" tIns="91425" rIns="91425" bIns="91425" anchor="ctr" anchorCtr="0">
               <a:noAutofit/>
             </a:bodyPr>
             <a:lstStyle/>
             <a:p>
-              <a:pPr indent="0" lvl="0" marL="0" rtl="0" algn="l">
+              <a:pPr marL="0" lvl="0" indent="0" algn="l" rtl="0">
                 <a:spcBef>
                   <a:spcPts val="0"/>
                 </a:spcBef>
@@ -6186,9 +6167,6 @@
                 </a:spcAft>
                 <a:buNone/>
               </a:pPr>
-              <a:r>
-                <a:t/>
-              </a:r>
               <a:endParaRPr/>
             </a:p>
           </p:txBody>
@@ -6197,7 +6175,9 @@
       <p:sp>
         <p:nvSpPr>
           <p:cNvPr id="66" name="Google Shape;66;p7"/>
-          <p:cNvSpPr txBox="1"/>
+          <p:cNvSpPr txBox="1">
+            <a:spLocks noGrp="1"/>
+          </p:cNvSpPr>
           <p:nvPr>
             <p:ph type="title"/>
           </p:nvPr>
@@ -6212,7 +6192,7 @@
           </a:prstGeom>
         </p:spPr>
         <p:txBody>
-          <a:bodyPr anchorCtr="0" anchor="t" bIns="91425" lIns="91425" spcFirstLastPara="1" rIns="91425" wrap="square" tIns="91425"/>
+          <a:bodyPr spcFirstLastPara="1" wrap="square" lIns="91425" tIns="91425" rIns="91425" bIns="91425" anchor="t" anchorCtr="0"/>
           <a:lstStyle>
             <a:lvl1pPr lvl="0">
               <a:spcBef>
@@ -6314,15 +6294,19 @@
               <a:defRPr sz="2400"/>
             </a:lvl9pPr>
           </a:lstStyle>
-          <a:p/>
+          <a:p>
+            <a:endParaRPr/>
+          </a:p>
         </p:txBody>
       </p:sp>
       <p:sp>
         <p:nvSpPr>
           <p:cNvPr id="67" name="Google Shape;67;p7"/>
-          <p:cNvSpPr txBox="1"/>
+          <p:cNvSpPr txBox="1">
+            <a:spLocks noGrp="1"/>
+          </p:cNvSpPr>
           <p:nvPr>
-            <p:ph idx="1" type="body"/>
+            <p:ph type="body" idx="1"/>
           </p:nvPr>
         </p:nvSpPr>
         <p:spPr>
@@ -6335,9 +6319,9 @@
           </a:prstGeom>
         </p:spPr>
         <p:txBody>
-          <a:bodyPr anchorCtr="0" anchor="t" bIns="91425" lIns="91425" spcFirstLastPara="1" rIns="91425" wrap="square" tIns="91425"/>
+          <a:bodyPr spcFirstLastPara="1" wrap="square" lIns="91425" tIns="91425" rIns="91425" bIns="91425" anchor="t" anchorCtr="0"/>
           <a:lstStyle>
-            <a:lvl1pPr indent="-311150" lvl="0" marL="457200">
+            <a:lvl1pPr marL="457200" lvl="0" indent="-311150">
               <a:spcBef>
                 <a:spcPts val="0"/>
               </a:spcBef>
@@ -6348,7 +6332,7 @@
               <a:buChar char="●"/>
               <a:defRPr/>
             </a:lvl1pPr>
-            <a:lvl2pPr indent="-298450" lvl="1" marL="914400">
+            <a:lvl2pPr marL="914400" lvl="1" indent="-298450">
               <a:spcBef>
                 <a:spcPts val="1600"/>
               </a:spcBef>
@@ -6359,7 +6343,7 @@
               <a:buChar char="○"/>
               <a:defRPr/>
             </a:lvl2pPr>
-            <a:lvl3pPr indent="-298450" lvl="2" marL="1371600">
+            <a:lvl3pPr marL="1371600" lvl="2" indent="-298450">
               <a:spcBef>
                 <a:spcPts val="1600"/>
               </a:spcBef>
@@ -6370,7 +6354,7 @@
               <a:buChar char="■"/>
               <a:defRPr/>
             </a:lvl3pPr>
-            <a:lvl4pPr indent="-298450" lvl="3" marL="1828800">
+            <a:lvl4pPr marL="1828800" lvl="3" indent="-298450">
               <a:spcBef>
                 <a:spcPts val="1600"/>
               </a:spcBef>
@@ -6381,7 +6365,7 @@
               <a:buChar char="●"/>
               <a:defRPr/>
             </a:lvl4pPr>
-            <a:lvl5pPr indent="-298450" lvl="4" marL="2286000">
+            <a:lvl5pPr marL="2286000" lvl="4" indent="-298450">
               <a:spcBef>
                 <a:spcPts val="1600"/>
               </a:spcBef>
@@ -6392,7 +6376,7 @@
               <a:buChar char="○"/>
               <a:defRPr/>
             </a:lvl5pPr>
-            <a:lvl6pPr indent="-298450" lvl="5" marL="2743200">
+            <a:lvl6pPr marL="2743200" lvl="5" indent="-298450">
               <a:spcBef>
                 <a:spcPts val="1600"/>
               </a:spcBef>
@@ -6403,7 +6387,7 @@
               <a:buChar char="■"/>
               <a:defRPr/>
             </a:lvl6pPr>
-            <a:lvl7pPr indent="-298450" lvl="6" marL="3200400">
+            <a:lvl7pPr marL="3200400" lvl="6" indent="-298450">
               <a:spcBef>
                 <a:spcPts val="1600"/>
               </a:spcBef>
@@ -6414,7 +6398,7 @@
               <a:buChar char="●"/>
               <a:defRPr/>
             </a:lvl7pPr>
-            <a:lvl8pPr indent="-298450" lvl="7" marL="3657600">
+            <a:lvl8pPr marL="3657600" lvl="7" indent="-298450">
               <a:spcBef>
                 <a:spcPts val="1600"/>
               </a:spcBef>
@@ -6425,7 +6409,7 @@
               <a:buChar char="○"/>
               <a:defRPr/>
             </a:lvl8pPr>
-            <a:lvl9pPr indent="-298450" lvl="8" marL="4114800">
+            <a:lvl9pPr marL="4114800" lvl="8" indent="-298450">
               <a:spcBef>
                 <a:spcPts val="1600"/>
               </a:spcBef>
@@ -6437,15 +6421,19 @@
               <a:defRPr/>
             </a:lvl9pPr>
           </a:lstStyle>
-          <a:p/>
+          <a:p>
+            <a:endParaRPr/>
+          </a:p>
         </p:txBody>
       </p:sp>
       <p:sp>
         <p:nvSpPr>
           <p:cNvPr id="68" name="Google Shape;68;p7"/>
-          <p:cNvSpPr txBox="1"/>
+          <p:cNvSpPr txBox="1">
+            <a:spLocks noGrp="1"/>
+          </p:cNvSpPr>
           <p:nvPr>
-            <p:ph idx="12" type="sldNum"/>
+            <p:ph type="sldNum" idx="12"/>
           </p:nvPr>
         </p:nvSpPr>
         <p:spPr>
@@ -6458,7 +6446,7 @@
           </a:prstGeom>
         </p:spPr>
         <p:txBody>
-          <a:bodyPr anchorCtr="0" anchor="ctr" bIns="91425" lIns="91425" spcFirstLastPara="1" rIns="91425" wrap="square" tIns="91425">
+          <a:bodyPr spcFirstLastPara="1" wrap="square" lIns="91425" tIns="91425" rIns="91425" bIns="91425" anchor="ctr" anchorCtr="0">
             <a:noAutofit/>
           </a:bodyPr>
           <a:lstStyle>
@@ -6500,7 +6488,7 @@
             </a:lvl9pPr>
           </a:lstStyle>
           <a:p>
-            <a:pPr indent="0" lvl="0" marL="0" rtl="0" algn="r">
+            <a:pPr marL="0" lvl="0" indent="0" algn="r" rtl="0">
               <a:spcBef>
                 <a:spcPts val="0"/>
               </a:spcBef>
@@ -6526,11 +6514,11 @@
 </file>
 
 <file path=ppt/slideLayouts/slideLayout7.xml><?xml version="1.0" encoding="utf-8"?>
-<p:sldLayout xmlns:a="http://schemas.openxmlformats.org/drawingml/2006/main" xmlns:r="http://schemas.openxmlformats.org/officeDocument/2006/relationships" xmlns:mc="http://schemas.openxmlformats.org/markup-compatibility/2006" xmlns:mv="urn:schemas-microsoft-com:mac:vml" xmlns:p="http://schemas.openxmlformats.org/presentationml/2006/main" xmlns:c="http://schemas.openxmlformats.org/drawingml/2006/chart" xmlns:dgm="http://schemas.openxmlformats.org/drawingml/2006/diagram" xmlns:o="urn:schemas-microsoft-com:office:office" xmlns:v="urn:schemas-microsoft-com:vml" xmlns:pvml="urn:schemas-microsoft-com:office:powerpoint" xmlns:com="http://schemas.openxmlformats.org/drawingml/2006/compatibility" xmlns:p14="http://schemas.microsoft.com/office/powerpoint/2010/main" xmlns:p15="http://schemas.microsoft.com/office/powerpoint/2012/main" matchingName="Main point">
+<p:sldLayout xmlns:a="http://schemas.openxmlformats.org/drawingml/2006/main" xmlns:r="http://schemas.openxmlformats.org/officeDocument/2006/relationships" xmlns:p="http://schemas.openxmlformats.org/presentationml/2006/main" matchingName="Main point">
   <p:cSld name="MAIN_POINT">
     <p:spTree>
       <p:nvGrpSpPr>
-        <p:cNvPr id="69" name="Shape 69"/>
+        <p:cNvPr id="1" name="Shape 69"/>
         <p:cNvGrpSpPr/>
         <p:nvPr/>
       </p:nvGrpSpPr>
@@ -6569,7 +6557,7 @@
             </a:xfrm>
             <a:prstGeom prst="diagStripe">
               <a:avLst>
-                <a:gd fmla="val 49469" name="adj"/>
+                <a:gd name="adj" fmla="val 49469"/>
               </a:avLst>
             </a:prstGeom>
             <a:solidFill>
@@ -6582,12 +6570,12 @@
             </a:ln>
           </p:spPr>
           <p:txBody>
-            <a:bodyPr anchorCtr="0" anchor="ctr" bIns="91425" lIns="91425" spcFirstLastPara="1" rIns="91425" wrap="square" tIns="91425">
+            <a:bodyPr spcFirstLastPara="1" wrap="square" lIns="91425" tIns="91425" rIns="91425" bIns="91425" anchor="ctr" anchorCtr="0">
               <a:noAutofit/>
             </a:bodyPr>
             <a:lstStyle/>
             <a:p>
-              <a:pPr indent="0" lvl="0" marL="0" rtl="0" algn="l">
+              <a:pPr marL="0" lvl="0" indent="0" algn="l" rtl="0">
                 <a:spcBef>
                   <a:spcPts val="0"/>
                 </a:spcBef>
@@ -6596,9 +6584,6 @@
                 </a:spcAft>
                 <a:buNone/>
               </a:pPr>
-              <a:r>
-                <a:t/>
-              </a:r>
               <a:endParaRPr/>
             </a:p>
           </p:txBody>
@@ -6616,7 +6601,7 @@
             </a:xfrm>
             <a:prstGeom prst="diagStripe">
               <a:avLst>
-                <a:gd fmla="val 0" name="adj"/>
+                <a:gd name="adj" fmla="val 0"/>
               </a:avLst>
             </a:prstGeom>
             <a:solidFill>
@@ -6629,12 +6614,12 @@
             </a:ln>
           </p:spPr>
           <p:txBody>
-            <a:bodyPr anchorCtr="0" anchor="ctr" bIns="91425" lIns="91425" spcFirstLastPara="1" rIns="91425" wrap="square" tIns="91425">
+            <a:bodyPr spcFirstLastPara="1" wrap="square" lIns="91425" tIns="91425" rIns="91425" bIns="91425" anchor="ctr" anchorCtr="0">
               <a:noAutofit/>
             </a:bodyPr>
             <a:lstStyle/>
             <a:p>
-              <a:pPr indent="0" lvl="0" marL="0" rtl="0" algn="l">
+              <a:pPr marL="0" lvl="0" indent="0" algn="l" rtl="0">
                 <a:spcBef>
                   <a:spcPts val="0"/>
                 </a:spcBef>
@@ -6643,9 +6628,6 @@
                 </a:spcAft>
                 <a:buNone/>
               </a:pPr>
-              <a:r>
-                <a:t/>
-              </a:r>
               <a:endParaRPr/>
             </a:p>
           </p:txBody>
@@ -6663,7 +6645,7 @@
             </a:xfrm>
             <a:prstGeom prst="diagStripe">
               <a:avLst>
-                <a:gd fmla="val 50000" name="adj"/>
+                <a:gd name="adj" fmla="val 50000"/>
               </a:avLst>
             </a:prstGeom>
             <a:solidFill>
@@ -6676,12 +6658,12 @@
             </a:ln>
           </p:spPr>
           <p:txBody>
-            <a:bodyPr anchorCtr="0" anchor="ctr" bIns="91425" lIns="91425" spcFirstLastPara="1" rIns="91425" wrap="square" tIns="91425">
+            <a:bodyPr spcFirstLastPara="1" wrap="square" lIns="91425" tIns="91425" rIns="91425" bIns="91425" anchor="ctr" anchorCtr="0">
               <a:noAutofit/>
             </a:bodyPr>
             <a:lstStyle/>
             <a:p>
-              <a:pPr indent="0" lvl="0" marL="0" rtl="0" algn="l">
+              <a:pPr marL="0" lvl="0" indent="0" algn="l" rtl="0">
                 <a:spcBef>
                   <a:spcPts val="0"/>
                 </a:spcBef>
@@ -6690,9 +6672,6 @@
                 </a:spcAft>
                 <a:buNone/>
               </a:pPr>
-              <a:r>
-                <a:t/>
-              </a:r>
               <a:endParaRPr/>
             </a:p>
           </p:txBody>
@@ -6710,7 +6689,7 @@
             </a:xfrm>
             <a:prstGeom prst="diagStripe">
               <a:avLst>
-                <a:gd fmla="val 50000" name="adj"/>
+                <a:gd name="adj" fmla="val 50000"/>
               </a:avLst>
             </a:prstGeom>
             <a:solidFill>
@@ -6723,12 +6702,12 @@
             </a:ln>
           </p:spPr>
           <p:txBody>
-            <a:bodyPr anchorCtr="0" anchor="ctr" bIns="91425" lIns="91425" spcFirstLastPara="1" rIns="91425" wrap="square" tIns="91425">
+            <a:bodyPr spcFirstLastPara="1" wrap="square" lIns="91425" tIns="91425" rIns="91425" bIns="91425" anchor="ctr" anchorCtr="0">
               <a:noAutofit/>
             </a:bodyPr>
             <a:lstStyle/>
             <a:p>
-              <a:pPr indent="0" lvl="0" marL="0" rtl="0" algn="l">
+              <a:pPr marL="0" lvl="0" indent="0" algn="l" rtl="0">
                 <a:spcBef>
                   <a:spcPts val="0"/>
                 </a:spcBef>
@@ -6737,9 +6716,6 @@
                 </a:spcAft>
                 <a:buNone/>
               </a:pPr>
-              <a:r>
-                <a:t/>
-              </a:r>
               <a:endParaRPr/>
             </a:p>
           </p:txBody>
@@ -6757,7 +6733,7 @@
             </a:xfrm>
             <a:prstGeom prst="diagStripe">
               <a:avLst>
-                <a:gd fmla="val 50000" name="adj"/>
+                <a:gd name="adj" fmla="val 50000"/>
               </a:avLst>
             </a:prstGeom>
             <a:solidFill>
@@ -6770,12 +6746,12 @@
             </a:ln>
           </p:spPr>
           <p:txBody>
-            <a:bodyPr anchorCtr="0" anchor="ctr" bIns="91425" lIns="91425" spcFirstLastPara="1" rIns="91425" wrap="square" tIns="91425">
+            <a:bodyPr spcFirstLastPara="1" wrap="square" lIns="91425" tIns="91425" rIns="91425" bIns="91425" anchor="ctr" anchorCtr="0">
               <a:noAutofit/>
             </a:bodyPr>
             <a:lstStyle/>
             <a:p>
-              <a:pPr indent="0" lvl="0" marL="0" rtl="0" algn="l">
+              <a:pPr marL="0" lvl="0" indent="0" algn="l" rtl="0">
                 <a:spcBef>
                   <a:spcPts val="0"/>
                 </a:spcBef>
@@ -6784,9 +6760,6 @@
                 </a:spcAft>
                 <a:buNone/>
               </a:pPr>
-              <a:r>
-                <a:t/>
-              </a:r>
               <a:endParaRPr/>
             </a:p>
           </p:txBody>
@@ -6804,7 +6777,7 @@
             </a:xfrm>
             <a:prstGeom prst="diagStripe">
               <a:avLst>
-                <a:gd fmla="val 50000" name="adj"/>
+                <a:gd name="adj" fmla="val 50000"/>
               </a:avLst>
             </a:prstGeom>
             <a:solidFill>
@@ -6817,12 +6790,12 @@
             </a:ln>
           </p:spPr>
           <p:txBody>
-            <a:bodyPr anchorCtr="0" anchor="ctr" bIns="91425" lIns="91425" spcFirstLastPara="1" rIns="91425" wrap="square" tIns="91425">
+            <a:bodyPr spcFirstLastPara="1" wrap="square" lIns="91425" tIns="91425" rIns="91425" bIns="91425" anchor="ctr" anchorCtr="0">
               <a:noAutofit/>
             </a:bodyPr>
             <a:lstStyle/>
             <a:p>
-              <a:pPr indent="0" lvl="0" marL="0" rtl="0" algn="l">
+              <a:pPr marL="0" lvl="0" indent="0" algn="l" rtl="0">
                 <a:spcBef>
                   <a:spcPts val="0"/>
                 </a:spcBef>
@@ -6831,9 +6804,6 @@
                 </a:spcAft>
                 <a:buNone/>
               </a:pPr>
-              <a:r>
-                <a:t/>
-              </a:r>
               <a:endParaRPr/>
             </a:p>
           </p:txBody>
@@ -6851,7 +6821,7 @@
             </a:xfrm>
             <a:prstGeom prst="diagStripe">
               <a:avLst>
-                <a:gd fmla="val 50000" name="adj"/>
+                <a:gd name="adj" fmla="val 50000"/>
               </a:avLst>
             </a:prstGeom>
             <a:solidFill>
@@ -6864,12 +6834,12 @@
             </a:ln>
           </p:spPr>
           <p:txBody>
-            <a:bodyPr anchorCtr="0" anchor="ctr" bIns="91425" lIns="91425" spcFirstLastPara="1" rIns="91425" wrap="square" tIns="91425">
+            <a:bodyPr spcFirstLastPara="1" wrap="square" lIns="91425" tIns="91425" rIns="91425" bIns="91425" anchor="ctr" anchorCtr="0">
               <a:noAutofit/>
             </a:bodyPr>
             <a:lstStyle/>
             <a:p>
-              <a:pPr indent="0" lvl="0" marL="0" rtl="0" algn="l">
+              <a:pPr marL="0" lvl="0" indent="0" algn="l" rtl="0">
                 <a:spcBef>
                   <a:spcPts val="0"/>
                 </a:spcBef>
@@ -6878,9 +6848,6 @@
                 </a:spcAft>
                 <a:buNone/>
               </a:pPr>
-              <a:r>
-                <a:t/>
-              </a:r>
               <a:endParaRPr/>
             </a:p>
           </p:txBody>
@@ -6898,7 +6865,7 @@
             </a:xfrm>
             <a:prstGeom prst="diagStripe">
               <a:avLst>
-                <a:gd fmla="val 50000" name="adj"/>
+                <a:gd name="adj" fmla="val 50000"/>
               </a:avLst>
             </a:prstGeom>
             <a:solidFill>
@@ -6909,12 +6876,12 @@
             </a:ln>
           </p:spPr>
           <p:txBody>
-            <a:bodyPr anchorCtr="0" anchor="ctr" bIns="91425" lIns="91425" spcFirstLastPara="1" rIns="91425" wrap="square" tIns="91425">
+            <a:bodyPr spcFirstLastPara="1" wrap="square" lIns="91425" tIns="91425" rIns="91425" bIns="91425" anchor="ctr" anchorCtr="0">
               <a:noAutofit/>
             </a:bodyPr>
             <a:lstStyle/>
             <a:p>
-              <a:pPr indent="0" lvl="0" marL="0" rtl="0" algn="l">
+              <a:pPr marL="0" lvl="0" indent="0" algn="l" rtl="0">
                 <a:spcBef>
                   <a:spcPts val="0"/>
                 </a:spcBef>
@@ -6923,9 +6890,6 @@
                 </a:spcAft>
                 <a:buNone/>
               </a:pPr>
-              <a:r>
-                <a:t/>
-              </a:r>
               <a:endParaRPr/>
             </a:p>
           </p:txBody>
@@ -6943,7 +6907,7 @@
             </a:xfrm>
             <a:prstGeom prst="diagStripe">
               <a:avLst>
-                <a:gd fmla="val 50000" name="adj"/>
+                <a:gd name="adj" fmla="val 50000"/>
               </a:avLst>
             </a:prstGeom>
             <a:solidFill>
@@ -6956,12 +6920,12 @@
             </a:ln>
           </p:spPr>
           <p:txBody>
-            <a:bodyPr anchorCtr="0" anchor="ctr" bIns="91425" lIns="91425" spcFirstLastPara="1" rIns="91425" wrap="square" tIns="91425">
+            <a:bodyPr spcFirstLastPara="1" wrap="square" lIns="91425" tIns="91425" rIns="91425" bIns="91425" anchor="ctr" anchorCtr="0">
               <a:noAutofit/>
             </a:bodyPr>
             <a:lstStyle/>
             <a:p>
-              <a:pPr indent="0" lvl="0" marL="0" rtl="0" algn="l">
+              <a:pPr marL="0" lvl="0" indent="0" algn="l" rtl="0">
                 <a:spcBef>
                   <a:spcPts val="0"/>
                 </a:spcBef>
@@ -6970,9 +6934,6 @@
                 </a:spcAft>
                 <a:buNone/>
               </a:pPr>
-              <a:r>
-                <a:t/>
-              </a:r>
               <a:endParaRPr/>
             </a:p>
           </p:txBody>
@@ -6990,7 +6951,7 @@
             </a:xfrm>
             <a:prstGeom prst="diagStripe">
               <a:avLst>
-                <a:gd fmla="val 50000" name="adj"/>
+                <a:gd name="adj" fmla="val 50000"/>
               </a:avLst>
             </a:prstGeom>
             <a:solidFill>
@@ -7003,12 +6964,12 @@
             </a:ln>
           </p:spPr>
           <p:txBody>
-            <a:bodyPr anchorCtr="0" anchor="ctr" bIns="91425" lIns="91425" spcFirstLastPara="1" rIns="91425" wrap="square" tIns="91425">
+            <a:bodyPr spcFirstLastPara="1" wrap="square" lIns="91425" tIns="91425" rIns="91425" bIns="91425" anchor="ctr" anchorCtr="0">
               <a:noAutofit/>
             </a:bodyPr>
             <a:lstStyle/>
             <a:p>
-              <a:pPr indent="0" lvl="0" marL="0" rtl="0" algn="l">
+              <a:pPr marL="0" lvl="0" indent="0" algn="l" rtl="0">
                 <a:spcBef>
                   <a:spcPts val="0"/>
                 </a:spcBef>
@@ -7017,9 +6978,6 @@
                 </a:spcAft>
                 <a:buNone/>
               </a:pPr>
-              <a:r>
-                <a:t/>
-              </a:r>
               <a:endParaRPr/>
             </a:p>
           </p:txBody>
@@ -7037,7 +6995,7 @@
             </a:xfrm>
             <a:prstGeom prst="diagStripe">
               <a:avLst>
-                <a:gd fmla="val 50000" name="adj"/>
+                <a:gd name="adj" fmla="val 50000"/>
               </a:avLst>
             </a:prstGeom>
             <a:solidFill>
@@ -7050,12 +7008,12 @@
             </a:ln>
           </p:spPr>
           <p:txBody>
-            <a:bodyPr anchorCtr="0" anchor="ctr" bIns="91425" lIns="91425" spcFirstLastPara="1" rIns="91425" wrap="square" tIns="91425">
+            <a:bodyPr spcFirstLastPara="1" wrap="square" lIns="91425" tIns="91425" rIns="91425" bIns="91425" anchor="ctr" anchorCtr="0">
               <a:noAutofit/>
             </a:bodyPr>
             <a:lstStyle/>
             <a:p>
-              <a:pPr indent="0" lvl="0" marL="0" rtl="0" algn="l">
+              <a:pPr marL="0" lvl="0" indent="0" algn="l" rtl="0">
                 <a:spcBef>
                   <a:spcPts val="0"/>
                 </a:spcBef>
@@ -7064,9 +7022,6 @@
                 </a:spcAft>
                 <a:buNone/>
               </a:pPr>
-              <a:r>
-                <a:t/>
-              </a:r>
               <a:endParaRPr/>
             </a:p>
           </p:txBody>
@@ -7084,7 +7039,7 @@
             </a:xfrm>
             <a:prstGeom prst="diagStripe">
               <a:avLst>
-                <a:gd fmla="val 50000" name="adj"/>
+                <a:gd name="adj" fmla="val 50000"/>
               </a:avLst>
             </a:prstGeom>
             <a:solidFill>
@@ -7097,12 +7052,12 @@
             </a:ln>
           </p:spPr>
           <p:txBody>
-            <a:bodyPr anchorCtr="0" anchor="ctr" bIns="91425" lIns="91425" spcFirstLastPara="1" rIns="91425" wrap="square" tIns="91425">
+            <a:bodyPr spcFirstLastPara="1" wrap="square" lIns="91425" tIns="91425" rIns="91425" bIns="91425" anchor="ctr" anchorCtr="0">
               <a:noAutofit/>
             </a:bodyPr>
             <a:lstStyle/>
             <a:p>
-              <a:pPr indent="0" lvl="0" marL="0" rtl="0" algn="l">
+              <a:pPr marL="0" lvl="0" indent="0" algn="l" rtl="0">
                 <a:spcBef>
                   <a:spcPts val="0"/>
                 </a:spcBef>
@@ -7111,9 +7066,6 @@
                 </a:spcAft>
                 <a:buNone/>
               </a:pPr>
-              <a:r>
-                <a:t/>
-              </a:r>
               <a:endParaRPr/>
             </a:p>
           </p:txBody>
@@ -7131,7 +7083,7 @@
             </a:xfrm>
             <a:prstGeom prst="diagStripe">
               <a:avLst>
-                <a:gd fmla="val 50000" name="adj"/>
+                <a:gd name="adj" fmla="val 50000"/>
               </a:avLst>
             </a:prstGeom>
             <a:solidFill>
@@ -7144,12 +7096,12 @@
             </a:ln>
           </p:spPr>
           <p:txBody>
-            <a:bodyPr anchorCtr="0" anchor="ctr" bIns="91425" lIns="91425" spcFirstLastPara="1" rIns="91425" wrap="square" tIns="91425">
+            <a:bodyPr spcFirstLastPara="1" wrap="square" lIns="91425" tIns="91425" rIns="91425" bIns="91425" anchor="ctr" anchorCtr="0">
               <a:noAutofit/>
             </a:bodyPr>
             <a:lstStyle/>
             <a:p>
-              <a:pPr indent="0" lvl="0" marL="0" rtl="0" algn="l">
+              <a:pPr marL="0" lvl="0" indent="0" algn="l" rtl="0">
                 <a:spcBef>
                   <a:spcPts val="0"/>
                 </a:spcBef>
@@ -7158,9 +7110,6 @@
                 </a:spcAft>
                 <a:buNone/>
               </a:pPr>
-              <a:r>
-                <a:t/>
-              </a:r>
               <a:endParaRPr/>
             </a:p>
           </p:txBody>
@@ -7178,7 +7127,7 @@
             </a:xfrm>
             <a:prstGeom prst="diagStripe">
               <a:avLst>
-                <a:gd fmla="val 50000" name="adj"/>
+                <a:gd name="adj" fmla="val 50000"/>
               </a:avLst>
             </a:prstGeom>
             <a:solidFill>
@@ -7189,12 +7138,12 @@
             </a:ln>
           </p:spPr>
           <p:txBody>
-            <a:bodyPr anchorCtr="0" anchor="ctr" bIns="91425" lIns="91425" spcFirstLastPara="1" rIns="91425" wrap="square" tIns="91425">
+            <a:bodyPr spcFirstLastPara="1" wrap="square" lIns="91425" tIns="91425" rIns="91425" bIns="91425" anchor="ctr" anchorCtr="0">
               <a:noAutofit/>
             </a:bodyPr>
             <a:lstStyle/>
             <a:p>
-              <a:pPr indent="0" lvl="0" marL="0" rtl="0" algn="l">
+              <a:pPr marL="0" lvl="0" indent="0" algn="l" rtl="0">
                 <a:spcBef>
                   <a:spcPts val="0"/>
                 </a:spcBef>
@@ -7203,9 +7152,6 @@
                 </a:spcAft>
                 <a:buNone/>
               </a:pPr>
-              <a:r>
-                <a:t/>
-              </a:r>
               <a:endParaRPr/>
             </a:p>
           </p:txBody>
@@ -7223,7 +7169,7 @@
             </a:xfrm>
             <a:prstGeom prst="diagStripe">
               <a:avLst>
-                <a:gd fmla="val 50000" name="adj"/>
+                <a:gd name="adj" fmla="val 50000"/>
               </a:avLst>
             </a:prstGeom>
             <a:solidFill>
@@ -7236,12 +7182,12 @@
             </a:ln>
           </p:spPr>
           <p:txBody>
-            <a:bodyPr anchorCtr="0" anchor="ctr" bIns="91425" lIns="91425" spcFirstLastPara="1" rIns="91425" wrap="square" tIns="91425">
+            <a:bodyPr spcFirstLastPara="1" wrap="square" lIns="91425" tIns="91425" rIns="91425" bIns="91425" anchor="ctr" anchorCtr="0">
               <a:noAutofit/>
             </a:bodyPr>
             <a:lstStyle/>
             <a:p>
-              <a:pPr indent="0" lvl="0" marL="0" rtl="0" algn="l">
+              <a:pPr marL="0" lvl="0" indent="0" algn="l" rtl="0">
                 <a:spcBef>
                   <a:spcPts val="0"/>
                 </a:spcBef>
@@ -7250,9 +7196,6 @@
                 </a:spcAft>
                 <a:buNone/>
               </a:pPr>
-              <a:r>
-                <a:t/>
-              </a:r>
               <a:endParaRPr/>
             </a:p>
           </p:txBody>
@@ -7270,7 +7213,7 @@
             </a:xfrm>
             <a:prstGeom prst="diagStripe">
               <a:avLst>
-                <a:gd fmla="val 50000" name="adj"/>
+                <a:gd name="adj" fmla="val 50000"/>
               </a:avLst>
             </a:prstGeom>
             <a:solidFill>
@@ -7283,12 +7226,12 @@
             </a:ln>
           </p:spPr>
           <p:txBody>
-            <a:bodyPr anchorCtr="0" anchor="ctr" bIns="91425" lIns="91425" spcFirstLastPara="1" rIns="91425" wrap="square" tIns="91425">
+            <a:bodyPr spcFirstLastPara="1" wrap="square" lIns="91425" tIns="91425" rIns="91425" bIns="91425" anchor="ctr" anchorCtr="0">
               <a:noAutofit/>
             </a:bodyPr>
             <a:lstStyle/>
             <a:p>
-              <a:pPr indent="0" lvl="0" marL="0" rtl="0" algn="l">
+              <a:pPr marL="0" lvl="0" indent="0" algn="l" rtl="0">
                 <a:spcBef>
                   <a:spcPts val="0"/>
                 </a:spcBef>
@@ -7297,9 +7240,6 @@
                 </a:spcAft>
                 <a:buNone/>
               </a:pPr>
-              <a:r>
-                <a:t/>
-              </a:r>
               <a:endParaRPr/>
             </a:p>
           </p:txBody>
@@ -7317,7 +7257,7 @@
             </a:xfrm>
             <a:prstGeom prst="diagStripe">
               <a:avLst>
-                <a:gd fmla="val 50000" name="adj"/>
+                <a:gd name="adj" fmla="val 50000"/>
               </a:avLst>
             </a:prstGeom>
             <a:solidFill>
@@ -7330,12 +7270,12 @@
             </a:ln>
           </p:spPr>
           <p:txBody>
-            <a:bodyPr anchorCtr="0" anchor="ctr" bIns="91425" lIns="91425" spcFirstLastPara="1" rIns="91425" wrap="square" tIns="91425">
+            <a:bodyPr spcFirstLastPara="1" wrap="square" lIns="91425" tIns="91425" rIns="91425" bIns="91425" anchor="ctr" anchorCtr="0">
               <a:noAutofit/>
             </a:bodyPr>
             <a:lstStyle/>
             <a:p>
-              <a:pPr indent="0" lvl="0" marL="0" rtl="0" algn="l">
+              <a:pPr marL="0" lvl="0" indent="0" algn="l" rtl="0">
                 <a:spcBef>
                   <a:spcPts val="0"/>
                 </a:spcBef>
@@ -7344,9 +7284,6 @@
                 </a:spcAft>
                 <a:buNone/>
               </a:pPr>
-              <a:r>
-                <a:t/>
-              </a:r>
               <a:endParaRPr/>
             </a:p>
           </p:txBody>
@@ -7364,7 +7301,7 @@
             </a:xfrm>
             <a:prstGeom prst="diagStripe">
               <a:avLst>
-                <a:gd fmla="val 50000" name="adj"/>
+                <a:gd name="adj" fmla="val 50000"/>
               </a:avLst>
             </a:prstGeom>
             <a:solidFill>
@@ -7377,12 +7314,12 @@
             </a:ln>
           </p:spPr>
           <p:txBody>
-            <a:bodyPr anchorCtr="0" anchor="ctr" bIns="91425" lIns="91425" spcFirstLastPara="1" rIns="91425" wrap="square" tIns="91425">
+            <a:bodyPr spcFirstLastPara="1" wrap="square" lIns="91425" tIns="91425" rIns="91425" bIns="91425" anchor="ctr" anchorCtr="0">
               <a:noAutofit/>
             </a:bodyPr>
             <a:lstStyle/>
             <a:p>
-              <a:pPr indent="0" lvl="0" marL="0" rtl="0" algn="l">
+              <a:pPr marL="0" lvl="0" indent="0" algn="l" rtl="0">
                 <a:spcBef>
                   <a:spcPts val="0"/>
                 </a:spcBef>
@@ -7391,9 +7328,6 @@
                 </a:spcAft>
                 <a:buNone/>
               </a:pPr>
-              <a:r>
-                <a:t/>
-              </a:r>
               <a:endParaRPr/>
             </a:p>
           </p:txBody>
@@ -7402,7 +7336,9 @@
       <p:sp>
         <p:nvSpPr>
           <p:cNvPr id="89" name="Google Shape;89;p8"/>
-          <p:cNvSpPr txBox="1"/>
+          <p:cNvSpPr txBox="1">
+            <a:spLocks noGrp="1"/>
+          </p:cNvSpPr>
           <p:nvPr>
             <p:ph type="title"/>
           </p:nvPr>
@@ -7417,7 +7353,7 @@
           </a:prstGeom>
         </p:spPr>
         <p:txBody>
-          <a:bodyPr anchorCtr="0" anchor="ctr" bIns="91425" lIns="91425" spcFirstLastPara="1" rIns="91425" wrap="square" tIns="91425"/>
+          <a:bodyPr spcFirstLastPara="1" wrap="square" lIns="91425" tIns="91425" rIns="91425" bIns="91425" anchor="ctr" anchorCtr="0"/>
           <a:lstStyle>
             <a:lvl1pPr lvl="0">
               <a:spcBef>
@@ -7519,15 +7455,19 @@
               <a:defRPr/>
             </a:lvl9pPr>
           </a:lstStyle>
-          <a:p/>
+          <a:p>
+            <a:endParaRPr/>
+          </a:p>
         </p:txBody>
       </p:sp>
       <p:sp>
         <p:nvSpPr>
           <p:cNvPr id="90" name="Google Shape;90;p8"/>
-          <p:cNvSpPr txBox="1"/>
+          <p:cNvSpPr txBox="1">
+            <a:spLocks noGrp="1"/>
+          </p:cNvSpPr>
           <p:nvPr>
-            <p:ph idx="12" type="sldNum"/>
+            <p:ph type="sldNum" idx="12"/>
           </p:nvPr>
         </p:nvSpPr>
         <p:spPr>
@@ -7540,7 +7480,7 @@
           </a:prstGeom>
         </p:spPr>
         <p:txBody>
-          <a:bodyPr anchorCtr="0" anchor="ctr" bIns="91425" lIns="91425" spcFirstLastPara="1" rIns="91425" wrap="square" tIns="91425">
+          <a:bodyPr spcFirstLastPara="1" wrap="square" lIns="91425" tIns="91425" rIns="91425" bIns="91425" anchor="ctr" anchorCtr="0">
             <a:noAutofit/>
           </a:bodyPr>
           <a:lstStyle>
@@ -7582,7 +7522,7 @@
             </a:lvl9pPr>
           </a:lstStyle>
           <a:p>
-            <a:pPr indent="0" lvl="0" marL="0" rtl="0" algn="r">
+            <a:pPr marL="0" lvl="0" indent="0" algn="r" rtl="0">
               <a:spcBef>
                 <a:spcPts val="0"/>
               </a:spcBef>
@@ -7608,11 +7548,11 @@
 </file>
 
 <file path=ppt/slideLayouts/slideLayout8.xml><?xml version="1.0" encoding="utf-8"?>
-<p:sldLayout xmlns:a="http://schemas.openxmlformats.org/drawingml/2006/main" xmlns:r="http://schemas.openxmlformats.org/officeDocument/2006/relationships" xmlns:mc="http://schemas.openxmlformats.org/markup-compatibility/2006" xmlns:mv="urn:schemas-microsoft-com:mac:vml" xmlns:p="http://schemas.openxmlformats.org/presentationml/2006/main" xmlns:c="http://schemas.openxmlformats.org/drawingml/2006/chart" xmlns:dgm="http://schemas.openxmlformats.org/drawingml/2006/diagram" xmlns:o="urn:schemas-microsoft-com:office:office" xmlns:v="urn:schemas-microsoft-com:vml" xmlns:pvml="urn:schemas-microsoft-com:office:powerpoint" xmlns:com="http://schemas.openxmlformats.org/drawingml/2006/compatibility" xmlns:p14="http://schemas.microsoft.com/office/powerpoint/2010/main" xmlns:p15="http://schemas.microsoft.com/office/powerpoint/2012/main" matchingName="Section title and description">
+<p:sldLayout xmlns:a="http://schemas.openxmlformats.org/drawingml/2006/main" xmlns:r="http://schemas.openxmlformats.org/officeDocument/2006/relationships" xmlns:p="http://schemas.openxmlformats.org/presentationml/2006/main" matchingName="Section title and description">
   <p:cSld name="SECTION_TITLE_AND_DESCRIPTION">
     <p:spTree>
       <p:nvGrpSpPr>
-        <p:cNvPr id="91" name="Shape 91"/>
+        <p:cNvPr id="1" name="Shape 91"/>
         <p:cNvGrpSpPr/>
         <p:nvPr/>
       </p:nvGrpSpPr>
@@ -7651,7 +7591,7 @@
             </a:xfrm>
             <a:prstGeom prst="diagStripe">
               <a:avLst>
-                <a:gd fmla="val 50000" name="adj"/>
+                <a:gd name="adj" fmla="val 50000"/>
               </a:avLst>
             </a:prstGeom>
             <a:solidFill>
@@ -7662,12 +7602,12 @@
             </a:ln>
           </p:spPr>
           <p:txBody>
-            <a:bodyPr anchorCtr="0" anchor="ctr" bIns="91425" lIns="91425" spcFirstLastPara="1" rIns="91425" wrap="square" tIns="91425">
+            <a:bodyPr spcFirstLastPara="1" wrap="square" lIns="91425" tIns="91425" rIns="91425" bIns="91425" anchor="ctr" anchorCtr="0">
               <a:noAutofit/>
             </a:bodyPr>
             <a:lstStyle/>
             <a:p>
-              <a:pPr indent="0" lvl="0" marL="0" rtl="0" algn="l">
+              <a:pPr marL="0" lvl="0" indent="0" algn="l" rtl="0">
                 <a:spcBef>
                   <a:spcPts val="0"/>
                 </a:spcBef>
@@ -7676,9 +7616,6 @@
                 </a:spcAft>
                 <a:buNone/>
               </a:pPr>
-              <a:r>
-                <a:t/>
-              </a:r>
               <a:endParaRPr/>
             </a:p>
           </p:txBody>
@@ -7696,7 +7633,7 @@
             </a:xfrm>
             <a:prstGeom prst="diagStripe">
               <a:avLst>
-                <a:gd fmla="val 50000" name="adj"/>
+                <a:gd name="adj" fmla="val 50000"/>
               </a:avLst>
             </a:prstGeom>
             <a:solidFill>
@@ -7707,12 +7644,12 @@
             </a:ln>
           </p:spPr>
           <p:txBody>
-            <a:bodyPr anchorCtr="0" anchor="ctr" bIns="91425" lIns="91425" spcFirstLastPara="1" rIns="91425" wrap="square" tIns="91425">
+            <a:bodyPr spcFirstLastPara="1" wrap="square" lIns="91425" tIns="91425" rIns="91425" bIns="91425" anchor="ctr" anchorCtr="0">
               <a:noAutofit/>
             </a:bodyPr>
             <a:lstStyle/>
             <a:p>
-              <a:pPr indent="0" lvl="0" marL="0" rtl="0" algn="l">
+              <a:pPr marL="0" lvl="0" indent="0" algn="l" rtl="0">
                 <a:spcBef>
                   <a:spcPts val="0"/>
                 </a:spcBef>
@@ -7721,9 +7658,6 @@
                 </a:spcAft>
                 <a:buNone/>
               </a:pPr>
-              <a:r>
-                <a:t/>
-              </a:r>
               <a:endParaRPr/>
             </a:p>
           </p:txBody>
@@ -7732,7 +7666,9 @@
       <p:sp>
         <p:nvSpPr>
           <p:cNvPr id="95" name="Google Shape;95;p9"/>
-          <p:cNvSpPr txBox="1"/>
+          <p:cNvSpPr txBox="1">
+            <a:spLocks noGrp="1"/>
+          </p:cNvSpPr>
           <p:nvPr>
             <p:ph type="title"/>
           </p:nvPr>
@@ -7747,7 +7683,7 @@
           </a:prstGeom>
         </p:spPr>
         <p:txBody>
-          <a:bodyPr anchorCtr="0" anchor="t" bIns="91425" lIns="91425" spcFirstLastPara="1" rIns="91425" wrap="square" tIns="91425"/>
+          <a:bodyPr spcFirstLastPara="1" wrap="square" lIns="91425" tIns="91425" rIns="91425" bIns="91425" anchor="t" anchorCtr="0"/>
           <a:lstStyle>
             <a:lvl1pPr lvl="0">
               <a:spcBef>
@@ -7849,15 +7785,19 @@
               <a:defRPr sz="2400"/>
             </a:lvl9pPr>
           </a:lstStyle>
-          <a:p/>
+          <a:p>
+            <a:endParaRPr/>
+          </a:p>
         </p:txBody>
       </p:sp>
       <p:sp>
         <p:nvSpPr>
           <p:cNvPr id="96" name="Google Shape;96;p9"/>
-          <p:cNvSpPr txBox="1"/>
+          <p:cNvSpPr txBox="1">
+            <a:spLocks noGrp="1"/>
+          </p:cNvSpPr>
           <p:nvPr>
-            <p:ph idx="1" type="subTitle"/>
+            <p:ph type="subTitle" idx="1"/>
           </p:nvPr>
         </p:nvSpPr>
         <p:spPr>
@@ -7870,7 +7810,7 @@
           </a:prstGeom>
         </p:spPr>
         <p:txBody>
-          <a:bodyPr anchorCtr="0" anchor="t" bIns="91425" lIns="91425" spcFirstLastPara="1" rIns="91425" wrap="square" tIns="91425"/>
+          <a:bodyPr spcFirstLastPara="1" wrap="square" lIns="91425" tIns="91425" rIns="91425" bIns="91425" anchor="t" anchorCtr="0"/>
           <a:lstStyle>
             <a:lvl1pPr lvl="0">
               <a:lnSpc>
@@ -7999,15 +7939,19 @@
               <a:defRPr sz="1300"/>
             </a:lvl9pPr>
           </a:lstStyle>
-          <a:p/>
+          <a:p>
+            <a:endParaRPr/>
+          </a:p>
         </p:txBody>
       </p:sp>
       <p:sp>
         <p:nvSpPr>
           <p:cNvPr id="97" name="Google Shape;97;p9"/>
-          <p:cNvSpPr txBox="1"/>
+          <p:cNvSpPr txBox="1">
+            <a:spLocks noGrp="1"/>
+          </p:cNvSpPr>
           <p:nvPr>
-            <p:ph idx="2" type="body"/>
+            <p:ph type="body" idx="2"/>
           </p:nvPr>
         </p:nvSpPr>
         <p:spPr>
@@ -8020,9 +7964,9 @@
           </a:prstGeom>
         </p:spPr>
         <p:txBody>
-          <a:bodyPr anchorCtr="0" anchor="t" bIns="91425" lIns="91425" spcFirstLastPara="1" rIns="91425" wrap="square" tIns="91425"/>
+          <a:bodyPr spcFirstLastPara="1" wrap="square" lIns="91425" tIns="91425" rIns="91425" bIns="91425" anchor="t" anchorCtr="0"/>
           <a:lstStyle>
-            <a:lvl1pPr indent="-311150" lvl="0" marL="457200">
+            <a:lvl1pPr marL="457200" lvl="0" indent="-311150">
               <a:spcBef>
                 <a:spcPts val="0"/>
               </a:spcBef>
@@ -8033,7 +7977,7 @@
               <a:buChar char="●"/>
               <a:defRPr/>
             </a:lvl1pPr>
-            <a:lvl2pPr indent="-298450" lvl="1" marL="914400">
+            <a:lvl2pPr marL="914400" lvl="1" indent="-298450">
               <a:spcBef>
                 <a:spcPts val="1600"/>
               </a:spcBef>
@@ -8044,7 +7988,7 @@
               <a:buChar char="○"/>
               <a:defRPr/>
             </a:lvl2pPr>
-            <a:lvl3pPr indent="-298450" lvl="2" marL="1371600">
+            <a:lvl3pPr marL="1371600" lvl="2" indent="-298450">
               <a:spcBef>
                 <a:spcPts val="1600"/>
               </a:spcBef>
@@ -8055,7 +7999,7 @@
               <a:buChar char="■"/>
               <a:defRPr/>
             </a:lvl3pPr>
-            <a:lvl4pPr indent="-298450" lvl="3" marL="1828800">
+            <a:lvl4pPr marL="1828800" lvl="3" indent="-298450">
               <a:spcBef>
                 <a:spcPts val="1600"/>
               </a:spcBef>
@@ -8066,7 +8010,7 @@
               <a:buChar char="●"/>
               <a:defRPr/>
             </a:lvl4pPr>
-            <a:lvl5pPr indent="-298450" lvl="4" marL="2286000">
+            <a:lvl5pPr marL="2286000" lvl="4" indent="-298450">
               <a:spcBef>
                 <a:spcPts val="1600"/>
               </a:spcBef>
@@ -8077,7 +8021,7 @@
               <a:buChar char="○"/>
               <a:defRPr/>
             </a:lvl5pPr>
-            <a:lvl6pPr indent="-298450" lvl="5" marL="2743200">
+            <a:lvl6pPr marL="2743200" lvl="5" indent="-298450">
               <a:spcBef>
                 <a:spcPts val="1600"/>
               </a:spcBef>
@@ -8088,7 +8032,7 @@
               <a:buChar char="■"/>
               <a:defRPr/>
             </a:lvl6pPr>
-            <a:lvl7pPr indent="-298450" lvl="6" marL="3200400">
+            <a:lvl7pPr marL="3200400" lvl="6" indent="-298450">
               <a:spcBef>
                 <a:spcPts val="1600"/>
               </a:spcBef>
@@ -8099,7 +8043,7 @@
               <a:buChar char="●"/>
               <a:defRPr/>
             </a:lvl7pPr>
-            <a:lvl8pPr indent="-298450" lvl="7" marL="3657600">
+            <a:lvl8pPr marL="3657600" lvl="7" indent="-298450">
               <a:spcBef>
                 <a:spcPts val="1600"/>
               </a:spcBef>
@@ -8110,7 +8054,7 @@
               <a:buChar char="○"/>
               <a:defRPr/>
             </a:lvl8pPr>
-            <a:lvl9pPr indent="-298450" lvl="8" marL="4114800">
+            <a:lvl9pPr marL="4114800" lvl="8" indent="-298450">
               <a:spcBef>
                 <a:spcPts val="1600"/>
               </a:spcBef>
@@ -8122,15 +8066,19 @@
               <a:defRPr/>
             </a:lvl9pPr>
           </a:lstStyle>
-          <a:p/>
+          <a:p>
+            <a:endParaRPr/>
+          </a:p>
         </p:txBody>
       </p:sp>
       <p:sp>
         <p:nvSpPr>
           <p:cNvPr id="98" name="Google Shape;98;p9"/>
-          <p:cNvSpPr txBox="1"/>
+          <p:cNvSpPr txBox="1">
+            <a:spLocks noGrp="1"/>
+          </p:cNvSpPr>
           <p:nvPr>
-            <p:ph idx="12" type="sldNum"/>
+            <p:ph type="sldNum" idx="12"/>
           </p:nvPr>
         </p:nvSpPr>
         <p:spPr>
@@ -8143,7 +8091,7 @@
           </a:prstGeom>
         </p:spPr>
         <p:txBody>
-          <a:bodyPr anchorCtr="0" anchor="ctr" bIns="91425" lIns="91425" spcFirstLastPara="1" rIns="91425" wrap="square" tIns="91425">
+          <a:bodyPr spcFirstLastPara="1" wrap="square" lIns="91425" tIns="91425" rIns="91425" bIns="91425" anchor="ctr" anchorCtr="0">
             <a:noAutofit/>
           </a:bodyPr>
           <a:lstStyle>
@@ -8185,7 +8133,7 @@
             </a:lvl9pPr>
           </a:lstStyle>
           <a:p>
-            <a:pPr indent="0" lvl="0" marL="0" rtl="0" algn="r">
+            <a:pPr marL="0" lvl="0" indent="0" algn="r" rtl="0">
               <a:spcBef>
                 <a:spcPts val="0"/>
               </a:spcBef>
@@ -8211,11 +8159,11 @@
 </file>
 
 <file path=ppt/slideLayouts/slideLayout9.xml><?xml version="1.0" encoding="utf-8"?>
-<p:sldLayout xmlns:a="http://schemas.openxmlformats.org/drawingml/2006/main" xmlns:r="http://schemas.openxmlformats.org/officeDocument/2006/relationships" xmlns:mc="http://schemas.openxmlformats.org/markup-compatibility/2006" xmlns:mv="urn:schemas-microsoft-com:mac:vml" xmlns:p="http://schemas.openxmlformats.org/presentationml/2006/main" xmlns:c="http://schemas.openxmlformats.org/drawingml/2006/chart" xmlns:dgm="http://schemas.openxmlformats.org/drawingml/2006/diagram" xmlns:o="urn:schemas-microsoft-com:office:office" xmlns:v="urn:schemas-microsoft-com:vml" xmlns:pvml="urn:schemas-microsoft-com:office:powerpoint" xmlns:com="http://schemas.openxmlformats.org/drawingml/2006/compatibility" xmlns:p14="http://schemas.microsoft.com/office/powerpoint/2010/main" xmlns:p15="http://schemas.microsoft.com/office/powerpoint/2012/main" matchingName="Caption">
+<p:sldLayout xmlns:a="http://schemas.openxmlformats.org/drawingml/2006/main" xmlns:r="http://schemas.openxmlformats.org/officeDocument/2006/relationships" xmlns:p="http://schemas.openxmlformats.org/presentationml/2006/main" matchingName="Caption">
   <p:cSld name="CAPTION_ONLY">
     <p:spTree>
       <p:nvGrpSpPr>
-        <p:cNvPr id="99" name="Shape 99"/>
+        <p:cNvPr id="1" name="Shape 99"/>
         <p:cNvGrpSpPr/>
         <p:nvPr/>
       </p:nvGrpSpPr>
@@ -8254,7 +8202,7 @@
             </a:xfrm>
             <a:prstGeom prst="diagStripe">
               <a:avLst>
-                <a:gd fmla="val 50000" name="adj"/>
+                <a:gd name="adj" fmla="val 50000"/>
               </a:avLst>
             </a:prstGeom>
             <a:solidFill>
@@ -8267,12 +8215,12 @@
             </a:ln>
           </p:spPr>
           <p:txBody>
-            <a:bodyPr anchorCtr="0" anchor="ctr" bIns="91425" lIns="91425" spcFirstLastPara="1" rIns="91425" wrap="square" tIns="91425">
+            <a:bodyPr spcFirstLastPara="1" wrap="square" lIns="91425" tIns="91425" rIns="91425" bIns="91425" anchor="ctr" anchorCtr="0">
               <a:noAutofit/>
             </a:bodyPr>
             <a:lstStyle/>
             <a:p>
-              <a:pPr indent="0" lvl="0" marL="0" rtl="0" algn="l">
+              <a:pPr marL="0" lvl="0" indent="0" algn="l" rtl="0">
                 <a:spcBef>
                   <a:spcPts val="0"/>
                 </a:spcBef>
@@ -8281,9 +8229,6 @@
                 </a:spcAft>
                 <a:buNone/>
               </a:pPr>
-              <a:r>
-                <a:t/>
-              </a:r>
               <a:endParaRPr/>
             </a:p>
           </p:txBody>
@@ -8301,7 +8246,7 @@
             </a:xfrm>
             <a:prstGeom prst="diagStripe">
               <a:avLst>
-                <a:gd fmla="val 50000" name="adj"/>
+                <a:gd name="adj" fmla="val 50000"/>
               </a:avLst>
             </a:prstGeom>
             <a:solidFill>
@@ -8314,12 +8259,12 @@
             </a:ln>
           </p:spPr>
           <p:txBody>
-            <a:bodyPr anchorCtr="0" anchor="ctr" bIns="91425" lIns="91425" spcFirstLastPara="1" rIns="91425" wrap="square" tIns="91425">
+            <a:bodyPr spcFirstLastPara="1" wrap="square" lIns="91425" tIns="91425" rIns="91425" bIns="91425" anchor="ctr" anchorCtr="0">
               <a:noAutofit/>
             </a:bodyPr>
             <a:lstStyle/>
             <a:p>
-              <a:pPr indent="0" lvl="0" marL="0" rtl="0" algn="l">
+              <a:pPr marL="0" lvl="0" indent="0" algn="l" rtl="0">
                 <a:spcBef>
                   <a:spcPts val="0"/>
                 </a:spcBef>
@@ -8328,9 +8273,6 @@
                 </a:spcAft>
                 <a:buNone/>
               </a:pPr>
-              <a:r>
-                <a:t/>
-              </a:r>
               <a:endParaRPr/>
             </a:p>
           </p:txBody>
@@ -8339,9 +8281,11 @@
       <p:sp>
         <p:nvSpPr>
           <p:cNvPr id="103" name="Google Shape;103;p10"/>
-          <p:cNvSpPr txBox="1"/>
+          <p:cNvSpPr txBox="1">
+            <a:spLocks noGrp="1"/>
+          </p:cNvSpPr>
           <p:nvPr>
-            <p:ph idx="1" type="body"/>
+            <p:ph type="body" idx="1"/>
           </p:nvPr>
         </p:nvSpPr>
         <p:spPr>
@@ -8354,9 +8298,9 @@
           </a:prstGeom>
         </p:spPr>
         <p:txBody>
-          <a:bodyPr anchorCtr="0" anchor="ctr" bIns="91425" lIns="91425" spcFirstLastPara="1" rIns="91425" wrap="square" tIns="91425"/>
+          <a:bodyPr spcFirstLastPara="1" wrap="square" lIns="91425" tIns="91425" rIns="91425" bIns="91425" anchor="ctr" anchorCtr="0"/>
           <a:lstStyle>
-            <a:lvl1pPr indent="-228600" lvl="0" marL="457200">
+            <a:lvl1pPr marL="457200" lvl="0" indent="-228600">
               <a:lnSpc>
                 <a:spcPct val="100000"/>
               </a:lnSpc>
@@ -8371,15 +8315,19 @@
               <a:defRPr/>
             </a:lvl1pPr>
           </a:lstStyle>
-          <a:p/>
+          <a:p>
+            <a:endParaRPr/>
+          </a:p>
         </p:txBody>
       </p:sp>
       <p:sp>
         <p:nvSpPr>
           <p:cNvPr id="104" name="Google Shape;104;p10"/>
-          <p:cNvSpPr txBox="1"/>
+          <p:cNvSpPr txBox="1">
+            <a:spLocks noGrp="1"/>
+          </p:cNvSpPr>
           <p:nvPr>
-            <p:ph idx="12" type="sldNum"/>
+            <p:ph type="sldNum" idx="12"/>
           </p:nvPr>
         </p:nvSpPr>
         <p:spPr>
@@ -8392,7 +8340,7 @@
           </a:prstGeom>
         </p:spPr>
         <p:txBody>
-          <a:bodyPr anchorCtr="0" anchor="ctr" bIns="91425" lIns="91425" spcFirstLastPara="1" rIns="91425" wrap="square" tIns="91425">
+          <a:bodyPr spcFirstLastPara="1" wrap="square" lIns="91425" tIns="91425" rIns="91425" bIns="91425" anchor="ctr" anchorCtr="0">
             <a:noAutofit/>
           </a:bodyPr>
           <a:lstStyle>
@@ -8434,7 +8382,7 @@
             </a:lvl9pPr>
           </a:lstStyle>
           <a:p>
-            <a:pPr indent="0" lvl="0" marL="0" rtl="0" algn="r">
+            <a:pPr marL="0" lvl="0" indent="0" algn="r" rtl="0">
               <a:spcBef>
                 <a:spcPts val="0"/>
               </a:spcBef>
@@ -8460,18 +8408,19 @@
 </file>
 
 <file path=ppt/slideMasters/slideMaster1.xml><?xml version="1.0" encoding="utf-8"?>
-<p:sldMaster xmlns:a="http://schemas.openxmlformats.org/drawingml/2006/main" xmlns:r="http://schemas.openxmlformats.org/officeDocument/2006/relationships" xmlns:mc="http://schemas.openxmlformats.org/markup-compatibility/2006" xmlns:mv="urn:schemas-microsoft-com:mac:vml" xmlns:p="http://schemas.openxmlformats.org/presentationml/2006/main" xmlns:c="http://schemas.openxmlformats.org/drawingml/2006/chart" xmlns:dgm="http://schemas.openxmlformats.org/drawingml/2006/diagram" xmlns:o="urn:schemas-microsoft-com:office:office" xmlns:v="urn:schemas-microsoft-com:vml" xmlns:pvml="urn:schemas-microsoft-com:office:powerpoint" xmlns:com="http://schemas.openxmlformats.org/drawingml/2006/compatibility" xmlns:p14="http://schemas.microsoft.com/office/powerpoint/2010/main" xmlns:p15="http://schemas.microsoft.com/office/powerpoint/2012/main">
+<p:sldMaster xmlns:a="http://schemas.openxmlformats.org/drawingml/2006/main" xmlns:r="http://schemas.openxmlformats.org/officeDocument/2006/relationships" xmlns:p="http://schemas.openxmlformats.org/presentationml/2006/main">
   <p:cSld name="focus">
     <p:bg>
       <p:bgPr>
         <a:solidFill>
           <a:schemeClr val="dk1"/>
         </a:solidFill>
+        <a:effectLst/>
       </p:bgPr>
     </p:bg>
     <p:spTree>
       <p:nvGrpSpPr>
-        <p:cNvPr id="5" name="Shape 5"/>
+        <p:cNvPr id="1" name="Shape 5"/>
         <p:cNvGrpSpPr/>
         <p:nvPr/>
       </p:nvGrpSpPr>
@@ -8486,7 +8435,9 @@
       <p:sp>
         <p:nvSpPr>
           <p:cNvPr id="6" name="Google Shape;6;p1"/>
-          <p:cNvSpPr txBox="1"/>
+          <p:cNvSpPr txBox="1">
+            <a:spLocks noGrp="1"/>
+          </p:cNvSpPr>
           <p:nvPr>
             <p:ph type="title"/>
           </p:nvPr>
@@ -8505,7 +8456,7 @@
           </a:ln>
         </p:spPr>
         <p:txBody>
-          <a:bodyPr anchorCtr="0" anchor="t" bIns="91425" lIns="91425" spcFirstLastPara="1" rIns="91425" wrap="square" tIns="91425"/>
+          <a:bodyPr spcFirstLastPara="1" wrap="square" lIns="91425" tIns="91425" rIns="91425" bIns="91425" anchor="t" anchorCtr="0"/>
           <a:lstStyle>
             <a:lvl1pPr lvl="0">
               <a:spcBef>
@@ -8715,15 +8666,19 @@
               </a:defRPr>
             </a:lvl9pPr>
           </a:lstStyle>
-          <a:p/>
+          <a:p>
+            <a:endParaRPr/>
+          </a:p>
         </p:txBody>
       </p:sp>
       <p:sp>
         <p:nvSpPr>
           <p:cNvPr id="7" name="Google Shape;7;p1"/>
-          <p:cNvSpPr txBox="1"/>
+          <p:cNvSpPr txBox="1">
+            <a:spLocks noGrp="1"/>
+          </p:cNvSpPr>
           <p:nvPr>
-            <p:ph idx="1" type="body"/>
+            <p:ph type="body" idx="1"/>
           </p:nvPr>
         </p:nvSpPr>
         <p:spPr>
@@ -8740,9 +8695,9 @@
           </a:ln>
         </p:spPr>
         <p:txBody>
-          <a:bodyPr anchorCtr="0" anchor="t" bIns="91425" lIns="91425" spcFirstLastPara="1" rIns="91425" wrap="square" tIns="91425"/>
+          <a:bodyPr spcFirstLastPara="1" wrap="square" lIns="91425" tIns="91425" rIns="91425" bIns="91425" anchor="t" anchorCtr="0"/>
           <a:lstStyle>
-            <a:lvl1pPr indent="-311150" lvl="0" marL="457200">
+            <a:lvl1pPr marL="457200" lvl="0" indent="-311150">
               <a:lnSpc>
                 <a:spcPct val="115000"/>
               </a:lnSpc>
@@ -8768,7 +8723,7 @@
                 <a:sym typeface="Lato"/>
               </a:defRPr>
             </a:lvl1pPr>
-            <a:lvl2pPr indent="-298450" lvl="1" marL="914400">
+            <a:lvl2pPr marL="914400" lvl="1" indent="-298450">
               <a:lnSpc>
                 <a:spcPct val="115000"/>
               </a:lnSpc>
@@ -8794,7 +8749,7 @@
                 <a:sym typeface="Lato"/>
               </a:defRPr>
             </a:lvl2pPr>
-            <a:lvl3pPr indent="-298450" lvl="2" marL="1371600">
+            <a:lvl3pPr marL="1371600" lvl="2" indent="-298450">
               <a:lnSpc>
                 <a:spcPct val="115000"/>
               </a:lnSpc>
@@ -8820,7 +8775,7 @@
                 <a:sym typeface="Lato"/>
               </a:defRPr>
             </a:lvl3pPr>
-            <a:lvl4pPr indent="-298450" lvl="3" marL="1828800">
+            <a:lvl4pPr marL="1828800" lvl="3" indent="-298450">
               <a:lnSpc>
                 <a:spcPct val="115000"/>
               </a:lnSpc>
@@ -8846,7 +8801,7 @@
                 <a:sym typeface="Lato"/>
               </a:defRPr>
             </a:lvl4pPr>
-            <a:lvl5pPr indent="-298450" lvl="4" marL="2286000">
+            <a:lvl5pPr marL="2286000" lvl="4" indent="-298450">
               <a:lnSpc>
                 <a:spcPct val="115000"/>
               </a:lnSpc>
@@ -8872,7 +8827,7 @@
                 <a:sym typeface="Lato"/>
               </a:defRPr>
             </a:lvl5pPr>
-            <a:lvl6pPr indent="-298450" lvl="5" marL="2743200">
+            <a:lvl6pPr marL="2743200" lvl="5" indent="-298450">
               <a:lnSpc>
                 <a:spcPct val="115000"/>
               </a:lnSpc>
@@ -8898,7 +8853,7 @@
                 <a:sym typeface="Lato"/>
               </a:defRPr>
             </a:lvl6pPr>
-            <a:lvl7pPr indent="-298450" lvl="6" marL="3200400">
+            <a:lvl7pPr marL="3200400" lvl="6" indent="-298450">
               <a:lnSpc>
                 <a:spcPct val="115000"/>
               </a:lnSpc>
@@ -8924,7 +8879,7 @@
                 <a:sym typeface="Lato"/>
               </a:defRPr>
             </a:lvl7pPr>
-            <a:lvl8pPr indent="-298450" lvl="7" marL="3657600">
+            <a:lvl8pPr marL="3657600" lvl="7" indent="-298450">
               <a:lnSpc>
                 <a:spcPct val="115000"/>
               </a:lnSpc>
@@ -8950,7 +8905,7 @@
                 <a:sym typeface="Lato"/>
               </a:defRPr>
             </a:lvl8pPr>
-            <a:lvl9pPr indent="-298450" lvl="8" marL="4114800">
+            <a:lvl9pPr marL="4114800" lvl="8" indent="-298450">
               <a:lnSpc>
                 <a:spcPct val="115000"/>
               </a:lnSpc>
@@ -8977,15 +8932,19 @@
               </a:defRPr>
             </a:lvl9pPr>
           </a:lstStyle>
-          <a:p/>
+          <a:p>
+            <a:endParaRPr/>
+          </a:p>
         </p:txBody>
       </p:sp>
       <p:sp>
         <p:nvSpPr>
           <p:cNvPr id="8" name="Google Shape;8;p1"/>
-          <p:cNvSpPr txBox="1"/>
+          <p:cNvSpPr txBox="1">
+            <a:spLocks noGrp="1"/>
+          </p:cNvSpPr>
           <p:nvPr>
-            <p:ph idx="12" type="sldNum"/>
+            <p:ph type="sldNum" idx="12"/>
           </p:nvPr>
         </p:nvSpPr>
         <p:spPr>
@@ -9002,7 +8961,7 @@
           </a:ln>
         </p:spPr>
         <p:txBody>
-          <a:bodyPr anchorCtr="0" anchor="ctr" bIns="91425" lIns="91425" spcFirstLastPara="1" rIns="91425" wrap="square" tIns="91425">
+          <a:bodyPr spcFirstLastPara="1" wrap="square" lIns="91425" tIns="91425" rIns="91425" bIns="91425" anchor="ctr" anchorCtr="0">
             <a:noAutofit/>
           </a:bodyPr>
           <a:lstStyle>
@@ -9116,7 +9075,7 @@
             </a:lvl9pPr>
           </a:lstStyle>
           <a:p>
-            <a:pPr indent="0" lvl="0" marL="0" rtl="0" algn="r">
+            <a:pPr marL="0" lvl="0" indent="0" algn="r" rtl="0">
               <a:spcBef>
                 <a:spcPts val="0"/>
               </a:spcBef>
@@ -9135,7 +9094,7 @@
       </p:sp>
     </p:spTree>
   </p:cSld>
-  <p:clrMap accent1="accent1" accent2="accent2" accent3="accent3" accent4="accent4" accent5="accent5" accent6="accent6" bg1="lt1" bg2="dk2" tx1="dk1" tx2="lt2" folHlink="folHlink" hlink="hlink"/>
+  <p:clrMap bg1="lt1" tx1="dk1" bg2="dk2" tx2="lt2" accent1="accent1" accent2="accent2" accent3="accent3" accent4="accent4" accent5="accent5" accent6="accent6" hlink="hlink" folHlink="folHlink"/>
   <p:sldLayoutIdLst>
     <p:sldLayoutId id="2147483648" r:id="rId1"/>
     <p:sldLayoutId id="2147483649" r:id="rId2"/>
@@ -9149,10 +9108,10 @@
     <p:sldLayoutId id="2147483657" r:id="rId10"/>
     <p:sldLayoutId id="2147483658" r:id="rId11"/>
   </p:sldLayoutIdLst>
-  <p:hf dt="0" ftr="0" hdr="0" sldNum="0"/>
+  <p:hf sldNum="0" hdr="0" ftr="0" dt="0"/>
   <p:txStyles>
     <p:titleStyle>
-      <a:defPPr lvl="0" marR="0" rtl="0" algn="l">
+      <a:defPPr marR="0" lvl="0" algn="l" rtl="0">
         <a:lnSpc>
           <a:spcPct val="100000"/>
         </a:lnSpc>
@@ -9163,7 +9122,7 @@
           <a:spcPts val="0"/>
         </a:spcAft>
       </a:defPPr>
-      <a:lvl1pPr lvl="0" marR="0" rtl="0" algn="l">
+      <a:lvl1pPr marR="0" lvl="0" algn="l" rtl="0">
         <a:lnSpc>
           <a:spcPct val="100000"/>
         </a:lnSpc>
@@ -9177,7 +9136,7 @@
           <a:srgbClr val="000000"/>
         </a:buClr>
         <a:buFont typeface="Arial"/>
-        <a:defRPr b="0" i="0" sz="1400" u="none" cap="none" strike="noStrike">
+        <a:defRPr sz="1400" b="0" i="0" u="none" strike="noStrike" cap="none">
           <a:solidFill>
             <a:srgbClr val="000000"/>
           </a:solidFill>
@@ -9187,7 +9146,7 @@
           <a:sym typeface="Arial"/>
         </a:defRPr>
       </a:lvl1pPr>
-      <a:lvl2pPr lvl="1" marR="0" rtl="0" algn="l">
+      <a:lvl2pPr marR="0" lvl="1" algn="l" rtl="0">
         <a:lnSpc>
           <a:spcPct val="100000"/>
         </a:lnSpc>
@@ -9201,7 +9160,7 @@
           <a:srgbClr val="000000"/>
         </a:buClr>
         <a:buFont typeface="Arial"/>
-        <a:defRPr b="0" i="0" sz="1400" u="none" cap="none" strike="noStrike">
+        <a:defRPr sz="1400" b="0" i="0" u="none" strike="noStrike" cap="none">
           <a:solidFill>
             <a:srgbClr val="000000"/>
           </a:solidFill>
@@ -9211,7 +9170,7 @@
           <a:sym typeface="Arial"/>
         </a:defRPr>
       </a:lvl2pPr>
-      <a:lvl3pPr lvl="2" marR="0" rtl="0" algn="l">
+      <a:lvl3pPr marR="0" lvl="2" algn="l" rtl="0">
         <a:lnSpc>
           <a:spcPct val="100000"/>
         </a:lnSpc>
@@ -9225,7 +9184,7 @@
           <a:srgbClr val="000000"/>
         </a:buClr>
         <a:buFont typeface="Arial"/>
-        <a:defRPr b="0" i="0" sz="1400" u="none" cap="none" strike="noStrike">
+        <a:defRPr sz="1400" b="0" i="0" u="none" strike="noStrike" cap="none">
           <a:solidFill>
             <a:srgbClr val="000000"/>
           </a:solidFill>
@@ -9235,7 +9194,7 @@
           <a:sym typeface="Arial"/>
         </a:defRPr>
       </a:lvl3pPr>
-      <a:lvl4pPr lvl="3" marR="0" rtl="0" algn="l">
+      <a:lvl4pPr marR="0" lvl="3" algn="l" rtl="0">
         <a:lnSpc>
           <a:spcPct val="100000"/>
         </a:lnSpc>
@@ -9249,7 +9208,7 @@
           <a:srgbClr val="000000"/>
         </a:buClr>
         <a:buFont typeface="Arial"/>
-        <a:defRPr b="0" i="0" sz="1400" u="none" cap="none" strike="noStrike">
+        <a:defRPr sz="1400" b="0" i="0" u="none" strike="noStrike" cap="none">
           <a:solidFill>
             <a:srgbClr val="000000"/>
           </a:solidFill>
@@ -9259,7 +9218,7 @@
           <a:sym typeface="Arial"/>
         </a:defRPr>
       </a:lvl4pPr>
-      <a:lvl5pPr lvl="4" marR="0" rtl="0" algn="l">
+      <a:lvl5pPr marR="0" lvl="4" algn="l" rtl="0">
         <a:lnSpc>
           <a:spcPct val="100000"/>
         </a:lnSpc>
@@ -9273,7 +9232,7 @@
           <a:srgbClr val="000000"/>
         </a:buClr>
         <a:buFont typeface="Arial"/>
-        <a:defRPr b="0" i="0" sz="1400" u="none" cap="none" strike="noStrike">
+        <a:defRPr sz="1400" b="0" i="0" u="none" strike="noStrike" cap="none">
           <a:solidFill>
             <a:srgbClr val="000000"/>
           </a:solidFill>
@@ -9283,7 +9242,7 @@
           <a:sym typeface="Arial"/>
         </a:defRPr>
       </a:lvl5pPr>
-      <a:lvl6pPr lvl="5" marR="0" rtl="0" algn="l">
+      <a:lvl6pPr marR="0" lvl="5" algn="l" rtl="0">
         <a:lnSpc>
           <a:spcPct val="100000"/>
         </a:lnSpc>
@@ -9297,7 +9256,7 @@
           <a:srgbClr val="000000"/>
         </a:buClr>
         <a:buFont typeface="Arial"/>
-        <a:defRPr b="0" i="0" sz="1400" u="none" cap="none" strike="noStrike">
+        <a:defRPr sz="1400" b="0" i="0" u="none" strike="noStrike" cap="none">
           <a:solidFill>
             <a:srgbClr val="000000"/>
           </a:solidFill>
@@ -9307,7 +9266,7 @@
           <a:sym typeface="Arial"/>
         </a:defRPr>
       </a:lvl6pPr>
-      <a:lvl7pPr lvl="6" marR="0" rtl="0" algn="l">
+      <a:lvl7pPr marR="0" lvl="6" algn="l" rtl="0">
         <a:lnSpc>
           <a:spcPct val="100000"/>
         </a:lnSpc>
@@ -9321,7 +9280,7 @@
           <a:srgbClr val="000000"/>
         </a:buClr>
         <a:buFont typeface="Arial"/>
-        <a:defRPr b="0" i="0" sz="1400" u="none" cap="none" strike="noStrike">
+        <a:defRPr sz="1400" b="0" i="0" u="none" strike="noStrike" cap="none">
           <a:solidFill>
             <a:srgbClr val="000000"/>
           </a:solidFill>
@@ -9331,7 +9290,7 @@
           <a:sym typeface="Arial"/>
         </a:defRPr>
       </a:lvl7pPr>
-      <a:lvl8pPr lvl="7" marR="0" rtl="0" algn="l">
+      <a:lvl8pPr marR="0" lvl="7" algn="l" rtl="0">
         <a:lnSpc>
           <a:spcPct val="100000"/>
         </a:lnSpc>
@@ -9345,7 +9304,7 @@
           <a:srgbClr val="000000"/>
         </a:buClr>
         <a:buFont typeface="Arial"/>
-        <a:defRPr b="0" i="0" sz="1400" u="none" cap="none" strike="noStrike">
+        <a:defRPr sz="1400" b="0" i="0" u="none" strike="noStrike" cap="none">
           <a:solidFill>
             <a:srgbClr val="000000"/>
           </a:solidFill>
@@ -9355,7 +9314,7 @@
           <a:sym typeface="Arial"/>
         </a:defRPr>
       </a:lvl8pPr>
-      <a:lvl9pPr lvl="8" marR="0" rtl="0" algn="l">
+      <a:lvl9pPr marR="0" lvl="8" algn="l" rtl="0">
         <a:lnSpc>
           <a:spcPct val="100000"/>
         </a:lnSpc>
@@ -9369,7 +9328,7 @@
           <a:srgbClr val="000000"/>
         </a:buClr>
         <a:buFont typeface="Arial"/>
-        <a:defRPr b="0" i="0" sz="1400" u="none" cap="none" strike="noStrike">
+        <a:defRPr sz="1400" b="0" i="0" u="none" strike="noStrike" cap="none">
           <a:solidFill>
             <a:srgbClr val="000000"/>
           </a:solidFill>
@@ -9381,7 +9340,7 @@
       </a:lvl9pPr>
     </p:titleStyle>
     <p:bodyStyle>
-      <a:defPPr lvl="0" marR="0" rtl="0" algn="l">
+      <a:defPPr marR="0" lvl="0" algn="l" rtl="0">
         <a:lnSpc>
           <a:spcPct val="100000"/>
         </a:lnSpc>
@@ -9392,7 +9351,7 @@
           <a:spcPts val="0"/>
         </a:spcAft>
       </a:defPPr>
-      <a:lvl1pPr lvl="0" marR="0" rtl="0" algn="l">
+      <a:lvl1pPr marR="0" lvl="0" algn="l" rtl="0">
         <a:lnSpc>
           <a:spcPct val="100000"/>
         </a:lnSpc>
@@ -9406,7 +9365,7 @@
           <a:srgbClr val="000000"/>
         </a:buClr>
         <a:buFont typeface="Arial"/>
-        <a:defRPr b="0" i="0" sz="1400" u="none" cap="none" strike="noStrike">
+        <a:defRPr sz="1400" b="0" i="0" u="none" strike="noStrike" cap="none">
           <a:solidFill>
             <a:srgbClr val="000000"/>
           </a:solidFill>
@@ -9416,7 +9375,7 @@
           <a:sym typeface="Arial"/>
         </a:defRPr>
       </a:lvl1pPr>
-      <a:lvl2pPr lvl="1" marR="0" rtl="0" algn="l">
+      <a:lvl2pPr marR="0" lvl="1" algn="l" rtl="0">
         <a:lnSpc>
           <a:spcPct val="100000"/>
         </a:lnSpc>
@@ -9430,7 +9389,7 @@
           <a:srgbClr val="000000"/>
         </a:buClr>
         <a:buFont typeface="Arial"/>
-        <a:defRPr b="0" i="0" sz="1400" u="none" cap="none" strike="noStrike">
+        <a:defRPr sz="1400" b="0" i="0" u="none" strike="noStrike" cap="none">
           <a:solidFill>
             <a:srgbClr val="000000"/>
           </a:solidFill>
@@ -9440,7 +9399,7 @@
           <a:sym typeface="Arial"/>
         </a:defRPr>
       </a:lvl2pPr>
-      <a:lvl3pPr lvl="2" marR="0" rtl="0" algn="l">
+      <a:lvl3pPr marR="0" lvl="2" algn="l" rtl="0">
         <a:lnSpc>
           <a:spcPct val="100000"/>
         </a:lnSpc>
@@ -9454,7 +9413,7 @@
           <a:srgbClr val="000000"/>
         </a:buClr>
         <a:buFont typeface="Arial"/>
-        <a:defRPr b="0" i="0" sz="1400" u="none" cap="none" strike="noStrike">
+        <a:defRPr sz="1400" b="0" i="0" u="none" strike="noStrike" cap="none">
           <a:solidFill>
             <a:srgbClr val="000000"/>
           </a:solidFill>
@@ -9464,7 +9423,7 @@
           <a:sym typeface="Arial"/>
         </a:defRPr>
       </a:lvl3pPr>
-      <a:lvl4pPr lvl="3" marR="0" rtl="0" algn="l">
+      <a:lvl4pPr marR="0" lvl="3" algn="l" rtl="0">
         <a:lnSpc>
           <a:spcPct val="100000"/>
         </a:lnSpc>
@@ -9478,7 +9437,7 @@
           <a:srgbClr val="000000"/>
         </a:buClr>
         <a:buFont typeface="Arial"/>
-        <a:defRPr b="0" i="0" sz="1400" u="none" cap="none" strike="noStrike">
+        <a:defRPr sz="1400" b="0" i="0" u="none" strike="noStrike" cap="none">
           <a:solidFill>
             <a:srgbClr val="000000"/>
           </a:solidFill>
@@ -9488,7 +9447,7 @@
           <a:sym typeface="Arial"/>
         </a:defRPr>
       </a:lvl4pPr>
-      <a:lvl5pPr lvl="4" marR="0" rtl="0" algn="l">
+      <a:lvl5pPr marR="0" lvl="4" algn="l" rtl="0">
         <a:lnSpc>
           <a:spcPct val="100000"/>
         </a:lnSpc>
@@ -9502,7 +9461,7 @@
           <a:srgbClr val="000000"/>
         </a:buClr>
         <a:buFont typeface="Arial"/>
-        <a:defRPr b="0" i="0" sz="1400" u="none" cap="none" strike="noStrike">
+        <a:defRPr sz="1400" b="0" i="0" u="none" strike="noStrike" cap="none">
           <a:solidFill>
             <a:srgbClr val="000000"/>
           </a:solidFill>
@@ -9512,7 +9471,7 @@
           <a:sym typeface="Arial"/>
         </a:defRPr>
       </a:lvl5pPr>
-      <a:lvl6pPr lvl="5" marR="0" rtl="0" algn="l">
+      <a:lvl6pPr marR="0" lvl="5" algn="l" rtl="0">
         <a:lnSpc>
           <a:spcPct val="100000"/>
         </a:lnSpc>
@@ -9526,7 +9485,7 @@
           <a:srgbClr val="000000"/>
         </a:buClr>
         <a:buFont typeface="Arial"/>
-        <a:defRPr b="0" i="0" sz="1400" u="none" cap="none" strike="noStrike">
+        <a:defRPr sz="1400" b="0" i="0" u="none" strike="noStrike" cap="none">
           <a:solidFill>
             <a:srgbClr val="000000"/>
           </a:solidFill>
@@ -9536,7 +9495,7 @@
           <a:sym typeface="Arial"/>
         </a:defRPr>
       </a:lvl6pPr>
-      <a:lvl7pPr lvl="6" marR="0" rtl="0" algn="l">
+      <a:lvl7pPr marR="0" lvl="6" algn="l" rtl="0">
         <a:lnSpc>
           <a:spcPct val="100000"/>
         </a:lnSpc>
@@ -9550,7 +9509,7 @@
           <a:srgbClr val="000000"/>
         </a:buClr>
         <a:buFont typeface="Arial"/>
-        <a:defRPr b="0" i="0" sz="1400" u="none" cap="none" strike="noStrike">
+        <a:defRPr sz="1400" b="0" i="0" u="none" strike="noStrike" cap="none">
           <a:solidFill>
             <a:srgbClr val="000000"/>
           </a:solidFill>
@@ -9560,7 +9519,7 @@
           <a:sym typeface="Arial"/>
         </a:defRPr>
       </a:lvl7pPr>
-      <a:lvl8pPr lvl="7" marR="0" rtl="0" algn="l">
+      <a:lvl8pPr marR="0" lvl="7" algn="l" rtl="0">
         <a:lnSpc>
           <a:spcPct val="100000"/>
         </a:lnSpc>
@@ -9574,7 +9533,7 @@
           <a:srgbClr val="000000"/>
         </a:buClr>
         <a:buFont typeface="Arial"/>
-        <a:defRPr b="0" i="0" sz="1400" u="none" cap="none" strike="noStrike">
+        <a:defRPr sz="1400" b="0" i="0" u="none" strike="noStrike" cap="none">
           <a:solidFill>
             <a:srgbClr val="000000"/>
           </a:solidFill>
@@ -9584,7 +9543,7 @@
           <a:sym typeface="Arial"/>
         </a:defRPr>
       </a:lvl8pPr>
-      <a:lvl9pPr lvl="8" marR="0" rtl="0" algn="l">
+      <a:lvl9pPr marR="0" lvl="8" algn="l" rtl="0">
         <a:lnSpc>
           <a:spcPct val="100000"/>
         </a:lnSpc>
@@ -9598,7 +9557,7 @@
           <a:srgbClr val="000000"/>
         </a:buClr>
         <a:buFont typeface="Arial"/>
-        <a:defRPr b="0" i="0" sz="1400" u="none" cap="none" strike="noStrike">
+        <a:defRPr sz="1400" b="0" i="0" u="none" strike="noStrike" cap="none">
           <a:solidFill>
             <a:srgbClr val="000000"/>
           </a:solidFill>
@@ -9610,7 +9569,7 @@
       </a:lvl9pPr>
     </p:bodyStyle>
     <p:otherStyle>
-      <a:defPPr lvl="0" marR="0" rtl="0" algn="l">
+      <a:defPPr marR="0" lvl="0" algn="l" rtl="0">
         <a:lnSpc>
           <a:spcPct val="100000"/>
         </a:lnSpc>
@@ -9621,7 +9580,7 @@
           <a:spcPts val="0"/>
         </a:spcAft>
       </a:defPPr>
-      <a:lvl1pPr lvl="0" marR="0" rtl="0" algn="l">
+      <a:lvl1pPr marR="0" lvl="0" algn="l" rtl="0">
         <a:lnSpc>
           <a:spcPct val="100000"/>
         </a:lnSpc>
@@ -9635,7 +9594,7 @@
           <a:srgbClr val="000000"/>
         </a:buClr>
         <a:buFont typeface="Arial"/>
-        <a:defRPr b="0" i="0" sz="1400" u="none" cap="none" strike="noStrike">
+        <a:defRPr sz="1400" b="0" i="0" u="none" strike="noStrike" cap="none">
           <a:solidFill>
             <a:srgbClr val="000000"/>
           </a:solidFill>
@@ -9645,7 +9604,7 @@
           <a:sym typeface="Arial"/>
         </a:defRPr>
       </a:lvl1pPr>
-      <a:lvl2pPr lvl="1" marR="0" rtl="0" algn="l">
+      <a:lvl2pPr marR="0" lvl="1" algn="l" rtl="0">
         <a:lnSpc>
           <a:spcPct val="100000"/>
         </a:lnSpc>
@@ -9659,7 +9618,7 @@
           <a:srgbClr val="000000"/>
         </a:buClr>
         <a:buFont typeface="Arial"/>
-        <a:defRPr b="0" i="0" sz="1400" u="none" cap="none" strike="noStrike">
+        <a:defRPr sz="1400" b="0" i="0" u="none" strike="noStrike" cap="none">
           <a:solidFill>
             <a:srgbClr val="000000"/>
           </a:solidFill>
@@ -9669,7 +9628,7 @@
           <a:sym typeface="Arial"/>
         </a:defRPr>
       </a:lvl2pPr>
-      <a:lvl3pPr lvl="2" marR="0" rtl="0" algn="l">
+      <a:lvl3pPr marR="0" lvl="2" algn="l" rtl="0">
         <a:lnSpc>
           <a:spcPct val="100000"/>
         </a:lnSpc>
@@ -9683,7 +9642,7 @@
           <a:srgbClr val="000000"/>
         </a:buClr>
         <a:buFont typeface="Arial"/>
-        <a:defRPr b="0" i="0" sz="1400" u="none" cap="none" strike="noStrike">
+        <a:defRPr sz="1400" b="0" i="0" u="none" strike="noStrike" cap="none">
           <a:solidFill>
             <a:srgbClr val="000000"/>
           </a:solidFill>
@@ -9693,7 +9652,7 @@
           <a:sym typeface="Arial"/>
         </a:defRPr>
       </a:lvl3pPr>
-      <a:lvl4pPr lvl="3" marR="0" rtl="0" algn="l">
+      <a:lvl4pPr marR="0" lvl="3" algn="l" rtl="0">
         <a:lnSpc>
           <a:spcPct val="100000"/>
         </a:lnSpc>
@@ -9707,7 +9666,7 @@
           <a:srgbClr val="000000"/>
         </a:buClr>
         <a:buFont typeface="Arial"/>
-        <a:defRPr b="0" i="0" sz="1400" u="none" cap="none" strike="noStrike">
+        <a:defRPr sz="1400" b="0" i="0" u="none" strike="noStrike" cap="none">
           <a:solidFill>
             <a:srgbClr val="000000"/>
           </a:solidFill>
@@ -9717,7 +9676,7 @@
           <a:sym typeface="Arial"/>
         </a:defRPr>
       </a:lvl4pPr>
-      <a:lvl5pPr lvl="4" marR="0" rtl="0" algn="l">
+      <a:lvl5pPr marR="0" lvl="4" algn="l" rtl="0">
         <a:lnSpc>
           <a:spcPct val="100000"/>
         </a:lnSpc>
@@ -9731,7 +9690,7 @@
           <a:srgbClr val="000000"/>
         </a:buClr>
         <a:buFont typeface="Arial"/>
-        <a:defRPr b="0" i="0" sz="1400" u="none" cap="none" strike="noStrike">
+        <a:defRPr sz="1400" b="0" i="0" u="none" strike="noStrike" cap="none">
           <a:solidFill>
             <a:srgbClr val="000000"/>
           </a:solidFill>
@@ -9741,7 +9700,7 @@
           <a:sym typeface="Arial"/>
         </a:defRPr>
       </a:lvl5pPr>
-      <a:lvl6pPr lvl="5" marR="0" rtl="0" algn="l">
+      <a:lvl6pPr marR="0" lvl="5" algn="l" rtl="0">
         <a:lnSpc>
           <a:spcPct val="100000"/>
         </a:lnSpc>
@@ -9755,7 +9714,7 @@
           <a:srgbClr val="000000"/>
         </a:buClr>
         <a:buFont typeface="Arial"/>
-        <a:defRPr b="0" i="0" sz="1400" u="none" cap="none" strike="noStrike">
+        <a:defRPr sz="1400" b="0" i="0" u="none" strike="noStrike" cap="none">
           <a:solidFill>
             <a:srgbClr val="000000"/>
           </a:solidFill>
@@ -9765,7 +9724,7 @@
           <a:sym typeface="Arial"/>
         </a:defRPr>
       </a:lvl6pPr>
-      <a:lvl7pPr lvl="6" marR="0" rtl="0" algn="l">
+      <a:lvl7pPr marR="0" lvl="6" algn="l" rtl="0">
         <a:lnSpc>
           <a:spcPct val="100000"/>
         </a:lnSpc>
@@ -9779,7 +9738,7 @@
           <a:srgbClr val="000000"/>
         </a:buClr>
         <a:buFont typeface="Arial"/>
-        <a:defRPr b="0" i="0" sz="1400" u="none" cap="none" strike="noStrike">
+        <a:defRPr sz="1400" b="0" i="0" u="none" strike="noStrike" cap="none">
           <a:solidFill>
             <a:srgbClr val="000000"/>
           </a:solidFill>
@@ -9789,7 +9748,7 @@
           <a:sym typeface="Arial"/>
         </a:defRPr>
       </a:lvl7pPr>
-      <a:lvl8pPr lvl="7" marR="0" rtl="0" algn="l">
+      <a:lvl8pPr marR="0" lvl="7" algn="l" rtl="0">
         <a:lnSpc>
           <a:spcPct val="100000"/>
         </a:lnSpc>
@@ -9803,7 +9762,7 @@
           <a:srgbClr val="000000"/>
         </a:buClr>
         <a:buFont typeface="Arial"/>
-        <a:defRPr b="0" i="0" sz="1400" u="none" cap="none" strike="noStrike">
+        <a:defRPr sz="1400" b="0" i="0" u="none" strike="noStrike" cap="none">
           <a:solidFill>
             <a:srgbClr val="000000"/>
           </a:solidFill>
@@ -9813,7 +9772,7 @@
           <a:sym typeface="Arial"/>
         </a:defRPr>
       </a:lvl8pPr>
-      <a:lvl9pPr lvl="8" marR="0" rtl="0" algn="l">
+      <a:lvl9pPr marR="0" lvl="8" algn="l" rtl="0">
         <a:lnSpc>
           <a:spcPct val="100000"/>
         </a:lnSpc>
@@ -9827,7 +9786,7 @@
           <a:srgbClr val="000000"/>
         </a:buClr>
         <a:buFont typeface="Arial"/>
-        <a:defRPr b="0" i="0" sz="1400" u="none" cap="none" strike="noStrike">
+        <a:defRPr sz="1400" b="0" i="0" u="none" strike="noStrike" cap="none">
           <a:solidFill>
             <a:srgbClr val="000000"/>
           </a:solidFill>
@@ -9843,18 +9802,19 @@
 </file>
 
 <file path=ppt/slides/slide1.xml><?xml version="1.0" encoding="utf-8"?>
-<p:sld xmlns:a="http://schemas.openxmlformats.org/drawingml/2006/main" xmlns:r="http://schemas.openxmlformats.org/officeDocument/2006/relationships" xmlns:mc="http://schemas.openxmlformats.org/markup-compatibility/2006" xmlns:mv="urn:schemas-microsoft-com:mac:vml" xmlns:p="http://schemas.openxmlformats.org/presentationml/2006/main" xmlns:c="http://schemas.openxmlformats.org/drawingml/2006/chart" xmlns:dgm="http://schemas.openxmlformats.org/drawingml/2006/diagram" xmlns:o="urn:schemas-microsoft-com:office:office" xmlns:v="urn:schemas-microsoft-com:vml" xmlns:pvml="urn:schemas-microsoft-com:office:powerpoint" xmlns:com="http://schemas.openxmlformats.org/drawingml/2006/compatibility" xmlns:p14="http://schemas.microsoft.com/office/powerpoint/2010/main" xmlns:p15="http://schemas.microsoft.com/office/powerpoint/2012/main">
+<p:sld xmlns:a="http://schemas.openxmlformats.org/drawingml/2006/main" xmlns:r="http://schemas.openxmlformats.org/officeDocument/2006/relationships" xmlns:p="http://schemas.openxmlformats.org/presentationml/2006/main">
   <p:cSld>
     <p:bg>
       <p:bgPr>
         <a:solidFill>
           <a:srgbClr val="000000"/>
         </a:solidFill>
+        <a:effectLst/>
       </p:bgPr>
     </p:bg>
     <p:spTree>
       <p:nvGrpSpPr>
-        <p:cNvPr id="133" name="Shape 133"/>
+        <p:cNvPr id="1" name="Shape 133"/>
         <p:cNvGrpSpPr/>
         <p:nvPr/>
       </p:nvGrpSpPr>
@@ -9869,7 +9829,9 @@
       <p:sp>
         <p:nvSpPr>
           <p:cNvPr id="134" name="Google Shape;134;p13"/>
-          <p:cNvSpPr txBox="1"/>
+          <p:cNvSpPr txBox="1">
+            <a:spLocks noGrp="1"/>
+          </p:cNvSpPr>
           <p:nvPr>
             <p:ph type="ctrTitle"/>
           </p:nvPr>
@@ -9884,12 +9846,12 @@
           </a:prstGeom>
         </p:spPr>
         <p:txBody>
-          <a:bodyPr anchorCtr="0" anchor="t" bIns="91425" lIns="91425" spcFirstLastPara="1" rIns="91425" wrap="square" tIns="91425">
+          <a:bodyPr spcFirstLastPara="1" wrap="square" lIns="91425" tIns="91425" rIns="91425" bIns="91425" anchor="t" anchorCtr="0">
             <a:noAutofit/>
           </a:bodyPr>
           <a:lstStyle/>
           <a:p>
-            <a:pPr indent="0" lvl="0" marL="0" rtl="0" algn="ctr">
+            <a:pPr marL="0" lvl="0" indent="0" algn="ctr" rtl="0">
               <a:spcBef>
                 <a:spcPts val="0"/>
               </a:spcBef>
@@ -9899,7 +9861,7 @@
               <a:buNone/>
             </a:pPr>
             <a:r>
-              <a:rPr lang="en">
+              <a:rPr lang="en" dirty="0">
                 <a:latin typeface="Impact"/>
                 <a:ea typeface="Impact"/>
                 <a:cs typeface="Impact"/>
@@ -9907,7 +9869,7 @@
               </a:rPr>
               <a:t>CIS 454 Project 2</a:t>
             </a:r>
-            <a:endParaRPr>
+            <a:endParaRPr dirty="0">
               <a:latin typeface="Impact"/>
               <a:ea typeface="Impact"/>
               <a:cs typeface="Impact"/>
@@ -9915,7 +9877,7 @@
             </a:endParaRPr>
           </a:p>
           <a:p>
-            <a:pPr indent="0" lvl="0" marL="0" rtl="0" algn="ctr">
+            <a:pPr marL="0" lvl="0" indent="0" algn="ctr" rtl="0">
               <a:spcBef>
                 <a:spcPts val="0"/>
               </a:spcBef>
@@ -9925,15 +9887,33 @@
               <a:buNone/>
             </a:pPr>
             <a:r>
-              <a:rPr lang="en">
+              <a:rPr lang="en" dirty="0">
                 <a:latin typeface="Impact"/>
                 <a:ea typeface="Impact"/>
                 <a:cs typeface="Impact"/>
                 <a:sym typeface="Impact"/>
               </a:rPr>
-              <a:t>“Sphere Moving Game”</a:t>
+              <a:t>“Sphere Movin</a:t>
             </a:r>
-            <a:endParaRPr>
+            <a:r>
+              <a:rPr lang="en-US" dirty="0">
+                <a:latin typeface="Impact"/>
+                <a:ea typeface="Impact"/>
+                <a:cs typeface="Impact"/>
+                <a:sym typeface="Impact"/>
+              </a:rPr>
+              <a:t>g</a:t>
+            </a:r>
+            <a:r>
+              <a:rPr lang="en" dirty="0">
+                <a:latin typeface="Impact"/>
+                <a:ea typeface="Impact"/>
+                <a:cs typeface="Impact"/>
+                <a:sym typeface="Impact"/>
+              </a:rPr>
+              <a:t>”</a:t>
+            </a:r>
+            <a:endParaRPr dirty="0">
               <a:latin typeface="Impact"/>
               <a:ea typeface="Impact"/>
               <a:cs typeface="Impact"/>
@@ -9945,9 +9925,11 @@
       <p:sp>
         <p:nvSpPr>
           <p:cNvPr id="135" name="Google Shape;135;p13"/>
-          <p:cNvSpPr txBox="1"/>
+          <p:cNvSpPr txBox="1">
+            <a:spLocks noGrp="1"/>
+          </p:cNvSpPr>
           <p:nvPr>
-            <p:ph idx="1" type="subTitle"/>
+            <p:ph type="subTitle" idx="1"/>
           </p:nvPr>
         </p:nvSpPr>
         <p:spPr>
@@ -9960,12 +9942,12 @@
           </a:prstGeom>
         </p:spPr>
         <p:txBody>
-          <a:bodyPr anchorCtr="0" anchor="t" bIns="91425" lIns="91425" spcFirstLastPara="1" rIns="91425" wrap="square" tIns="91425">
+          <a:bodyPr spcFirstLastPara="1" wrap="square" lIns="91425" tIns="91425" rIns="91425" bIns="91425" anchor="t" anchorCtr="0">
             <a:noAutofit/>
           </a:bodyPr>
           <a:lstStyle/>
           <a:p>
-            <a:pPr indent="0" lvl="0" marL="0" rtl="0" algn="l">
+            <a:pPr marL="0" lvl="0" indent="0" algn="l" rtl="0">
               <a:spcBef>
                 <a:spcPts val="0"/>
               </a:spcBef>
@@ -10001,18 +9983,19 @@
 </file>
 
 <file path=ppt/slides/slide10.xml><?xml version="1.0" encoding="utf-8"?>
-<p:sld xmlns:a="http://schemas.openxmlformats.org/drawingml/2006/main" xmlns:r="http://schemas.openxmlformats.org/officeDocument/2006/relationships" xmlns:mc="http://schemas.openxmlformats.org/markup-compatibility/2006" xmlns:mv="urn:schemas-microsoft-com:mac:vml" xmlns:p="http://schemas.openxmlformats.org/presentationml/2006/main" xmlns:c="http://schemas.openxmlformats.org/drawingml/2006/chart" xmlns:dgm="http://schemas.openxmlformats.org/drawingml/2006/diagram" xmlns:o="urn:schemas-microsoft-com:office:office" xmlns:v="urn:schemas-microsoft-com:vml" xmlns:pvml="urn:schemas-microsoft-com:office:powerpoint" xmlns:com="http://schemas.openxmlformats.org/drawingml/2006/compatibility" xmlns:p14="http://schemas.microsoft.com/office/powerpoint/2010/main" xmlns:p15="http://schemas.microsoft.com/office/powerpoint/2012/main">
+<p:sld xmlns:a="http://schemas.openxmlformats.org/drawingml/2006/main" xmlns:r="http://schemas.openxmlformats.org/officeDocument/2006/relationships" xmlns:p="http://schemas.openxmlformats.org/presentationml/2006/main">
   <p:cSld>
     <p:bg>
       <p:bgPr>
         <a:solidFill>
           <a:srgbClr val="000000"/>
         </a:solidFill>
+        <a:effectLst/>
       </p:bgPr>
     </p:bg>
     <p:spTree>
       <p:nvGrpSpPr>
-        <p:cNvPr id="190" name="Shape 190"/>
+        <p:cNvPr id="1" name="Shape 190"/>
         <p:cNvGrpSpPr/>
         <p:nvPr/>
       </p:nvGrpSpPr>
@@ -10027,9 +10010,11 @@
       <p:sp>
         <p:nvSpPr>
           <p:cNvPr id="191" name="Google Shape;191;p22"/>
-          <p:cNvSpPr txBox="1"/>
+          <p:cNvSpPr txBox="1">
+            <a:spLocks noGrp="1"/>
+          </p:cNvSpPr>
           <p:nvPr>
-            <p:ph idx="1" type="body"/>
+            <p:ph type="body" idx="1"/>
           </p:nvPr>
         </p:nvSpPr>
         <p:spPr>
@@ -10042,12 +10027,12 @@
           </a:prstGeom>
         </p:spPr>
         <p:txBody>
-          <a:bodyPr anchorCtr="0" anchor="t" bIns="91425" lIns="91425" spcFirstLastPara="1" rIns="91425" wrap="square" tIns="91425">
+          <a:bodyPr spcFirstLastPara="1" wrap="square" lIns="91425" tIns="91425" rIns="91425" bIns="91425" anchor="t" anchorCtr="0">
             <a:noAutofit/>
           </a:bodyPr>
           <a:lstStyle/>
           <a:p>
-            <a:pPr indent="0" lvl="0" marL="0" rtl="0" algn="l">
+            <a:pPr marL="0" lvl="0" indent="0" algn="l" rtl="0">
               <a:spcBef>
                 <a:spcPts val="0"/>
               </a:spcBef>
@@ -10081,11 +10066,11 @@
 </file>
 
 <file path=ppt/slides/slide2.xml><?xml version="1.0" encoding="utf-8"?>
-<p:sld xmlns:a="http://schemas.openxmlformats.org/drawingml/2006/main" xmlns:r="http://schemas.openxmlformats.org/officeDocument/2006/relationships" xmlns:mc="http://schemas.openxmlformats.org/markup-compatibility/2006" xmlns:mv="urn:schemas-microsoft-com:mac:vml" xmlns:p="http://schemas.openxmlformats.org/presentationml/2006/main" xmlns:c="http://schemas.openxmlformats.org/drawingml/2006/chart" xmlns:dgm="http://schemas.openxmlformats.org/drawingml/2006/diagram" xmlns:o="urn:schemas-microsoft-com:office:office" xmlns:v="urn:schemas-microsoft-com:vml" xmlns:pvml="urn:schemas-microsoft-com:office:powerpoint" xmlns:com="http://schemas.openxmlformats.org/drawingml/2006/compatibility" xmlns:p14="http://schemas.microsoft.com/office/powerpoint/2010/main" xmlns:p15="http://schemas.microsoft.com/office/powerpoint/2012/main">
+<p:sld xmlns:a="http://schemas.openxmlformats.org/drawingml/2006/main" xmlns:r="http://schemas.openxmlformats.org/officeDocument/2006/relationships" xmlns:p="http://schemas.openxmlformats.org/presentationml/2006/main">
   <p:cSld>
     <p:spTree>
       <p:nvGrpSpPr>
-        <p:cNvPr id="139" name="Shape 139"/>
+        <p:cNvPr id="1" name="Shape 139"/>
         <p:cNvGrpSpPr/>
         <p:nvPr/>
       </p:nvGrpSpPr>
@@ -10100,7 +10085,9 @@
       <p:sp>
         <p:nvSpPr>
           <p:cNvPr id="140" name="Google Shape;140;p14"/>
-          <p:cNvSpPr txBox="1"/>
+          <p:cNvSpPr txBox="1">
+            <a:spLocks noGrp="1"/>
+          </p:cNvSpPr>
           <p:nvPr>
             <p:ph type="title"/>
           </p:nvPr>
@@ -10115,12 +10102,12 @@
           </a:prstGeom>
         </p:spPr>
         <p:txBody>
-          <a:bodyPr anchorCtr="0" anchor="t" bIns="91425" lIns="91425" spcFirstLastPara="1" rIns="91425" wrap="square" tIns="91425">
+          <a:bodyPr spcFirstLastPara="1" wrap="square" lIns="91425" tIns="91425" rIns="91425" bIns="91425" anchor="t" anchorCtr="0">
             <a:noAutofit/>
           </a:bodyPr>
           <a:lstStyle/>
           <a:p>
-            <a:pPr indent="0" lvl="0" marL="0" rtl="0" algn="l">
+            <a:pPr marL="0" lvl="0" indent="0" algn="l" rtl="0">
               <a:spcBef>
                 <a:spcPts val="0"/>
               </a:spcBef>
@@ -10140,9 +10127,11 @@
       <p:sp>
         <p:nvSpPr>
           <p:cNvPr id="141" name="Google Shape;141;p14"/>
-          <p:cNvSpPr txBox="1"/>
+          <p:cNvSpPr txBox="1">
+            <a:spLocks noGrp="1"/>
+          </p:cNvSpPr>
           <p:nvPr>
-            <p:ph idx="1" type="body"/>
+            <p:ph type="body" idx="1"/>
           </p:nvPr>
         </p:nvSpPr>
         <p:spPr>
@@ -10155,12 +10144,12 @@
           </a:prstGeom>
         </p:spPr>
         <p:txBody>
-          <a:bodyPr anchorCtr="0" anchor="t" bIns="91425" lIns="91425" spcFirstLastPara="1" rIns="91425" wrap="square" tIns="91425">
+          <a:bodyPr spcFirstLastPara="1" wrap="square" lIns="91425" tIns="91425" rIns="91425" bIns="91425" anchor="t" anchorCtr="0">
             <a:noAutofit/>
           </a:bodyPr>
           <a:lstStyle/>
           <a:p>
-            <a:pPr indent="-381000" lvl="0" marL="914400" marR="0" rtl="0" algn="l">
+            <a:pPr marL="914400" marR="0" lvl="0" indent="-381000" algn="l" rtl="0">
               <a:lnSpc>
                 <a:spcPct val="150000"/>
               </a:lnSpc>
@@ -10180,7 +10169,7 @@
             <a:endParaRPr sz="2400"/>
           </a:p>
           <a:p>
-            <a:pPr indent="-381000" lvl="1" marL="1371600" marR="0" rtl="0" algn="l">
+            <a:pPr marL="1371600" marR="0" lvl="1" indent="-381000" algn="l" rtl="0">
               <a:lnSpc>
                 <a:spcPct val="150000"/>
               </a:lnSpc>
@@ -10200,7 +10189,7 @@
             <a:endParaRPr sz="2400"/>
           </a:p>
           <a:p>
-            <a:pPr indent="-381000" lvl="1" marL="1371600" marR="0" rtl="0" algn="l">
+            <a:pPr marL="1371600" marR="0" lvl="1" indent="-381000" algn="l" rtl="0">
               <a:lnSpc>
                 <a:spcPct val="150000"/>
               </a:lnSpc>
@@ -10220,7 +10209,7 @@
             <a:endParaRPr sz="2400"/>
           </a:p>
           <a:p>
-            <a:pPr indent="-381000" lvl="0" marL="914400" marR="0" rtl="0" algn="l">
+            <a:pPr marL="914400" marR="0" lvl="0" indent="-381000" algn="l" rtl="0">
               <a:lnSpc>
                 <a:spcPct val="150000"/>
               </a:lnSpc>
@@ -10240,7 +10229,7 @@
             <a:endParaRPr sz="2400"/>
           </a:p>
           <a:p>
-            <a:pPr indent="-381000" lvl="1" marL="1371600" marR="0" rtl="0" algn="l">
+            <a:pPr marL="1371600" marR="0" lvl="1" indent="-381000" algn="l" rtl="0">
               <a:lnSpc>
                 <a:spcPct val="150000"/>
               </a:lnSpc>
@@ -10260,7 +10249,7 @@
             <a:endParaRPr sz="2400"/>
           </a:p>
           <a:p>
-            <a:pPr indent="-381000" lvl="1" marL="1371600" marR="0" rtl="0" algn="l">
+            <a:pPr marL="1371600" marR="0" lvl="1" indent="-381000" algn="l" rtl="0">
               <a:lnSpc>
                 <a:spcPct val="150000"/>
               </a:lnSpc>
@@ -10280,7 +10269,7 @@
             <a:endParaRPr sz="2400"/>
           </a:p>
           <a:p>
-            <a:pPr indent="0" lvl="0" marL="914400" marR="0" rtl="0" algn="l">
+            <a:pPr marL="914400" marR="0" lvl="0" indent="0" algn="l" rtl="0">
               <a:lnSpc>
                 <a:spcPct val="115000"/>
               </a:lnSpc>
@@ -10292,13 +10281,10 @@
               </a:spcAft>
               <a:buNone/>
             </a:pPr>
-            <a:r>
-              <a:t/>
-            </a:r>
             <a:endParaRPr/>
           </a:p>
           <a:p>
-            <a:pPr indent="0" lvl="0" marL="0" marR="0" rtl="0" algn="l">
+            <a:pPr marL="0" marR="0" lvl="0" indent="0" algn="l" rtl="0">
               <a:lnSpc>
                 <a:spcPct val="115000"/>
               </a:lnSpc>
@@ -10310,9 +10296,6 @@
               </a:spcAft>
               <a:buNone/>
             </a:pPr>
-            <a:r>
-              <a:t/>
-            </a:r>
             <a:endParaRPr/>
           </a:p>
         </p:txBody>
@@ -10326,11 +10309,11 @@
 </file>
 
 <file path=ppt/slides/slide3.xml><?xml version="1.0" encoding="utf-8"?>
-<p:sld xmlns:a="http://schemas.openxmlformats.org/drawingml/2006/main" xmlns:r="http://schemas.openxmlformats.org/officeDocument/2006/relationships" xmlns:mc="http://schemas.openxmlformats.org/markup-compatibility/2006" xmlns:mv="urn:schemas-microsoft-com:mac:vml" xmlns:p="http://schemas.openxmlformats.org/presentationml/2006/main" xmlns:c="http://schemas.openxmlformats.org/drawingml/2006/chart" xmlns:dgm="http://schemas.openxmlformats.org/drawingml/2006/diagram" xmlns:o="urn:schemas-microsoft-com:office:office" xmlns:v="urn:schemas-microsoft-com:vml" xmlns:pvml="urn:schemas-microsoft-com:office:powerpoint" xmlns:com="http://schemas.openxmlformats.org/drawingml/2006/compatibility" xmlns:p14="http://schemas.microsoft.com/office/powerpoint/2010/main" xmlns:p15="http://schemas.microsoft.com/office/powerpoint/2012/main">
+<p:sld xmlns:a="http://schemas.openxmlformats.org/drawingml/2006/main" xmlns:r="http://schemas.openxmlformats.org/officeDocument/2006/relationships" xmlns:p="http://schemas.openxmlformats.org/presentationml/2006/main">
   <p:cSld>
     <p:spTree>
       <p:nvGrpSpPr>
-        <p:cNvPr id="145" name="Shape 145"/>
+        <p:cNvPr id="1" name="Shape 145"/>
         <p:cNvGrpSpPr/>
         <p:nvPr/>
       </p:nvGrpSpPr>
@@ -10345,7 +10328,9 @@
       <p:sp>
         <p:nvSpPr>
           <p:cNvPr id="146" name="Google Shape;146;p15"/>
-          <p:cNvSpPr txBox="1"/>
+          <p:cNvSpPr txBox="1">
+            <a:spLocks noGrp="1"/>
+          </p:cNvSpPr>
           <p:nvPr>
             <p:ph type="title"/>
           </p:nvPr>
@@ -10360,12 +10345,12 @@
           </a:prstGeom>
         </p:spPr>
         <p:txBody>
-          <a:bodyPr anchorCtr="0" anchor="t" bIns="91425" lIns="91425" spcFirstLastPara="1" rIns="91425" wrap="square" tIns="91425">
+          <a:bodyPr spcFirstLastPara="1" wrap="square" lIns="91425" tIns="91425" rIns="91425" bIns="91425" anchor="t" anchorCtr="0">
             <a:noAutofit/>
           </a:bodyPr>
           <a:lstStyle/>
           <a:p>
-            <a:pPr indent="0" lvl="0" marL="0" rtl="0" algn="l">
+            <a:pPr marL="0" lvl="0" indent="0" algn="l" rtl="0">
               <a:spcBef>
                 <a:spcPts val="0"/>
               </a:spcBef>
@@ -10441,7 +10426,9 @@
       <p:sp>
         <p:nvSpPr>
           <p:cNvPr id="149" name="Google Shape;149;p15"/>
-          <p:cNvSpPr txBox="1"/>
+          <p:cNvSpPr txBox="1">
+            <a:spLocks noGrp="1"/>
+          </p:cNvSpPr>
           <p:nvPr>
             <p:ph type="title"/>
           </p:nvPr>
@@ -10456,12 +10443,12 @@
           </a:prstGeom>
         </p:spPr>
         <p:txBody>
-          <a:bodyPr anchorCtr="0" anchor="t" bIns="91425" lIns="91425" spcFirstLastPara="1" rIns="91425" wrap="square" tIns="91425">
+          <a:bodyPr spcFirstLastPara="1" wrap="square" lIns="91425" tIns="91425" rIns="91425" bIns="91425" anchor="t" anchorCtr="0">
             <a:noAutofit/>
           </a:bodyPr>
           <a:lstStyle/>
           <a:p>
-            <a:pPr indent="0" lvl="0" marL="0" rtl="0" algn="l">
+            <a:pPr marL="0" lvl="0" indent="0" algn="l" rtl="0">
               <a:spcBef>
                 <a:spcPts val="0"/>
               </a:spcBef>
@@ -10481,7 +10468,9 @@
       <p:sp>
         <p:nvSpPr>
           <p:cNvPr id="150" name="Google Shape;150;p15"/>
-          <p:cNvSpPr txBox="1"/>
+          <p:cNvSpPr txBox="1">
+            <a:spLocks noGrp="1"/>
+          </p:cNvSpPr>
           <p:nvPr>
             <p:ph type="title"/>
           </p:nvPr>
@@ -10496,12 +10485,12 @@
           </a:prstGeom>
         </p:spPr>
         <p:txBody>
-          <a:bodyPr anchorCtr="0" anchor="t" bIns="91425" lIns="91425" spcFirstLastPara="1" rIns="91425" wrap="square" tIns="91425">
+          <a:bodyPr spcFirstLastPara="1" wrap="square" lIns="91425" tIns="91425" rIns="91425" bIns="91425" anchor="t" anchorCtr="0">
             <a:noAutofit/>
           </a:bodyPr>
           <a:lstStyle/>
           <a:p>
-            <a:pPr indent="0" lvl="0" marL="0" rtl="0" algn="l">
+            <a:pPr marL="0" lvl="0" indent="0" algn="l" rtl="0">
               <a:spcBef>
                 <a:spcPts val="0"/>
               </a:spcBef>
@@ -10527,11 +10516,11 @@
 </file>
 
 <file path=ppt/slides/slide4.xml><?xml version="1.0" encoding="utf-8"?>
-<p:sld xmlns:a="http://schemas.openxmlformats.org/drawingml/2006/main" xmlns:r="http://schemas.openxmlformats.org/officeDocument/2006/relationships" xmlns:mc="http://schemas.openxmlformats.org/markup-compatibility/2006" xmlns:mv="urn:schemas-microsoft-com:mac:vml" xmlns:p="http://schemas.openxmlformats.org/presentationml/2006/main" xmlns:c="http://schemas.openxmlformats.org/drawingml/2006/chart" xmlns:dgm="http://schemas.openxmlformats.org/drawingml/2006/diagram" xmlns:o="urn:schemas-microsoft-com:office:office" xmlns:v="urn:schemas-microsoft-com:vml" xmlns:pvml="urn:schemas-microsoft-com:office:powerpoint" xmlns:com="http://schemas.openxmlformats.org/drawingml/2006/compatibility" xmlns:p14="http://schemas.microsoft.com/office/powerpoint/2010/main" xmlns:p15="http://schemas.microsoft.com/office/powerpoint/2012/main">
+<p:sld xmlns:a="http://schemas.openxmlformats.org/drawingml/2006/main" xmlns:r="http://schemas.openxmlformats.org/officeDocument/2006/relationships" xmlns:p="http://schemas.openxmlformats.org/presentationml/2006/main">
   <p:cSld>
     <p:spTree>
       <p:nvGrpSpPr>
-        <p:cNvPr id="154" name="Shape 154"/>
+        <p:cNvPr id="1" name="Shape 154"/>
         <p:cNvGrpSpPr/>
         <p:nvPr/>
       </p:nvGrpSpPr>
@@ -10546,7 +10535,9 @@
       <p:sp>
         <p:nvSpPr>
           <p:cNvPr id="155" name="Google Shape;155;p16"/>
-          <p:cNvSpPr txBox="1"/>
+          <p:cNvSpPr txBox="1">
+            <a:spLocks noGrp="1"/>
+          </p:cNvSpPr>
           <p:nvPr>
             <p:ph type="title"/>
           </p:nvPr>
@@ -10561,12 +10552,12 @@
           </a:prstGeom>
         </p:spPr>
         <p:txBody>
-          <a:bodyPr anchorCtr="0" anchor="t" bIns="91425" lIns="91425" spcFirstLastPara="1" rIns="91425" wrap="square" tIns="91425">
+          <a:bodyPr spcFirstLastPara="1" wrap="square" lIns="91425" tIns="91425" rIns="91425" bIns="91425" anchor="t" anchorCtr="0">
             <a:noAutofit/>
           </a:bodyPr>
           <a:lstStyle/>
           <a:p>
-            <a:pPr indent="0" lvl="0" marL="0" rtl="0" algn="l">
+            <a:pPr marL="0" lvl="0" indent="0" algn="l" rtl="0">
               <a:spcBef>
                 <a:spcPts val="0"/>
               </a:spcBef>
@@ -10648,11 +10639,11 @@
 </file>
 
 <file path=ppt/slides/slide5.xml><?xml version="1.0" encoding="utf-8"?>
-<p:sld xmlns:a="http://schemas.openxmlformats.org/drawingml/2006/main" xmlns:r="http://schemas.openxmlformats.org/officeDocument/2006/relationships" xmlns:mc="http://schemas.openxmlformats.org/markup-compatibility/2006" xmlns:mv="urn:schemas-microsoft-com:mac:vml" xmlns:p="http://schemas.openxmlformats.org/presentationml/2006/main" xmlns:c="http://schemas.openxmlformats.org/drawingml/2006/chart" xmlns:dgm="http://schemas.openxmlformats.org/drawingml/2006/diagram" xmlns:o="urn:schemas-microsoft-com:office:office" xmlns:v="urn:schemas-microsoft-com:vml" xmlns:pvml="urn:schemas-microsoft-com:office:powerpoint" xmlns:com="http://schemas.openxmlformats.org/drawingml/2006/compatibility" xmlns:p14="http://schemas.microsoft.com/office/powerpoint/2010/main" xmlns:p15="http://schemas.microsoft.com/office/powerpoint/2012/main">
+<p:sld xmlns:a="http://schemas.openxmlformats.org/drawingml/2006/main" xmlns:r="http://schemas.openxmlformats.org/officeDocument/2006/relationships" xmlns:p="http://schemas.openxmlformats.org/presentationml/2006/main">
   <p:cSld>
     <p:spTree>
       <p:nvGrpSpPr>
-        <p:cNvPr id="161" name="Shape 161"/>
+        <p:cNvPr id="1" name="Shape 161"/>
         <p:cNvGrpSpPr/>
         <p:nvPr/>
       </p:nvGrpSpPr>
@@ -10667,7 +10658,9 @@
       <p:sp>
         <p:nvSpPr>
           <p:cNvPr id="162" name="Google Shape;162;p17"/>
-          <p:cNvSpPr txBox="1"/>
+          <p:cNvSpPr txBox="1">
+            <a:spLocks noGrp="1"/>
+          </p:cNvSpPr>
           <p:nvPr>
             <p:ph type="title"/>
           </p:nvPr>
@@ -10682,12 +10675,12 @@
           </a:prstGeom>
         </p:spPr>
         <p:txBody>
-          <a:bodyPr anchorCtr="0" anchor="t" bIns="91425" lIns="91425" spcFirstLastPara="1" rIns="91425" wrap="square" tIns="91425">
+          <a:bodyPr spcFirstLastPara="1" wrap="square" lIns="91425" tIns="91425" rIns="91425" bIns="91425" anchor="t" anchorCtr="0">
             <a:noAutofit/>
           </a:bodyPr>
           <a:lstStyle/>
           <a:p>
-            <a:pPr indent="0" lvl="0" marL="0" rtl="0" algn="l">
+            <a:pPr marL="0" lvl="0" indent="0" algn="l" rtl="0">
               <a:spcBef>
                 <a:spcPts val="0"/>
               </a:spcBef>
@@ -10769,11 +10762,11 @@
 </file>
 
 <file path=ppt/slides/slide6.xml><?xml version="1.0" encoding="utf-8"?>
-<p:sld xmlns:a="http://schemas.openxmlformats.org/drawingml/2006/main" xmlns:r="http://schemas.openxmlformats.org/officeDocument/2006/relationships" xmlns:mc="http://schemas.openxmlformats.org/markup-compatibility/2006" xmlns:mv="urn:schemas-microsoft-com:mac:vml" xmlns:p="http://schemas.openxmlformats.org/presentationml/2006/main" xmlns:c="http://schemas.openxmlformats.org/drawingml/2006/chart" xmlns:dgm="http://schemas.openxmlformats.org/drawingml/2006/diagram" xmlns:o="urn:schemas-microsoft-com:office:office" xmlns:v="urn:schemas-microsoft-com:vml" xmlns:pvml="urn:schemas-microsoft-com:office:powerpoint" xmlns:com="http://schemas.openxmlformats.org/drawingml/2006/compatibility" xmlns:p14="http://schemas.microsoft.com/office/powerpoint/2010/main" xmlns:p15="http://schemas.microsoft.com/office/powerpoint/2012/main">
+<p:sld xmlns:a="http://schemas.openxmlformats.org/drawingml/2006/main" xmlns:r="http://schemas.openxmlformats.org/officeDocument/2006/relationships" xmlns:p="http://schemas.openxmlformats.org/presentationml/2006/main">
   <p:cSld>
     <p:spTree>
       <p:nvGrpSpPr>
-        <p:cNvPr id="168" name="Shape 168"/>
+        <p:cNvPr id="1" name="Shape 168"/>
         <p:cNvGrpSpPr/>
         <p:nvPr/>
       </p:nvGrpSpPr>
@@ -10788,7 +10781,9 @@
       <p:sp>
         <p:nvSpPr>
           <p:cNvPr id="169" name="Google Shape;169;p18"/>
-          <p:cNvSpPr txBox="1"/>
+          <p:cNvSpPr txBox="1">
+            <a:spLocks noGrp="1"/>
+          </p:cNvSpPr>
           <p:nvPr>
             <p:ph type="title"/>
           </p:nvPr>
@@ -10803,12 +10798,12 @@
           </a:prstGeom>
         </p:spPr>
         <p:txBody>
-          <a:bodyPr anchorCtr="0" anchor="t" bIns="91425" lIns="91425" spcFirstLastPara="1" rIns="91425" wrap="square" tIns="91425">
+          <a:bodyPr spcFirstLastPara="1" wrap="square" lIns="91425" tIns="91425" rIns="91425" bIns="91425" anchor="t" anchorCtr="0">
             <a:noAutofit/>
           </a:bodyPr>
           <a:lstStyle/>
           <a:p>
-            <a:pPr indent="0" lvl="0" marL="0" rtl="0" algn="l">
+            <a:pPr marL="0" lvl="0" indent="0" algn="l" rtl="0">
               <a:spcBef>
                 <a:spcPts val="0"/>
               </a:spcBef>
@@ -10862,11 +10857,11 @@
 </file>
 
 <file path=ppt/slides/slide7.xml><?xml version="1.0" encoding="utf-8"?>
-<p:sld xmlns:a="http://schemas.openxmlformats.org/drawingml/2006/main" xmlns:r="http://schemas.openxmlformats.org/officeDocument/2006/relationships" xmlns:mc="http://schemas.openxmlformats.org/markup-compatibility/2006" xmlns:mv="urn:schemas-microsoft-com:mac:vml" xmlns:p="http://schemas.openxmlformats.org/presentationml/2006/main" xmlns:c="http://schemas.openxmlformats.org/drawingml/2006/chart" xmlns:dgm="http://schemas.openxmlformats.org/drawingml/2006/diagram" xmlns:o="urn:schemas-microsoft-com:office:office" xmlns:v="urn:schemas-microsoft-com:vml" xmlns:pvml="urn:schemas-microsoft-com:office:powerpoint" xmlns:com="http://schemas.openxmlformats.org/drawingml/2006/compatibility" xmlns:p14="http://schemas.microsoft.com/office/powerpoint/2010/main" xmlns:p15="http://schemas.microsoft.com/office/powerpoint/2012/main">
+<p:sld xmlns:a="http://schemas.openxmlformats.org/drawingml/2006/main" xmlns:r="http://schemas.openxmlformats.org/officeDocument/2006/relationships" xmlns:p="http://schemas.openxmlformats.org/presentationml/2006/main">
   <p:cSld>
     <p:spTree>
       <p:nvGrpSpPr>
-        <p:cNvPr id="174" name="Shape 174"/>
+        <p:cNvPr id="1" name="Shape 174"/>
         <p:cNvGrpSpPr/>
         <p:nvPr/>
       </p:nvGrpSpPr>
@@ -10881,7 +10876,9 @@
       <p:sp>
         <p:nvSpPr>
           <p:cNvPr id="175" name="Google Shape;175;p19"/>
-          <p:cNvSpPr txBox="1"/>
+          <p:cNvSpPr txBox="1">
+            <a:spLocks noGrp="1"/>
+          </p:cNvSpPr>
           <p:nvPr>
             <p:ph type="title"/>
           </p:nvPr>
@@ -10896,12 +10893,12 @@
           </a:prstGeom>
         </p:spPr>
         <p:txBody>
-          <a:bodyPr anchorCtr="0" anchor="t" bIns="91425" lIns="91425" spcFirstLastPara="1" rIns="91425" wrap="square" tIns="91425">
+          <a:bodyPr spcFirstLastPara="1" wrap="square" lIns="91425" tIns="91425" rIns="91425" bIns="91425" anchor="t" anchorCtr="0">
             <a:noAutofit/>
           </a:bodyPr>
           <a:lstStyle/>
           <a:p>
-            <a:pPr indent="0" lvl="0" marL="0" rtl="0" algn="l">
+            <a:pPr marL="0" lvl="0" indent="0" algn="l" rtl="0">
               <a:spcBef>
                 <a:spcPts val="0"/>
               </a:spcBef>
@@ -10921,9 +10918,11 @@
       <p:sp>
         <p:nvSpPr>
           <p:cNvPr id="176" name="Google Shape;176;p19"/>
-          <p:cNvSpPr txBox="1"/>
+          <p:cNvSpPr txBox="1">
+            <a:spLocks noGrp="1"/>
+          </p:cNvSpPr>
           <p:nvPr>
-            <p:ph idx="1" type="body"/>
+            <p:ph type="body" idx="1"/>
           </p:nvPr>
         </p:nvSpPr>
         <p:spPr>
@@ -10936,12 +10935,12 @@
           </a:prstGeom>
         </p:spPr>
         <p:txBody>
-          <a:bodyPr anchorCtr="0" anchor="t" bIns="91425" lIns="91425" spcFirstLastPara="1" rIns="91425" wrap="square" tIns="91425">
+          <a:bodyPr spcFirstLastPara="1" wrap="square" lIns="91425" tIns="91425" rIns="91425" bIns="91425" anchor="t" anchorCtr="0">
             <a:noAutofit/>
           </a:bodyPr>
           <a:lstStyle/>
           <a:p>
-            <a:pPr indent="0" lvl="0" marL="0" rtl="0" algn="l">
+            <a:pPr marL="0" lvl="0" indent="0" algn="l" rtl="0">
               <a:spcBef>
                 <a:spcPts val="0"/>
               </a:spcBef>
@@ -10957,7 +10956,7 @@
             <a:endParaRPr/>
           </a:p>
           <a:p>
-            <a:pPr indent="0" lvl="0" marL="0" rtl="0" algn="l">
+            <a:pPr marL="0" lvl="0" indent="0" algn="l" rtl="0">
               <a:spcBef>
                 <a:spcPts val="1600"/>
               </a:spcBef>
@@ -10973,7 +10972,7 @@
             <a:endParaRPr/>
           </a:p>
           <a:p>
-            <a:pPr indent="0" lvl="0" marL="0" rtl="0" algn="l">
+            <a:pPr marL="0" lvl="0" indent="0" algn="l" rtl="0">
               <a:spcBef>
                 <a:spcPts val="1600"/>
               </a:spcBef>
@@ -10989,7 +10988,7 @@
             <a:endParaRPr/>
           </a:p>
           <a:p>
-            <a:pPr indent="0" lvl="0" marL="0" rtl="0" algn="l">
+            <a:pPr marL="0" lvl="0" indent="0" algn="l" rtl="0">
               <a:spcBef>
                 <a:spcPts val="1600"/>
               </a:spcBef>
@@ -11005,7 +11004,7 @@
             <a:endParaRPr/>
           </a:p>
           <a:p>
-            <a:pPr indent="0" lvl="0" marL="0" rtl="0" algn="l">
+            <a:pPr marL="0" lvl="0" indent="0" algn="l" rtl="0">
               <a:spcBef>
                 <a:spcPts val="1600"/>
               </a:spcBef>
@@ -11031,11 +11030,11 @@
 </file>
 
 <file path=ppt/slides/slide8.xml><?xml version="1.0" encoding="utf-8"?>
-<p:sld xmlns:a="http://schemas.openxmlformats.org/drawingml/2006/main" xmlns:r="http://schemas.openxmlformats.org/officeDocument/2006/relationships" xmlns:mc="http://schemas.openxmlformats.org/markup-compatibility/2006" xmlns:mv="urn:schemas-microsoft-com:mac:vml" xmlns:p="http://schemas.openxmlformats.org/presentationml/2006/main" xmlns:c="http://schemas.openxmlformats.org/drawingml/2006/chart" xmlns:dgm="http://schemas.openxmlformats.org/drawingml/2006/diagram" xmlns:o="urn:schemas-microsoft-com:office:office" xmlns:v="urn:schemas-microsoft-com:vml" xmlns:pvml="urn:schemas-microsoft-com:office:powerpoint" xmlns:com="http://schemas.openxmlformats.org/drawingml/2006/compatibility" xmlns:p14="http://schemas.microsoft.com/office/powerpoint/2010/main" xmlns:p15="http://schemas.microsoft.com/office/powerpoint/2012/main">
+<p:sld xmlns:a="http://schemas.openxmlformats.org/drawingml/2006/main" xmlns:r="http://schemas.openxmlformats.org/officeDocument/2006/relationships" xmlns:p="http://schemas.openxmlformats.org/presentationml/2006/main">
   <p:cSld>
     <p:spTree>
       <p:nvGrpSpPr>
-        <p:cNvPr id="180" name="Shape 180"/>
+        <p:cNvPr id="1" name="Shape 180"/>
         <p:cNvGrpSpPr/>
         <p:nvPr/>
       </p:nvGrpSpPr>
@@ -11050,7 +11049,9 @@
       <p:sp>
         <p:nvSpPr>
           <p:cNvPr id="181" name="Google Shape;181;p20"/>
-          <p:cNvSpPr txBox="1"/>
+          <p:cNvSpPr txBox="1">
+            <a:spLocks noGrp="1"/>
+          </p:cNvSpPr>
           <p:nvPr>
             <p:ph type="title"/>
           </p:nvPr>
@@ -11065,12 +11066,12 @@
           </a:prstGeom>
         </p:spPr>
         <p:txBody>
-          <a:bodyPr anchorCtr="0" anchor="t" bIns="91425" lIns="91425" spcFirstLastPara="1" rIns="91425" wrap="square" tIns="91425">
+          <a:bodyPr spcFirstLastPara="1" wrap="square" lIns="91425" tIns="91425" rIns="91425" bIns="91425" anchor="t" anchorCtr="0">
             <a:noAutofit/>
           </a:bodyPr>
           <a:lstStyle/>
           <a:p>
-            <a:pPr indent="0" lvl="0" marL="0" rtl="0" algn="l">
+            <a:pPr marL="0" lvl="0" indent="0" algn="l" rtl="0">
               <a:spcBef>
                 <a:spcPts val="0"/>
               </a:spcBef>
@@ -11094,7 +11095,7 @@
             </a:endParaRPr>
           </a:p>
           <a:p>
-            <a:pPr indent="0" lvl="0" marL="0" rtl="0" algn="l">
+            <a:pPr marL="0" lvl="0" indent="0" algn="l" rtl="0">
               <a:spcBef>
                 <a:spcPts val="0"/>
               </a:spcBef>
@@ -11103,9 +11104,6 @@
               </a:spcAft>
               <a:buNone/>
             </a:pPr>
-            <a:r>
-              <a:t/>
-            </a:r>
             <a:endParaRPr/>
           </a:p>
         </p:txBody>
@@ -11119,11 +11117,11 @@
 </file>
 
 <file path=ppt/slides/slide9.xml><?xml version="1.0" encoding="utf-8"?>
-<p:sld xmlns:a="http://schemas.openxmlformats.org/drawingml/2006/main" xmlns:r="http://schemas.openxmlformats.org/officeDocument/2006/relationships" xmlns:mc="http://schemas.openxmlformats.org/markup-compatibility/2006" xmlns:mv="urn:schemas-microsoft-com:mac:vml" xmlns:p="http://schemas.openxmlformats.org/presentationml/2006/main" xmlns:c="http://schemas.openxmlformats.org/drawingml/2006/chart" xmlns:dgm="http://schemas.openxmlformats.org/drawingml/2006/diagram" xmlns:o="urn:schemas-microsoft-com:office:office" xmlns:v="urn:schemas-microsoft-com:vml" xmlns:pvml="urn:schemas-microsoft-com:office:powerpoint" xmlns:com="http://schemas.openxmlformats.org/drawingml/2006/compatibility" xmlns:p14="http://schemas.microsoft.com/office/powerpoint/2010/main" xmlns:p15="http://schemas.microsoft.com/office/powerpoint/2012/main">
+<p:sld xmlns:a="http://schemas.openxmlformats.org/drawingml/2006/main" xmlns:r="http://schemas.openxmlformats.org/officeDocument/2006/relationships" xmlns:p="http://schemas.openxmlformats.org/presentationml/2006/main">
   <p:cSld>
     <p:spTree>
       <p:nvGrpSpPr>
-        <p:cNvPr id="185" name="Shape 185"/>
+        <p:cNvPr id="1" name="Shape 185"/>
         <p:cNvGrpSpPr/>
         <p:nvPr/>
       </p:nvGrpSpPr>
@@ -11138,7 +11136,9 @@
       <p:sp>
         <p:nvSpPr>
           <p:cNvPr id="186" name="Google Shape;186;p21"/>
-          <p:cNvSpPr txBox="1"/>
+          <p:cNvSpPr txBox="1">
+            <a:spLocks noGrp="1"/>
+          </p:cNvSpPr>
           <p:nvPr>
             <p:ph type="title"/>
           </p:nvPr>
@@ -11153,12 +11153,12 @@
           </a:prstGeom>
         </p:spPr>
         <p:txBody>
-          <a:bodyPr anchorCtr="0" anchor="t" bIns="91425" lIns="91425" spcFirstLastPara="1" rIns="91425" wrap="square" tIns="91425">
+          <a:bodyPr spcFirstLastPara="1" wrap="square" lIns="91425" tIns="91425" rIns="91425" bIns="91425" anchor="t" anchorCtr="0">
             <a:noAutofit/>
           </a:bodyPr>
           <a:lstStyle/>
           <a:p>
-            <a:pPr indent="0" lvl="0" marL="0" rtl="0" algn="ctr">
+            <a:pPr marL="0" lvl="0" indent="0" algn="ctr" rtl="0">
               <a:spcBef>
                 <a:spcPts val="0"/>
               </a:spcBef>
@@ -11192,7 +11192,288 @@
 </file>
 
 <file path=ppt/theme/theme1.xml><?xml version="1.0" encoding="utf-8"?>
-<a:theme xmlns:a="http://schemas.openxmlformats.org/drawingml/2006/main" xmlns:r="http://schemas.openxmlformats.org/officeDocument/2006/relationships">
+<a:theme xmlns:a="http://schemas.openxmlformats.org/drawingml/2006/main" name="Focus">
+  <a:themeElements>
+    <a:clrScheme name="Focus">
+      <a:dk1>
+        <a:srgbClr val="1B212C"/>
+      </a:dk1>
+      <a:lt1>
+        <a:srgbClr val="FFFFFF"/>
+      </a:lt1>
+      <a:dk2>
+        <a:srgbClr val="D9D9D9"/>
+      </a:dk2>
+      <a:lt2>
+        <a:srgbClr val="82C7A5"/>
+      </a:lt2>
+      <a:accent1>
+        <a:srgbClr val="0145AC"/>
+      </a:accent1>
+      <a:accent2>
+        <a:srgbClr val="EECE1A"/>
+      </a:accent2>
+      <a:accent3>
+        <a:srgbClr val="4E5567"/>
+      </a:accent3>
+      <a:accent4>
+        <a:srgbClr val="F4D6AD"/>
+      </a:accent4>
+      <a:accent5>
+        <a:srgbClr val="7890CD"/>
+      </a:accent5>
+      <a:accent6>
+        <a:srgbClr val="F15E22"/>
+      </a:accent6>
+      <a:hlink>
+        <a:srgbClr val="7890CD"/>
+      </a:hlink>
+      <a:folHlink>
+        <a:srgbClr val="7890CD"/>
+      </a:folHlink>
+    </a:clrScheme>
+    <a:fontScheme name="Office">
+      <a:majorFont>
+        <a:latin typeface="Arial"/>
+        <a:ea typeface=""/>
+        <a:cs typeface=""/>
+        <a:font script="Jpan" typeface="ＭＳ Ｐゴシック"/>
+        <a:font script="Hang" typeface="맑은 고딕"/>
+        <a:font script="Hans" typeface="宋体"/>
+        <a:font script="Hant" typeface="新細明體"/>
+        <a:font script="Arab" typeface="Times New Roman"/>
+        <a:font script="Hebr" typeface="Times New Roman"/>
+        <a:font script="Thai" typeface="Angsana New"/>
+        <a:font script="Ethi" typeface="Nyala"/>
+        <a:font script="Beng" typeface="Vrinda"/>
+        <a:font script="Gujr" typeface="Shruti"/>
+        <a:font script="Khmr" typeface="MoolBoran"/>
+        <a:font script="Knda" typeface="Tunga"/>
+        <a:font script="Guru" typeface="Raavi"/>
+        <a:font script="Cans" typeface="Euphemia"/>
+        <a:font script="Cher" typeface="Plantagenet Cherokee"/>
+        <a:font script="Yiii" typeface="Microsoft Yi Baiti"/>
+        <a:font script="Tibt" typeface="Microsoft Himalaya"/>
+        <a:font script="Thaa" typeface="MV Boli"/>
+        <a:font script="Deva" typeface="Mangal"/>
+        <a:font script="Telu" typeface="Gautami"/>
+        <a:font script="Taml" typeface="Latha"/>
+        <a:font script="Syrc" typeface="Estrangelo Edessa"/>
+        <a:font script="Orya" typeface="Kalinga"/>
+        <a:font script="Mlym" typeface="Kartika"/>
+        <a:font script="Laoo" typeface="DokChampa"/>
+        <a:font script="Sinh" typeface="Iskoola Pota"/>
+        <a:font script="Mong" typeface="Mongolian Baiti"/>
+        <a:font script="Viet" typeface="Times New Roman"/>
+        <a:font script="Uigh" typeface="Microsoft Uighur"/>
+        <a:font script="Geor" typeface="Sylfaen"/>
+      </a:majorFont>
+      <a:minorFont>
+        <a:latin typeface="Arial"/>
+        <a:ea typeface=""/>
+        <a:cs typeface=""/>
+        <a:font script="Jpan" typeface="ＭＳ Ｐゴシック"/>
+        <a:font script="Hang" typeface="맑은 고딕"/>
+        <a:font script="Hans" typeface="宋体"/>
+        <a:font script="Hant" typeface="新細明體"/>
+        <a:font script="Arab" typeface="Arial"/>
+        <a:font script="Hebr" typeface="Arial"/>
+        <a:font script="Thai" typeface="Cordia New"/>
+        <a:font script="Ethi" typeface="Nyala"/>
+        <a:font script="Beng" typeface="Vrinda"/>
+        <a:font script="Gujr" typeface="Shruti"/>
+        <a:font script="Khmr" typeface="DaunPenh"/>
+        <a:font script="Knda" typeface="Tunga"/>
+        <a:font script="Guru" typeface="Raavi"/>
+        <a:font script="Cans" typeface="Euphemia"/>
+        <a:font script="Cher" typeface="Plantagenet Cherokee"/>
+        <a:font script="Yiii" typeface="Microsoft Yi Baiti"/>
+        <a:font script="Tibt" typeface="Microsoft Himalaya"/>
+        <a:font script="Thaa" typeface="MV Boli"/>
+        <a:font script="Deva" typeface="Mangal"/>
+        <a:font script="Telu" typeface="Gautami"/>
+        <a:font script="Taml" typeface="Latha"/>
+        <a:font script="Syrc" typeface="Estrangelo Edessa"/>
+        <a:font script="Orya" typeface="Kalinga"/>
+        <a:font script="Mlym" typeface="Kartika"/>
+        <a:font script="Laoo" typeface="DokChampa"/>
+        <a:font script="Sinh" typeface="Iskoola Pota"/>
+        <a:font script="Mong" typeface="Mongolian Baiti"/>
+        <a:font script="Viet" typeface="Arial"/>
+        <a:font script="Uigh" typeface="Microsoft Uighur"/>
+        <a:font script="Geor" typeface="Sylfaen"/>
+      </a:minorFont>
+    </a:fontScheme>
+    <a:fmtScheme name="Office">
+      <a:fillStyleLst>
+        <a:solidFill>
+          <a:schemeClr val="phClr"/>
+        </a:solidFill>
+        <a:gradFill rotWithShape="1">
+          <a:gsLst>
+            <a:gs pos="0">
+              <a:schemeClr val="phClr">
+                <a:tint val="50000"/>
+                <a:satMod val="300000"/>
+              </a:schemeClr>
+            </a:gs>
+            <a:gs pos="35000">
+              <a:schemeClr val="phClr">
+                <a:tint val="37000"/>
+                <a:satMod val="300000"/>
+              </a:schemeClr>
+            </a:gs>
+            <a:gs pos="100000">
+              <a:schemeClr val="phClr">
+                <a:tint val="15000"/>
+                <a:satMod val="350000"/>
+              </a:schemeClr>
+            </a:gs>
+          </a:gsLst>
+          <a:lin ang="16200000" scaled="1"/>
+        </a:gradFill>
+        <a:gradFill rotWithShape="1">
+          <a:gsLst>
+            <a:gs pos="0">
+              <a:schemeClr val="phClr">
+                <a:tint val="100000"/>
+                <a:shade val="100000"/>
+                <a:satMod val="130000"/>
+              </a:schemeClr>
+            </a:gs>
+            <a:gs pos="100000">
+              <a:schemeClr val="phClr">
+                <a:tint val="50000"/>
+                <a:shade val="100000"/>
+                <a:satMod val="350000"/>
+              </a:schemeClr>
+            </a:gs>
+          </a:gsLst>
+          <a:lin ang="16200000" scaled="0"/>
+        </a:gradFill>
+      </a:fillStyleLst>
+      <a:lnStyleLst>
+        <a:ln w="9525" cap="flat" cmpd="sng" algn="ctr">
+          <a:solidFill>
+            <a:schemeClr val="phClr">
+              <a:shade val="95000"/>
+              <a:satMod val="105000"/>
+            </a:schemeClr>
+          </a:solidFill>
+          <a:prstDash val="solid"/>
+        </a:ln>
+        <a:ln w="25400" cap="flat" cmpd="sng" algn="ctr">
+          <a:solidFill>
+            <a:schemeClr val="phClr"/>
+          </a:solidFill>
+          <a:prstDash val="solid"/>
+        </a:ln>
+        <a:ln w="38100" cap="flat" cmpd="sng" algn="ctr">
+          <a:solidFill>
+            <a:schemeClr val="phClr"/>
+          </a:solidFill>
+          <a:prstDash val="solid"/>
+        </a:ln>
+      </a:lnStyleLst>
+      <a:effectStyleLst>
+        <a:effectStyle>
+          <a:effectLst>
+            <a:outerShdw blurRad="40000" dist="20000" dir="5400000" rotWithShape="0">
+              <a:srgbClr val="000000">
+                <a:alpha val="38000"/>
+              </a:srgbClr>
+            </a:outerShdw>
+          </a:effectLst>
+        </a:effectStyle>
+        <a:effectStyle>
+          <a:effectLst>
+            <a:outerShdw blurRad="40000" dist="23000" dir="5400000" rotWithShape="0">
+              <a:srgbClr val="000000">
+                <a:alpha val="35000"/>
+              </a:srgbClr>
+            </a:outerShdw>
+          </a:effectLst>
+        </a:effectStyle>
+        <a:effectStyle>
+          <a:effectLst>
+            <a:outerShdw blurRad="40000" dist="23000" dir="5400000" rotWithShape="0">
+              <a:srgbClr val="000000">
+                <a:alpha val="35000"/>
+              </a:srgbClr>
+            </a:outerShdw>
+          </a:effectLst>
+          <a:scene3d>
+            <a:camera prst="orthographicFront">
+              <a:rot lat="0" lon="0" rev="0"/>
+            </a:camera>
+            <a:lightRig rig="threePt" dir="t">
+              <a:rot lat="0" lon="0" rev="1200000"/>
+            </a:lightRig>
+          </a:scene3d>
+          <a:sp3d>
+            <a:bevelT w="63500" h="25400"/>
+          </a:sp3d>
+        </a:effectStyle>
+      </a:effectStyleLst>
+      <a:bgFillStyleLst>
+        <a:solidFill>
+          <a:schemeClr val="phClr"/>
+        </a:solidFill>
+        <a:gradFill rotWithShape="1">
+          <a:gsLst>
+            <a:gs pos="0">
+              <a:schemeClr val="phClr">
+                <a:tint val="40000"/>
+                <a:satMod val="350000"/>
+              </a:schemeClr>
+            </a:gs>
+            <a:gs pos="40000">
+              <a:schemeClr val="phClr">
+                <a:tint val="45000"/>
+                <a:shade val="99000"/>
+                <a:satMod val="350000"/>
+              </a:schemeClr>
+            </a:gs>
+            <a:gs pos="100000">
+              <a:schemeClr val="phClr">
+                <a:shade val="20000"/>
+                <a:satMod val="255000"/>
+              </a:schemeClr>
+            </a:gs>
+          </a:gsLst>
+          <a:path path="circle">
+            <a:fillToRect l="50000" t="-80000" r="50000" b="180000"/>
+          </a:path>
+        </a:gradFill>
+        <a:gradFill rotWithShape="1">
+          <a:gsLst>
+            <a:gs pos="0">
+              <a:schemeClr val="phClr">
+                <a:tint val="80000"/>
+                <a:satMod val="300000"/>
+              </a:schemeClr>
+            </a:gs>
+            <a:gs pos="100000">
+              <a:schemeClr val="phClr">
+                <a:shade val="30000"/>
+                <a:satMod val="200000"/>
+              </a:schemeClr>
+            </a:gs>
+          </a:gsLst>
+          <a:path path="circle">
+            <a:fillToRect l="50000" t="50000" r="50000" b="50000"/>
+          </a:path>
+        </a:gradFill>
+      </a:bgFillStyleLst>
+    </a:fmtScheme>
+  </a:themeElements>
+  <a:objectDefaults/>
+  <a:extraClrSchemeLst/>
+</a:theme>
+</file>
+
+<file path=ppt/theme/theme2.xml><?xml version="1.0" encoding="utf-8"?>
+<a:theme xmlns:a="http://schemas.openxmlformats.org/drawingml/2006/main">
   <a:themeElements>
     <a:clrScheme name="Default">
       <a:dk1>
@@ -11467,284 +11748,7 @@
       </a:bgFillStyleLst>
     </a:fmtScheme>
   </a:themeElements>
-</a:theme>
-</file>
-
-<file path=ppt/theme/theme2.xml><?xml version="1.0" encoding="utf-8"?>
-<a:theme xmlns:a="http://schemas.openxmlformats.org/drawingml/2006/main" xmlns:r="http://schemas.openxmlformats.org/officeDocument/2006/relationships" name="Focus">
-  <a:themeElements>
-    <a:clrScheme name="Focus">
-      <a:dk1>
-        <a:srgbClr val="1B212C"/>
-      </a:dk1>
-      <a:lt1>
-        <a:srgbClr val="FFFFFF"/>
-      </a:lt1>
-      <a:dk2>
-        <a:srgbClr val="D9D9D9"/>
-      </a:dk2>
-      <a:lt2>
-        <a:srgbClr val="82C7A5"/>
-      </a:lt2>
-      <a:accent1>
-        <a:srgbClr val="0145AC"/>
-      </a:accent1>
-      <a:accent2>
-        <a:srgbClr val="EECE1A"/>
-      </a:accent2>
-      <a:accent3>
-        <a:srgbClr val="4E5567"/>
-      </a:accent3>
-      <a:accent4>
-        <a:srgbClr val="F4D6AD"/>
-      </a:accent4>
-      <a:accent5>
-        <a:srgbClr val="7890CD"/>
-      </a:accent5>
-      <a:accent6>
-        <a:srgbClr val="F15E22"/>
-      </a:accent6>
-      <a:hlink>
-        <a:srgbClr val="7890CD"/>
-      </a:hlink>
-      <a:folHlink>
-        <a:srgbClr val="7890CD"/>
-      </a:folHlink>
-    </a:clrScheme>
-    <a:fontScheme name="Office">
-      <a:majorFont>
-        <a:latin typeface="Arial"/>
-        <a:ea typeface=""/>
-        <a:cs typeface=""/>
-        <a:font script="Jpan" typeface="ＭＳ Ｐゴシック"/>
-        <a:font script="Hang" typeface="맑은 고딕"/>
-        <a:font script="Hans" typeface="宋体"/>
-        <a:font script="Hant" typeface="新細明體"/>
-        <a:font script="Arab" typeface="Times New Roman"/>
-        <a:font script="Hebr" typeface="Times New Roman"/>
-        <a:font script="Thai" typeface="Angsana New"/>
-        <a:font script="Ethi" typeface="Nyala"/>
-        <a:font script="Beng" typeface="Vrinda"/>
-        <a:font script="Gujr" typeface="Shruti"/>
-        <a:font script="Khmr" typeface="MoolBoran"/>
-        <a:font script="Knda" typeface="Tunga"/>
-        <a:font script="Guru" typeface="Raavi"/>
-        <a:font script="Cans" typeface="Euphemia"/>
-        <a:font script="Cher" typeface="Plantagenet Cherokee"/>
-        <a:font script="Yiii" typeface="Microsoft Yi Baiti"/>
-        <a:font script="Tibt" typeface="Microsoft Himalaya"/>
-        <a:font script="Thaa" typeface="MV Boli"/>
-        <a:font script="Deva" typeface="Mangal"/>
-        <a:font script="Telu" typeface="Gautami"/>
-        <a:font script="Taml" typeface="Latha"/>
-        <a:font script="Syrc" typeface="Estrangelo Edessa"/>
-        <a:font script="Orya" typeface="Kalinga"/>
-        <a:font script="Mlym" typeface="Kartika"/>
-        <a:font script="Laoo" typeface="DokChampa"/>
-        <a:font script="Sinh" typeface="Iskoola Pota"/>
-        <a:font script="Mong" typeface="Mongolian Baiti"/>
-        <a:font script="Viet" typeface="Times New Roman"/>
-        <a:font script="Uigh" typeface="Microsoft Uighur"/>
-        <a:font script="Geor" typeface="Sylfaen"/>
-      </a:majorFont>
-      <a:minorFont>
-        <a:latin typeface="Arial"/>
-        <a:ea typeface=""/>
-        <a:cs typeface=""/>
-        <a:font script="Jpan" typeface="ＭＳ Ｐゴシック"/>
-        <a:font script="Hang" typeface="맑은 고딕"/>
-        <a:font script="Hans" typeface="宋体"/>
-        <a:font script="Hant" typeface="新細明體"/>
-        <a:font script="Arab" typeface="Arial"/>
-        <a:font script="Hebr" typeface="Arial"/>
-        <a:font script="Thai" typeface="Cordia New"/>
-        <a:font script="Ethi" typeface="Nyala"/>
-        <a:font script="Beng" typeface="Vrinda"/>
-        <a:font script="Gujr" typeface="Shruti"/>
-        <a:font script="Khmr" typeface="DaunPenh"/>
-        <a:font script="Knda" typeface="Tunga"/>
-        <a:font script="Guru" typeface="Raavi"/>
-        <a:font script="Cans" typeface="Euphemia"/>
-        <a:font script="Cher" typeface="Plantagenet Cherokee"/>
-        <a:font script="Yiii" typeface="Microsoft Yi Baiti"/>
-        <a:font script="Tibt" typeface="Microsoft Himalaya"/>
-        <a:font script="Thaa" typeface="MV Boli"/>
-        <a:font script="Deva" typeface="Mangal"/>
-        <a:font script="Telu" typeface="Gautami"/>
-        <a:font script="Taml" typeface="Latha"/>
-        <a:font script="Syrc" typeface="Estrangelo Edessa"/>
-        <a:font script="Orya" typeface="Kalinga"/>
-        <a:font script="Mlym" typeface="Kartika"/>
-        <a:font script="Laoo" typeface="DokChampa"/>
-        <a:font script="Sinh" typeface="Iskoola Pota"/>
-        <a:font script="Mong" typeface="Mongolian Baiti"/>
-        <a:font script="Viet" typeface="Arial"/>
-        <a:font script="Uigh" typeface="Microsoft Uighur"/>
-        <a:font script="Geor" typeface="Sylfaen"/>
-      </a:minorFont>
-    </a:fontScheme>
-    <a:fmtScheme name="Office">
-      <a:fillStyleLst>
-        <a:solidFill>
-          <a:schemeClr val="phClr"/>
-        </a:solidFill>
-        <a:gradFill rotWithShape="1">
-          <a:gsLst>
-            <a:gs pos="0">
-              <a:schemeClr val="phClr">
-                <a:tint val="50000"/>
-                <a:satMod val="300000"/>
-              </a:schemeClr>
-            </a:gs>
-            <a:gs pos="35000">
-              <a:schemeClr val="phClr">
-                <a:tint val="37000"/>
-                <a:satMod val="300000"/>
-              </a:schemeClr>
-            </a:gs>
-            <a:gs pos="100000">
-              <a:schemeClr val="phClr">
-                <a:tint val="15000"/>
-                <a:satMod val="350000"/>
-              </a:schemeClr>
-            </a:gs>
-          </a:gsLst>
-          <a:lin ang="16200000" scaled="1"/>
-        </a:gradFill>
-        <a:gradFill rotWithShape="1">
-          <a:gsLst>
-            <a:gs pos="0">
-              <a:schemeClr val="phClr">
-                <a:tint val="100000"/>
-                <a:shade val="100000"/>
-                <a:satMod val="130000"/>
-              </a:schemeClr>
-            </a:gs>
-            <a:gs pos="100000">
-              <a:schemeClr val="phClr">
-                <a:tint val="50000"/>
-                <a:shade val="100000"/>
-                <a:satMod val="350000"/>
-              </a:schemeClr>
-            </a:gs>
-          </a:gsLst>
-          <a:lin ang="16200000" scaled="0"/>
-        </a:gradFill>
-      </a:fillStyleLst>
-      <a:lnStyleLst>
-        <a:ln w="9525" cap="flat" cmpd="sng" algn="ctr">
-          <a:solidFill>
-            <a:schemeClr val="phClr">
-              <a:shade val="95000"/>
-              <a:satMod val="105000"/>
-            </a:schemeClr>
-          </a:solidFill>
-          <a:prstDash val="solid"/>
-        </a:ln>
-        <a:ln w="25400" cap="flat" cmpd="sng" algn="ctr">
-          <a:solidFill>
-            <a:schemeClr val="phClr"/>
-          </a:solidFill>
-          <a:prstDash val="solid"/>
-        </a:ln>
-        <a:ln w="38100" cap="flat" cmpd="sng" algn="ctr">
-          <a:solidFill>
-            <a:schemeClr val="phClr"/>
-          </a:solidFill>
-          <a:prstDash val="solid"/>
-        </a:ln>
-      </a:lnStyleLst>
-      <a:effectStyleLst>
-        <a:effectStyle>
-          <a:effectLst>
-            <a:outerShdw blurRad="40000" dist="20000" dir="5400000" rotWithShape="0">
-              <a:srgbClr val="000000">
-                <a:alpha val="38000"/>
-              </a:srgbClr>
-            </a:outerShdw>
-          </a:effectLst>
-        </a:effectStyle>
-        <a:effectStyle>
-          <a:effectLst>
-            <a:outerShdw blurRad="40000" dist="23000" dir="5400000" rotWithShape="0">
-              <a:srgbClr val="000000">
-                <a:alpha val="35000"/>
-              </a:srgbClr>
-            </a:outerShdw>
-          </a:effectLst>
-        </a:effectStyle>
-        <a:effectStyle>
-          <a:effectLst>
-            <a:outerShdw blurRad="40000" dist="23000" dir="5400000" rotWithShape="0">
-              <a:srgbClr val="000000">
-                <a:alpha val="35000"/>
-              </a:srgbClr>
-            </a:outerShdw>
-          </a:effectLst>
-          <a:scene3d>
-            <a:camera prst="orthographicFront">
-              <a:rot lat="0" lon="0" rev="0"/>
-            </a:camera>
-            <a:lightRig rig="threePt" dir="t">
-              <a:rot lat="0" lon="0" rev="1200000"/>
-            </a:lightRig>
-          </a:scene3d>
-          <a:sp3d>
-            <a:bevelT w="63500" h="25400"/>
-          </a:sp3d>
-        </a:effectStyle>
-      </a:effectStyleLst>
-      <a:bgFillStyleLst>
-        <a:solidFill>
-          <a:schemeClr val="phClr"/>
-        </a:solidFill>
-        <a:gradFill rotWithShape="1">
-          <a:gsLst>
-            <a:gs pos="0">
-              <a:schemeClr val="phClr">
-                <a:tint val="40000"/>
-                <a:satMod val="350000"/>
-              </a:schemeClr>
-            </a:gs>
-            <a:gs pos="40000">
-              <a:schemeClr val="phClr">
-                <a:tint val="45000"/>
-                <a:shade val="99000"/>
-                <a:satMod val="350000"/>
-              </a:schemeClr>
-            </a:gs>
-            <a:gs pos="100000">
-              <a:schemeClr val="phClr">
-                <a:shade val="20000"/>
-                <a:satMod val="255000"/>
-              </a:schemeClr>
-            </a:gs>
-          </a:gsLst>
-          <a:path path="circle">
-            <a:fillToRect l="50000" t="-80000" r="50000" b="180000"/>
-          </a:path>
-        </a:gradFill>
-        <a:gradFill rotWithShape="1">
-          <a:gsLst>
-            <a:gs pos="0">
-              <a:schemeClr val="phClr">
-                <a:tint val="80000"/>
-                <a:satMod val="300000"/>
-              </a:schemeClr>
-            </a:gs>
-            <a:gs pos="100000">
-              <a:schemeClr val="phClr">
-                <a:shade val="30000"/>
-                <a:satMod val="200000"/>
-              </a:schemeClr>
-            </a:gs>
-          </a:gsLst>
-          <a:path path="circle">
-            <a:fillToRect l="50000" t="50000" r="50000" b="50000"/>
-          </a:path>
-        </a:gradFill>
-      </a:bgFillStyleLst>
-    </a:fmtScheme>
-  </a:themeElements>
+  <a:objectDefaults/>
+  <a:extraClrSchemeLst/>
 </a:theme>
 </file>